--- a/Working Files/Project1_Presentation.pptx
+++ b/Working Files/Project1_Presentation.pptx
@@ -2,10 +2,24 @@
 <file path=ppt/presentation.xml><?xml version="1.0" encoding="utf-8"?>
 <p:presentation xmlns:a="http://schemas.openxmlformats.org/drawingml/2006/main" xmlns:r="http://schemas.openxmlformats.org/officeDocument/2006/relationships" xmlns:p="http://schemas.openxmlformats.org/presentationml/2006/main" saveSubsetFonts="1" autoCompressPictures="0">
   <p:sldMasterIdLst>
-    <p:sldMasterId id="2147483648" r:id="rId1"/>
+    <p:sldMasterId id="2147483702" r:id="rId1"/>
   </p:sldMasterIdLst>
+  <p:notesMasterIdLst>
+    <p:notesMasterId r:id="rId14"/>
+  </p:notesMasterIdLst>
   <p:sldIdLst>
     <p:sldId id="256" r:id="rId2"/>
+    <p:sldId id="267" r:id="rId3"/>
+    <p:sldId id="258" r:id="rId4"/>
+    <p:sldId id="268" r:id="rId5"/>
+    <p:sldId id="259" r:id="rId6"/>
+    <p:sldId id="260" r:id="rId7"/>
+    <p:sldId id="261" r:id="rId8"/>
+    <p:sldId id="262" r:id="rId9"/>
+    <p:sldId id="263" r:id="rId10"/>
+    <p:sldId id="264" r:id="rId11"/>
+    <p:sldId id="265" r:id="rId12"/>
+    <p:sldId id="266" r:id="rId13"/>
   </p:sldIdLst>
   <p:sldSz cx="12192000" cy="6858000"/>
   <p:notesSz cx="6858000" cy="9144000"/>
@@ -13,7 +27,7 @@
     <a:defPPr>
       <a:defRPr lang="en-US"/>
     </a:defPPr>
-    <a:lvl1pPr marL="0" algn="l" defTabSz="914400" rtl="0" eaLnBrk="1" latinLnBrk="0" hangingPunct="1">
+    <a:lvl1pPr marL="0" algn="l" defTabSz="457200" rtl="0" eaLnBrk="1" latinLnBrk="0" hangingPunct="1">
       <a:defRPr sz="1800" kern="1200">
         <a:solidFill>
           <a:schemeClr val="tx1"/>
@@ -23,7 +37,7 @@
         <a:cs typeface="+mn-cs"/>
       </a:defRPr>
     </a:lvl1pPr>
-    <a:lvl2pPr marL="457200" algn="l" defTabSz="914400" rtl="0" eaLnBrk="1" latinLnBrk="0" hangingPunct="1">
+    <a:lvl2pPr marL="457200" algn="l" defTabSz="457200" rtl="0" eaLnBrk="1" latinLnBrk="0" hangingPunct="1">
       <a:defRPr sz="1800" kern="1200">
         <a:solidFill>
           <a:schemeClr val="tx1"/>
@@ -33,7 +47,7 @@
         <a:cs typeface="+mn-cs"/>
       </a:defRPr>
     </a:lvl2pPr>
-    <a:lvl3pPr marL="914400" algn="l" defTabSz="914400" rtl="0" eaLnBrk="1" latinLnBrk="0" hangingPunct="1">
+    <a:lvl3pPr marL="914400" algn="l" defTabSz="457200" rtl="0" eaLnBrk="1" latinLnBrk="0" hangingPunct="1">
       <a:defRPr sz="1800" kern="1200">
         <a:solidFill>
           <a:schemeClr val="tx1"/>
@@ -43,7 +57,7 @@
         <a:cs typeface="+mn-cs"/>
       </a:defRPr>
     </a:lvl3pPr>
-    <a:lvl4pPr marL="1371600" algn="l" defTabSz="914400" rtl="0" eaLnBrk="1" latinLnBrk="0" hangingPunct="1">
+    <a:lvl4pPr marL="1371600" algn="l" defTabSz="457200" rtl="0" eaLnBrk="1" latinLnBrk="0" hangingPunct="1">
       <a:defRPr sz="1800" kern="1200">
         <a:solidFill>
           <a:schemeClr val="tx1"/>
@@ -53,7 +67,7 @@
         <a:cs typeface="+mn-cs"/>
       </a:defRPr>
     </a:lvl4pPr>
-    <a:lvl5pPr marL="1828800" algn="l" defTabSz="914400" rtl="0" eaLnBrk="1" latinLnBrk="0" hangingPunct="1">
+    <a:lvl5pPr marL="1828800" algn="l" defTabSz="457200" rtl="0" eaLnBrk="1" latinLnBrk="0" hangingPunct="1">
       <a:defRPr sz="1800" kern="1200">
         <a:solidFill>
           <a:schemeClr val="tx1"/>
@@ -63,7 +77,7 @@
         <a:cs typeface="+mn-cs"/>
       </a:defRPr>
     </a:lvl5pPr>
-    <a:lvl6pPr marL="2286000" algn="l" defTabSz="914400" rtl="0" eaLnBrk="1" latinLnBrk="0" hangingPunct="1">
+    <a:lvl6pPr marL="2286000" algn="l" defTabSz="457200" rtl="0" eaLnBrk="1" latinLnBrk="0" hangingPunct="1">
       <a:defRPr sz="1800" kern="1200">
         <a:solidFill>
           <a:schemeClr val="tx1"/>
@@ -73,7 +87,7 @@
         <a:cs typeface="+mn-cs"/>
       </a:defRPr>
     </a:lvl6pPr>
-    <a:lvl7pPr marL="2743200" algn="l" defTabSz="914400" rtl="0" eaLnBrk="1" latinLnBrk="0" hangingPunct="1">
+    <a:lvl7pPr marL="2743200" algn="l" defTabSz="457200" rtl="0" eaLnBrk="1" latinLnBrk="0" hangingPunct="1">
       <a:defRPr sz="1800" kern="1200">
         <a:solidFill>
           <a:schemeClr val="tx1"/>
@@ -83,7 +97,7 @@
         <a:cs typeface="+mn-cs"/>
       </a:defRPr>
     </a:lvl7pPr>
-    <a:lvl8pPr marL="3200400" algn="l" defTabSz="914400" rtl="0" eaLnBrk="1" latinLnBrk="0" hangingPunct="1">
+    <a:lvl8pPr marL="3200400" algn="l" defTabSz="457200" rtl="0" eaLnBrk="1" latinLnBrk="0" hangingPunct="1">
       <a:defRPr sz="1800" kern="1200">
         <a:solidFill>
           <a:schemeClr val="tx1"/>
@@ -93,7 +107,7 @@
         <a:cs typeface="+mn-cs"/>
       </a:defRPr>
     </a:lvl8pPr>
-    <a:lvl9pPr marL="3657600" algn="l" defTabSz="914400" rtl="0" eaLnBrk="1" latinLnBrk="0" hangingPunct="1">
+    <a:lvl9pPr marL="3657600" algn="l" defTabSz="457200" rtl="0" eaLnBrk="1" latinLnBrk="0" hangingPunct="1">
       <a:defRPr sz="1800" kern="1200">
         <a:solidFill>
           <a:schemeClr val="tx1"/>
@@ -105,6 +119,759 @@
     </a:lvl9pPr>
   </p:defaultTextStyle>
 </p:presentation>
+</file>
+
+<file path=ppt/commentAuthors.xml><?xml version="1.0" encoding="utf-8"?>
+<p:cmAuthorLst xmlns:a="http://schemas.openxmlformats.org/drawingml/2006/main" xmlns:r="http://schemas.openxmlformats.org/officeDocument/2006/relationships" xmlns:p="http://schemas.openxmlformats.org/presentationml/2006/main">
+  <p:cmAuthor id="1" name="Katrina Smith" initials="KS" lastIdx="1" clrIdx="0">
+    <p:extLst>
+      <p:ext uri="{19B8F6BF-5375-455C-9EA6-DF929625EA0E}">
+        <p15:presenceInfo xmlns:p15="http://schemas.microsoft.com/office/powerpoint/2012/main" userId="989c7a33a0c3bd36" providerId="Windows Live"/>
+      </p:ext>
+    </p:extLst>
+  </p:cmAuthor>
+</p:cmAuthorLst>
+</file>
+
+<file path=ppt/comments/comment1.xml><?xml version="1.0" encoding="utf-8"?>
+<p:cmLst xmlns:a="http://schemas.openxmlformats.org/drawingml/2006/main" xmlns:r="http://schemas.openxmlformats.org/officeDocument/2006/relationships" xmlns:p="http://schemas.openxmlformats.org/presentationml/2006/main">
+  <p:cm authorId="1" dt="2020-10-17T11:47:22.001" idx="1">
+    <p:pos x="10" y="10"/>
+    <p:text/>
+    <p:extLst>
+      <p:ext uri="{C676402C-5697-4E1C-873F-D02D1690AC5C}">
+        <p15:threadingInfo xmlns:p15="http://schemas.microsoft.com/office/powerpoint/2012/main" timeZoneBias="240"/>
+      </p:ext>
+    </p:extLst>
+  </p:cm>
+</p:cmLst>
+</file>
+
+<file path=ppt/notesMasters/notesMaster1.xml><?xml version="1.0" encoding="utf-8"?>
+<p:notesMaster xmlns:a="http://schemas.openxmlformats.org/drawingml/2006/main" xmlns:r="http://schemas.openxmlformats.org/officeDocument/2006/relationships" xmlns:p="http://schemas.openxmlformats.org/presentationml/2006/main">
+  <p:cSld>
+    <p:bg>
+      <p:bgRef idx="1001">
+        <a:schemeClr val="bg1"/>
+      </p:bgRef>
+    </p:bg>
+    <p:spTree>
+      <p:nvGrpSpPr>
+        <p:cNvPr id="1" name=""/>
+        <p:cNvGrpSpPr/>
+        <p:nvPr/>
+      </p:nvGrpSpPr>
+      <p:grpSpPr>
+        <a:xfrm>
+          <a:off x="0" y="0"/>
+          <a:ext cx="0" cy="0"/>
+          <a:chOff x="0" y="0"/>
+          <a:chExt cx="0" cy="0"/>
+        </a:xfrm>
+      </p:grpSpPr>
+      <p:sp>
+        <p:nvSpPr>
+          <p:cNvPr id="2" name="Header Placeholder 1"/>
+          <p:cNvSpPr>
+            <a:spLocks noGrp="1"/>
+          </p:cNvSpPr>
+          <p:nvPr>
+            <p:ph type="hdr" sz="quarter"/>
+          </p:nvPr>
+        </p:nvSpPr>
+        <p:spPr>
+          <a:xfrm>
+            <a:off x="0" y="0"/>
+            <a:ext cx="2971800" cy="458788"/>
+          </a:xfrm>
+          <a:prstGeom prst="rect">
+            <a:avLst/>
+          </a:prstGeom>
+        </p:spPr>
+        <p:txBody>
+          <a:bodyPr vert="horz" lIns="91440" tIns="45720" rIns="91440" bIns="45720" rtlCol="0"/>
+          <a:lstStyle>
+            <a:lvl1pPr algn="l">
+              <a:defRPr sz="1200"/>
+            </a:lvl1pPr>
+          </a:lstStyle>
+          <a:p>
+            <a:endParaRPr lang="en-US"/>
+          </a:p>
+        </p:txBody>
+      </p:sp>
+      <p:sp>
+        <p:nvSpPr>
+          <p:cNvPr id="3" name="Date Placeholder 2"/>
+          <p:cNvSpPr>
+            <a:spLocks noGrp="1"/>
+          </p:cNvSpPr>
+          <p:nvPr>
+            <p:ph type="dt" idx="1"/>
+          </p:nvPr>
+        </p:nvSpPr>
+        <p:spPr>
+          <a:xfrm>
+            <a:off x="3884613" y="0"/>
+            <a:ext cx="2971800" cy="458788"/>
+          </a:xfrm>
+          <a:prstGeom prst="rect">
+            <a:avLst/>
+          </a:prstGeom>
+        </p:spPr>
+        <p:txBody>
+          <a:bodyPr vert="horz" lIns="91440" tIns="45720" rIns="91440" bIns="45720" rtlCol="0"/>
+          <a:lstStyle>
+            <a:lvl1pPr algn="r">
+              <a:defRPr sz="1200"/>
+            </a:lvl1pPr>
+          </a:lstStyle>
+          <a:p>
+            <a:fld id="{055CA902-E0AE-B742-A899-A7F6910BDD69}" type="datetimeFigureOut">
+              <a:rPr lang="en-US" smtClean="0"/>
+              <a:t>10/17/20</a:t>
+            </a:fld>
+            <a:endParaRPr lang="en-US"/>
+          </a:p>
+        </p:txBody>
+      </p:sp>
+      <p:sp>
+        <p:nvSpPr>
+          <p:cNvPr id="4" name="Slide Image Placeholder 3"/>
+          <p:cNvSpPr>
+            <a:spLocks noGrp="1" noRot="1" noChangeAspect="1"/>
+          </p:cNvSpPr>
+          <p:nvPr>
+            <p:ph type="sldImg" idx="2"/>
+          </p:nvPr>
+        </p:nvSpPr>
+        <p:spPr>
+          <a:xfrm>
+            <a:off x="685800" y="1143000"/>
+            <a:ext cx="5486400" cy="3086100"/>
+          </a:xfrm>
+          <a:prstGeom prst="rect">
+            <a:avLst/>
+          </a:prstGeom>
+          <a:noFill/>
+          <a:ln w="12700">
+            <a:solidFill>
+              <a:prstClr val="black"/>
+            </a:solidFill>
+          </a:ln>
+        </p:spPr>
+        <p:txBody>
+          <a:bodyPr vert="horz" lIns="91440" tIns="45720" rIns="91440" bIns="45720" rtlCol="0" anchor="ctr"/>
+          <a:lstStyle/>
+          <a:p>
+            <a:endParaRPr lang="en-US"/>
+          </a:p>
+        </p:txBody>
+      </p:sp>
+      <p:sp>
+        <p:nvSpPr>
+          <p:cNvPr id="5" name="Notes Placeholder 4"/>
+          <p:cNvSpPr>
+            <a:spLocks noGrp="1"/>
+          </p:cNvSpPr>
+          <p:nvPr>
+            <p:ph type="body" sz="quarter" idx="3"/>
+          </p:nvPr>
+        </p:nvSpPr>
+        <p:spPr>
+          <a:xfrm>
+            <a:off x="685800" y="4400550"/>
+            <a:ext cx="5486400" cy="3600450"/>
+          </a:xfrm>
+          <a:prstGeom prst="rect">
+            <a:avLst/>
+          </a:prstGeom>
+        </p:spPr>
+        <p:txBody>
+          <a:bodyPr vert="horz" lIns="91440" tIns="45720" rIns="91440" bIns="45720" rtlCol="0"/>
+          <a:lstStyle/>
+          <a:p>
+            <a:pPr lvl="0"/>
+            <a:r>
+              <a:rPr lang="en-US"/>
+              <a:t>Click to edit Master text styles</a:t>
+            </a:r>
+          </a:p>
+          <a:p>
+            <a:pPr lvl="1"/>
+            <a:r>
+              <a:rPr lang="en-US"/>
+              <a:t>Second level</a:t>
+            </a:r>
+          </a:p>
+          <a:p>
+            <a:pPr lvl="2"/>
+            <a:r>
+              <a:rPr lang="en-US"/>
+              <a:t>Third level</a:t>
+            </a:r>
+          </a:p>
+          <a:p>
+            <a:pPr lvl="3"/>
+            <a:r>
+              <a:rPr lang="en-US"/>
+              <a:t>Fourth level</a:t>
+            </a:r>
+          </a:p>
+          <a:p>
+            <a:pPr lvl="4"/>
+            <a:r>
+              <a:rPr lang="en-US"/>
+              <a:t>Fifth level</a:t>
+            </a:r>
+          </a:p>
+        </p:txBody>
+      </p:sp>
+      <p:sp>
+        <p:nvSpPr>
+          <p:cNvPr id="6" name="Footer Placeholder 5"/>
+          <p:cNvSpPr>
+            <a:spLocks noGrp="1"/>
+          </p:cNvSpPr>
+          <p:nvPr>
+            <p:ph type="ftr" sz="quarter" idx="4"/>
+          </p:nvPr>
+        </p:nvSpPr>
+        <p:spPr>
+          <a:xfrm>
+            <a:off x="0" y="8685213"/>
+            <a:ext cx="2971800" cy="458787"/>
+          </a:xfrm>
+          <a:prstGeom prst="rect">
+            <a:avLst/>
+          </a:prstGeom>
+        </p:spPr>
+        <p:txBody>
+          <a:bodyPr vert="horz" lIns="91440" tIns="45720" rIns="91440" bIns="45720" rtlCol="0" anchor="b"/>
+          <a:lstStyle>
+            <a:lvl1pPr algn="l">
+              <a:defRPr sz="1200"/>
+            </a:lvl1pPr>
+          </a:lstStyle>
+          <a:p>
+            <a:endParaRPr lang="en-US"/>
+          </a:p>
+        </p:txBody>
+      </p:sp>
+      <p:sp>
+        <p:nvSpPr>
+          <p:cNvPr id="7" name="Slide Number Placeholder 6"/>
+          <p:cNvSpPr>
+            <a:spLocks noGrp="1"/>
+          </p:cNvSpPr>
+          <p:nvPr>
+            <p:ph type="sldNum" sz="quarter" idx="5"/>
+          </p:nvPr>
+        </p:nvSpPr>
+        <p:spPr>
+          <a:xfrm>
+            <a:off x="3884613" y="8685213"/>
+            <a:ext cx="2971800" cy="458787"/>
+          </a:xfrm>
+          <a:prstGeom prst="rect">
+            <a:avLst/>
+          </a:prstGeom>
+        </p:spPr>
+        <p:txBody>
+          <a:bodyPr vert="horz" lIns="91440" tIns="45720" rIns="91440" bIns="45720" rtlCol="0" anchor="b"/>
+          <a:lstStyle>
+            <a:lvl1pPr algn="r">
+              <a:defRPr sz="1200"/>
+            </a:lvl1pPr>
+          </a:lstStyle>
+          <a:p>
+            <a:fld id="{07CD7B79-05AC-D248-999F-99510115A2FB}" type="slidenum">
+              <a:rPr lang="en-US" smtClean="0"/>
+              <a:t>‹#›</a:t>
+            </a:fld>
+            <a:endParaRPr lang="en-US"/>
+          </a:p>
+        </p:txBody>
+      </p:sp>
+    </p:spTree>
+    <p:extLst>
+      <p:ext uri="{BB962C8B-B14F-4D97-AF65-F5344CB8AC3E}">
+        <p14:creationId xmlns:p14="http://schemas.microsoft.com/office/powerpoint/2010/main" val="401164497"/>
+      </p:ext>
+    </p:extLst>
+  </p:cSld>
+  <p:clrMap bg1="lt1" tx1="dk1" bg2="lt2" tx2="dk2" accent1="accent1" accent2="accent2" accent3="accent3" accent4="accent4" accent5="accent5" accent6="accent6" hlink="hlink" folHlink="folHlink"/>
+  <p:notesStyle>
+    <a:lvl1pPr marL="0" algn="l" defTabSz="914400" rtl="0" eaLnBrk="1" latinLnBrk="0" hangingPunct="1">
+      <a:defRPr sz="1200" kern="1200">
+        <a:solidFill>
+          <a:schemeClr val="tx1"/>
+        </a:solidFill>
+        <a:latin typeface="+mn-lt"/>
+        <a:ea typeface="+mn-ea"/>
+        <a:cs typeface="+mn-cs"/>
+      </a:defRPr>
+    </a:lvl1pPr>
+    <a:lvl2pPr marL="457200" algn="l" defTabSz="914400" rtl="0" eaLnBrk="1" latinLnBrk="0" hangingPunct="1">
+      <a:defRPr sz="1200" kern="1200">
+        <a:solidFill>
+          <a:schemeClr val="tx1"/>
+        </a:solidFill>
+        <a:latin typeface="+mn-lt"/>
+        <a:ea typeface="+mn-ea"/>
+        <a:cs typeface="+mn-cs"/>
+      </a:defRPr>
+    </a:lvl2pPr>
+    <a:lvl3pPr marL="914400" algn="l" defTabSz="914400" rtl="0" eaLnBrk="1" latinLnBrk="0" hangingPunct="1">
+      <a:defRPr sz="1200" kern="1200">
+        <a:solidFill>
+          <a:schemeClr val="tx1"/>
+        </a:solidFill>
+        <a:latin typeface="+mn-lt"/>
+        <a:ea typeface="+mn-ea"/>
+        <a:cs typeface="+mn-cs"/>
+      </a:defRPr>
+    </a:lvl3pPr>
+    <a:lvl4pPr marL="1371600" algn="l" defTabSz="914400" rtl="0" eaLnBrk="1" latinLnBrk="0" hangingPunct="1">
+      <a:defRPr sz="1200" kern="1200">
+        <a:solidFill>
+          <a:schemeClr val="tx1"/>
+        </a:solidFill>
+        <a:latin typeface="+mn-lt"/>
+        <a:ea typeface="+mn-ea"/>
+        <a:cs typeface="+mn-cs"/>
+      </a:defRPr>
+    </a:lvl4pPr>
+    <a:lvl5pPr marL="1828800" algn="l" defTabSz="914400" rtl="0" eaLnBrk="1" latinLnBrk="0" hangingPunct="1">
+      <a:defRPr sz="1200" kern="1200">
+        <a:solidFill>
+          <a:schemeClr val="tx1"/>
+        </a:solidFill>
+        <a:latin typeface="+mn-lt"/>
+        <a:ea typeface="+mn-ea"/>
+        <a:cs typeface="+mn-cs"/>
+      </a:defRPr>
+    </a:lvl5pPr>
+    <a:lvl6pPr marL="2286000" algn="l" defTabSz="914400" rtl="0" eaLnBrk="1" latinLnBrk="0" hangingPunct="1">
+      <a:defRPr sz="1200" kern="1200">
+        <a:solidFill>
+          <a:schemeClr val="tx1"/>
+        </a:solidFill>
+        <a:latin typeface="+mn-lt"/>
+        <a:ea typeface="+mn-ea"/>
+        <a:cs typeface="+mn-cs"/>
+      </a:defRPr>
+    </a:lvl6pPr>
+    <a:lvl7pPr marL="2743200" algn="l" defTabSz="914400" rtl="0" eaLnBrk="1" latinLnBrk="0" hangingPunct="1">
+      <a:defRPr sz="1200" kern="1200">
+        <a:solidFill>
+          <a:schemeClr val="tx1"/>
+        </a:solidFill>
+        <a:latin typeface="+mn-lt"/>
+        <a:ea typeface="+mn-ea"/>
+        <a:cs typeface="+mn-cs"/>
+      </a:defRPr>
+    </a:lvl7pPr>
+    <a:lvl8pPr marL="3200400" algn="l" defTabSz="914400" rtl="0" eaLnBrk="1" latinLnBrk="0" hangingPunct="1">
+      <a:defRPr sz="1200" kern="1200">
+        <a:solidFill>
+          <a:schemeClr val="tx1"/>
+        </a:solidFill>
+        <a:latin typeface="+mn-lt"/>
+        <a:ea typeface="+mn-ea"/>
+        <a:cs typeface="+mn-cs"/>
+      </a:defRPr>
+    </a:lvl8pPr>
+    <a:lvl9pPr marL="3657600" algn="l" defTabSz="914400" rtl="0" eaLnBrk="1" latinLnBrk="0" hangingPunct="1">
+      <a:defRPr sz="1200" kern="1200">
+        <a:solidFill>
+          <a:schemeClr val="tx1"/>
+        </a:solidFill>
+        <a:latin typeface="+mn-lt"/>
+        <a:ea typeface="+mn-ea"/>
+        <a:cs typeface="+mn-cs"/>
+      </a:defRPr>
+    </a:lvl9pPr>
+  </p:notesStyle>
+</p:notesMaster>
+</file>
+
+<file path=ppt/notesSlides/notesSlide1.xml><?xml version="1.0" encoding="utf-8"?>
+<p:notes xmlns:a="http://schemas.openxmlformats.org/drawingml/2006/main" xmlns:r="http://schemas.openxmlformats.org/officeDocument/2006/relationships" xmlns:p="http://schemas.openxmlformats.org/presentationml/2006/main">
+  <p:cSld>
+    <p:spTree>
+      <p:nvGrpSpPr>
+        <p:cNvPr id="1" name=""/>
+        <p:cNvGrpSpPr/>
+        <p:nvPr/>
+      </p:nvGrpSpPr>
+      <p:grpSpPr>
+        <a:xfrm>
+          <a:off x="0" y="0"/>
+          <a:ext cx="0" cy="0"/>
+          <a:chOff x="0" y="0"/>
+          <a:chExt cx="0" cy="0"/>
+        </a:xfrm>
+      </p:grpSpPr>
+      <p:sp>
+        <p:nvSpPr>
+          <p:cNvPr id="2" name="Slide Image Placeholder 1"/>
+          <p:cNvSpPr>
+            <a:spLocks noGrp="1" noRot="1" noChangeAspect="1"/>
+          </p:cNvSpPr>
+          <p:nvPr>
+            <p:ph type="sldImg"/>
+          </p:nvPr>
+        </p:nvSpPr>
+        <p:spPr/>
+      </p:sp>
+      <p:sp>
+        <p:nvSpPr>
+          <p:cNvPr id="3" name="Notes Placeholder 2"/>
+          <p:cNvSpPr>
+            <a:spLocks noGrp="1"/>
+          </p:cNvSpPr>
+          <p:nvPr>
+            <p:ph type="body" idx="1"/>
+          </p:nvPr>
+        </p:nvSpPr>
+        <p:spPr/>
+        <p:txBody>
+          <a:bodyPr/>
+          <a:lstStyle/>
+          <a:p>
+            <a:r>
+              <a:rPr lang="en-US" sz="1200" b="0" i="0" u="none" strike="noStrike" kern="1200" dirty="0">
+                <a:solidFill>
+                  <a:schemeClr val="tx1"/>
+                </a:solidFill>
+                <a:effectLst/>
+                <a:latin typeface="+mn-lt"/>
+                <a:ea typeface="+mn-ea"/>
+                <a:cs typeface="+mn-cs"/>
+              </a:rPr>
+              <a:t>Define the core message of your project</a:t>
+            </a:r>
+            <a:endParaRPr lang="en-US" dirty="0"/>
+          </a:p>
+        </p:txBody>
+      </p:sp>
+      <p:sp>
+        <p:nvSpPr>
+          <p:cNvPr id="4" name="Slide Number Placeholder 3"/>
+          <p:cNvSpPr>
+            <a:spLocks noGrp="1"/>
+          </p:cNvSpPr>
+          <p:nvPr>
+            <p:ph type="sldNum" sz="quarter" idx="5"/>
+          </p:nvPr>
+        </p:nvSpPr>
+        <p:spPr/>
+        <p:txBody>
+          <a:bodyPr/>
+          <a:lstStyle/>
+          <a:p>
+            <a:fld id="{07CD7B79-05AC-D248-999F-99510115A2FB}" type="slidenum">
+              <a:rPr lang="en-US" smtClean="0"/>
+              <a:t>2</a:t>
+            </a:fld>
+            <a:endParaRPr lang="en-US"/>
+          </a:p>
+        </p:txBody>
+      </p:sp>
+    </p:spTree>
+    <p:extLst>
+      <p:ext uri="{BB962C8B-B14F-4D97-AF65-F5344CB8AC3E}">
+        <p14:creationId xmlns:p14="http://schemas.microsoft.com/office/powerpoint/2010/main" val="4268662893"/>
+      </p:ext>
+    </p:extLst>
+  </p:cSld>
+  <p:clrMapOvr>
+    <a:masterClrMapping/>
+  </p:clrMapOvr>
+</p:notes>
+</file>
+
+<file path=ppt/notesSlides/notesSlide2.xml><?xml version="1.0" encoding="utf-8"?>
+<p:notes xmlns:a="http://schemas.openxmlformats.org/drawingml/2006/main" xmlns:r="http://schemas.openxmlformats.org/officeDocument/2006/relationships" xmlns:p="http://schemas.openxmlformats.org/presentationml/2006/main">
+  <p:cSld>
+    <p:spTree>
+      <p:nvGrpSpPr>
+        <p:cNvPr id="1" name=""/>
+        <p:cNvGrpSpPr/>
+        <p:nvPr/>
+      </p:nvGrpSpPr>
+      <p:grpSpPr>
+        <a:xfrm>
+          <a:off x="0" y="0"/>
+          <a:ext cx="0" cy="0"/>
+          <a:chOff x="0" y="0"/>
+          <a:chExt cx="0" cy="0"/>
+        </a:xfrm>
+      </p:grpSpPr>
+      <p:sp>
+        <p:nvSpPr>
+          <p:cNvPr id="2" name="Slide Image Placeholder 1"/>
+          <p:cNvSpPr>
+            <a:spLocks noGrp="1" noRot="1" noChangeAspect="1"/>
+          </p:cNvSpPr>
+          <p:nvPr>
+            <p:ph type="sldImg"/>
+          </p:nvPr>
+        </p:nvSpPr>
+        <p:spPr/>
+      </p:sp>
+      <p:sp>
+        <p:nvSpPr>
+          <p:cNvPr id="3" name="Notes Placeholder 2"/>
+          <p:cNvSpPr>
+            <a:spLocks noGrp="1"/>
+          </p:cNvSpPr>
+          <p:nvPr>
+            <p:ph type="body" idx="1"/>
+          </p:nvPr>
+        </p:nvSpPr>
+        <p:spPr/>
+        <p:txBody>
+          <a:bodyPr/>
+          <a:lstStyle/>
+          <a:p>
+            <a:pPr marL="0" marR="0" lvl="0" indent="0" algn="l" defTabSz="914400" rtl="0" eaLnBrk="1" fontAlgn="auto" latinLnBrk="0" hangingPunct="1">
+              <a:lnSpc>
+                <a:spcPct val="100000"/>
+              </a:lnSpc>
+              <a:spcBef>
+                <a:spcPts val="0"/>
+              </a:spcBef>
+              <a:spcAft>
+                <a:spcPts val="0"/>
+              </a:spcAft>
+              <a:buClrTx/>
+              <a:buSzTx/>
+              <a:buFontTx/>
+              <a:buNone/>
+              <a:tabLst/>
+              <a:defRPr/>
+            </a:pPr>
+            <a:r>
+              <a:rPr lang="en-US" dirty="0"/>
+              <a:t>Describe the questions you asked, and </a:t>
+            </a:r>
+            <a:r>
+              <a:rPr lang="en-US" i="1" dirty="0"/>
+              <a:t>why</a:t>
+            </a:r>
+            <a:r>
+              <a:rPr lang="en-US" dirty="0"/>
+              <a:t> you asked them</a:t>
+            </a:r>
+          </a:p>
+          <a:p>
+            <a:pPr marL="0" marR="0" lvl="0" indent="0" algn="l" defTabSz="914400" rtl="0" eaLnBrk="1" fontAlgn="auto" latinLnBrk="0" hangingPunct="1">
+              <a:lnSpc>
+                <a:spcPct val="100000"/>
+              </a:lnSpc>
+              <a:spcBef>
+                <a:spcPts val="0"/>
+              </a:spcBef>
+              <a:spcAft>
+                <a:spcPts val="0"/>
+              </a:spcAft>
+              <a:buClrTx/>
+              <a:buSzTx/>
+              <a:buFontTx/>
+              <a:buNone/>
+              <a:tabLst/>
+              <a:defRPr/>
+            </a:pPr>
+            <a:r>
+              <a:rPr lang="en-US" dirty="0"/>
+              <a:t>Describe whether you were able to answer these questions to your satisfaction, and briefly summarize your findings</a:t>
+            </a:r>
+            <a:endParaRPr lang="en-US" dirty="0">
+              <a:effectLst/>
+            </a:endParaRPr>
+          </a:p>
+          <a:p>
+            <a:pPr marL="0" marR="0" lvl="0" indent="0" algn="l" defTabSz="914400" rtl="0" eaLnBrk="1" fontAlgn="auto" latinLnBrk="0" hangingPunct="1">
+              <a:lnSpc>
+                <a:spcPct val="100000"/>
+              </a:lnSpc>
+              <a:spcBef>
+                <a:spcPts val="0"/>
+              </a:spcBef>
+              <a:spcAft>
+                <a:spcPts val="0"/>
+              </a:spcAft>
+              <a:buClrTx/>
+              <a:buSzTx/>
+              <a:buFontTx/>
+              <a:buNone/>
+              <a:tabLst/>
+              <a:defRPr/>
+            </a:pPr>
+            <a:r>
+              <a:rPr lang="en-US" dirty="0">
+                <a:effectLst/>
+              </a:rPr>
+              <a:t>Describing what kinds of data you needed to answer them, and where you found it</a:t>
+            </a:r>
+            <a:endParaRPr lang="en-US" sz="1100" dirty="0">
+              <a:effectLst/>
+            </a:endParaRPr>
+          </a:p>
+          <a:p>
+            <a:endParaRPr lang="en-US" dirty="0"/>
+          </a:p>
+        </p:txBody>
+      </p:sp>
+      <p:sp>
+        <p:nvSpPr>
+          <p:cNvPr id="4" name="Slide Number Placeholder 3"/>
+          <p:cNvSpPr>
+            <a:spLocks noGrp="1"/>
+          </p:cNvSpPr>
+          <p:nvPr>
+            <p:ph type="sldNum" sz="quarter" idx="5"/>
+          </p:nvPr>
+        </p:nvSpPr>
+        <p:spPr/>
+        <p:txBody>
+          <a:bodyPr/>
+          <a:lstStyle/>
+          <a:p>
+            <a:fld id="{07CD7B79-05AC-D248-999F-99510115A2FB}" type="slidenum">
+              <a:rPr lang="en-US" smtClean="0"/>
+              <a:t>3</a:t>
+            </a:fld>
+            <a:endParaRPr lang="en-US"/>
+          </a:p>
+        </p:txBody>
+      </p:sp>
+    </p:spTree>
+    <p:extLst>
+      <p:ext uri="{BB962C8B-B14F-4D97-AF65-F5344CB8AC3E}">
+        <p14:creationId xmlns:p14="http://schemas.microsoft.com/office/powerpoint/2010/main" val="1441915833"/>
+      </p:ext>
+    </p:extLst>
+  </p:cSld>
+  <p:clrMapOvr>
+    <a:masterClrMapping/>
+  </p:clrMapOvr>
+</p:notes>
+</file>
+
+<file path=ppt/notesSlides/notesSlide3.xml><?xml version="1.0" encoding="utf-8"?>
+<p:notes xmlns:a="http://schemas.openxmlformats.org/drawingml/2006/main" xmlns:r="http://schemas.openxmlformats.org/officeDocument/2006/relationships" xmlns:p="http://schemas.openxmlformats.org/presentationml/2006/main">
+  <p:cSld>
+    <p:spTree>
+      <p:nvGrpSpPr>
+        <p:cNvPr id="1" name=""/>
+        <p:cNvGrpSpPr/>
+        <p:nvPr/>
+      </p:nvGrpSpPr>
+      <p:grpSpPr>
+        <a:xfrm>
+          <a:off x="0" y="0"/>
+          <a:ext cx="0" cy="0"/>
+          <a:chOff x="0" y="0"/>
+          <a:chExt cx="0" cy="0"/>
+        </a:xfrm>
+      </p:grpSpPr>
+      <p:sp>
+        <p:nvSpPr>
+          <p:cNvPr id="2" name="Slide Image Placeholder 1"/>
+          <p:cNvSpPr>
+            <a:spLocks noGrp="1" noRot="1" noChangeAspect="1"/>
+          </p:cNvSpPr>
+          <p:nvPr>
+            <p:ph type="sldImg"/>
+          </p:nvPr>
+        </p:nvSpPr>
+        <p:spPr/>
+      </p:sp>
+      <p:sp>
+        <p:nvSpPr>
+          <p:cNvPr id="3" name="Notes Placeholder 2"/>
+          <p:cNvSpPr>
+            <a:spLocks noGrp="1"/>
+          </p:cNvSpPr>
+          <p:nvPr>
+            <p:ph type="body" idx="1"/>
+          </p:nvPr>
+        </p:nvSpPr>
+        <p:spPr/>
+        <p:txBody>
+          <a:bodyPr/>
+          <a:lstStyle/>
+          <a:p>
+            <a:r>
+              <a:rPr lang="en-US" dirty="0"/>
+              <a:t>Describe the exploration and cleanup process</a:t>
+            </a:r>
+          </a:p>
+          <a:p>
+            <a:r>
+              <a:rPr lang="en-US" dirty="0"/>
+              <a:t>Discuss insights you had while exploring the data that you didn't anticipate</a:t>
+            </a:r>
+          </a:p>
+          <a:p>
+            <a:r>
+              <a:rPr lang="en-US" dirty="0"/>
+              <a:t>Discuss any problems that arose after exploring the data, and how you resolved them</a:t>
+            </a:r>
+          </a:p>
+          <a:p>
+            <a:r>
+              <a:rPr lang="en-US" dirty="0"/>
+              <a:t>Present and discuss interesting figures developed during exploration, ideally with the help of </a:t>
+            </a:r>
+            <a:r>
+              <a:rPr lang="en-US" dirty="0" err="1"/>
+              <a:t>Jupyter</a:t>
+            </a:r>
+            <a:r>
+              <a:rPr lang="en-US" dirty="0"/>
+              <a:t> Notebook</a:t>
+            </a:r>
+          </a:p>
+        </p:txBody>
+      </p:sp>
+      <p:sp>
+        <p:nvSpPr>
+          <p:cNvPr id="4" name="Slide Number Placeholder 3"/>
+          <p:cNvSpPr>
+            <a:spLocks noGrp="1"/>
+          </p:cNvSpPr>
+          <p:nvPr>
+            <p:ph type="sldNum" sz="quarter" idx="5"/>
+          </p:nvPr>
+        </p:nvSpPr>
+        <p:spPr/>
+        <p:txBody>
+          <a:bodyPr/>
+          <a:lstStyle/>
+          <a:p>
+            <a:fld id="{07CD7B79-05AC-D248-999F-99510115A2FB}" type="slidenum">
+              <a:rPr lang="en-US" smtClean="0"/>
+              <a:t>4</a:t>
+            </a:fld>
+            <a:endParaRPr lang="en-US"/>
+          </a:p>
+        </p:txBody>
+      </p:sp>
+    </p:spTree>
+    <p:extLst>
+      <p:ext uri="{BB962C8B-B14F-4D97-AF65-F5344CB8AC3E}">
+        <p14:creationId xmlns:p14="http://schemas.microsoft.com/office/powerpoint/2010/main" val="4142174653"/>
+      </p:ext>
+    </p:extLst>
+  </p:cSld>
+  <p:clrMapOvr>
+    <a:masterClrMapping/>
+  </p:clrMapOvr>
+</p:notes>
 </file>
 
 <file path=ppt/slideLayouts/slideLayout1.xml><?xml version="1.0" encoding="utf-8"?>
@@ -126,13 +893,7 @@
       </p:grpSpPr>
       <p:sp>
         <p:nvSpPr>
-          <p:cNvPr id="2" name="Title 1">
-            <a:extLst>
-              <a:ext uri="{FF2B5EF4-FFF2-40B4-BE49-F238E27FC236}">
-                <a16:creationId xmlns:a16="http://schemas.microsoft.com/office/drawing/2014/main" id="{F1E383DA-F0A6-4643-81DB-ECAE67810F49}"/>
-              </a:ext>
-            </a:extLst>
-          </p:cNvPr>
+          <p:cNvPr id="2" name="Title 1"/>
           <p:cNvSpPr>
             <a:spLocks noGrp="1"/>
           </p:cNvSpPr>
@@ -142,15 +903,32 @@
         </p:nvSpPr>
         <p:spPr>
           <a:xfrm>
-            <a:off x="1524000" y="1122363"/>
-            <a:ext cx="9144000" cy="2387600"/>
+            <a:off x="1751012" y="609601"/>
+            <a:ext cx="8676222" cy="3200400"/>
           </a:xfrm>
         </p:spPr>
         <p:txBody>
-          <a:bodyPr anchor="b"/>
+          <a:bodyPr anchor="b">
+            <a:normAutofit/>
+          </a:bodyPr>
           <a:lstStyle>
             <a:lvl1pPr algn="ctr">
-              <a:defRPr sz="6000"/>
+              <a:defRPr sz="4800">
+                <a:effectLst>
+                  <a:glow rad="38100">
+                    <a:schemeClr val="bg1">
+                      <a:lumMod val="65000"/>
+                      <a:lumOff val="35000"/>
+                      <a:alpha val="50000"/>
+                    </a:schemeClr>
+                  </a:glow>
+                  <a:outerShdw blurRad="28575" dist="31750" dir="13200000" algn="tl" rotWithShape="0">
+                    <a:srgbClr val="000000">
+                      <a:alpha val="25000"/>
+                    </a:srgbClr>
+                  </a:outerShdw>
+                </a:effectLst>
+              </a:defRPr>
             </a:lvl1pPr>
           </a:lstStyle>
           <a:p>
@@ -158,18 +936,13 @@
               <a:rPr lang="en-US"/>
               <a:t>Click to edit Master title style</a:t>
             </a:r>
-          </a:p>
-        </p:txBody>
-      </p:sp>
-      <p:sp>
-        <p:nvSpPr>
-          <p:cNvPr id="3" name="Subtitle 2">
-            <a:extLst>
-              <a:ext uri="{FF2B5EF4-FFF2-40B4-BE49-F238E27FC236}">
-                <a16:creationId xmlns:a16="http://schemas.microsoft.com/office/drawing/2014/main" id="{7ED8A235-407C-9F47-BBC0-E9DFCB64F180}"/>
-              </a:ext>
-            </a:extLst>
-          </p:cNvPr>
+            <a:endParaRPr lang="en-US" dirty="0"/>
+          </a:p>
+        </p:txBody>
+      </p:sp>
+      <p:sp>
+        <p:nvSpPr>
+          <p:cNvPr id="3" name="Subtitle 2"/>
           <p:cNvSpPr>
             <a:spLocks noGrp="1"/>
           </p:cNvSpPr>
@@ -179,48 +952,102 @@
         </p:nvSpPr>
         <p:spPr>
           <a:xfrm>
-            <a:off x="1524000" y="3602038"/>
-            <a:ext cx="9144000" cy="1655762"/>
+            <a:off x="1751012" y="3886200"/>
+            <a:ext cx="8676222" cy="1905000"/>
           </a:xfrm>
         </p:spPr>
         <p:txBody>
-          <a:bodyPr/>
+          <a:bodyPr anchor="t">
+            <a:normAutofit/>
+          </a:bodyPr>
           <a:lstStyle>
             <a:lvl1pPr marL="0" indent="0" algn="ctr">
               <a:buNone/>
-              <a:defRPr sz="2400"/>
+              <a:defRPr sz="2100">
+                <a:solidFill>
+                  <a:schemeClr val="tx1"/>
+                </a:solidFill>
+              </a:defRPr>
             </a:lvl1pPr>
             <a:lvl2pPr marL="457200" indent="0" algn="ctr">
               <a:buNone/>
-              <a:defRPr sz="2000"/>
+              <a:defRPr>
+                <a:solidFill>
+                  <a:schemeClr val="tx1">
+                    <a:tint val="75000"/>
+                  </a:schemeClr>
+                </a:solidFill>
+              </a:defRPr>
             </a:lvl2pPr>
             <a:lvl3pPr marL="914400" indent="0" algn="ctr">
               <a:buNone/>
-              <a:defRPr sz="1800"/>
+              <a:defRPr>
+                <a:solidFill>
+                  <a:schemeClr val="tx1">
+                    <a:tint val="75000"/>
+                  </a:schemeClr>
+                </a:solidFill>
+              </a:defRPr>
             </a:lvl3pPr>
             <a:lvl4pPr marL="1371600" indent="0" algn="ctr">
               <a:buNone/>
-              <a:defRPr sz="1600"/>
+              <a:defRPr>
+                <a:solidFill>
+                  <a:schemeClr val="tx1">
+                    <a:tint val="75000"/>
+                  </a:schemeClr>
+                </a:solidFill>
+              </a:defRPr>
             </a:lvl4pPr>
             <a:lvl5pPr marL="1828800" indent="0" algn="ctr">
               <a:buNone/>
-              <a:defRPr sz="1600"/>
+              <a:defRPr>
+                <a:solidFill>
+                  <a:schemeClr val="tx1">
+                    <a:tint val="75000"/>
+                  </a:schemeClr>
+                </a:solidFill>
+              </a:defRPr>
             </a:lvl5pPr>
             <a:lvl6pPr marL="2286000" indent="0" algn="ctr">
               <a:buNone/>
-              <a:defRPr sz="1600"/>
+              <a:defRPr>
+                <a:solidFill>
+                  <a:schemeClr val="tx1">
+                    <a:tint val="75000"/>
+                  </a:schemeClr>
+                </a:solidFill>
+              </a:defRPr>
             </a:lvl6pPr>
             <a:lvl7pPr marL="2743200" indent="0" algn="ctr">
               <a:buNone/>
-              <a:defRPr sz="1600"/>
+              <a:defRPr>
+                <a:solidFill>
+                  <a:schemeClr val="tx1">
+                    <a:tint val="75000"/>
+                  </a:schemeClr>
+                </a:solidFill>
+              </a:defRPr>
             </a:lvl7pPr>
             <a:lvl8pPr marL="3200400" indent="0" algn="ctr">
               <a:buNone/>
-              <a:defRPr sz="1600"/>
+              <a:defRPr>
+                <a:solidFill>
+                  <a:schemeClr val="tx1">
+                    <a:tint val="75000"/>
+                  </a:schemeClr>
+                </a:solidFill>
+              </a:defRPr>
             </a:lvl8pPr>
             <a:lvl9pPr marL="3657600" indent="0" algn="ctr">
               <a:buNone/>
-              <a:defRPr sz="1600"/>
+              <a:defRPr>
+                <a:solidFill>
+                  <a:schemeClr val="tx1">
+                    <a:tint val="75000"/>
+                  </a:schemeClr>
+                </a:solidFill>
+              </a:defRPr>
             </a:lvl9pPr>
           </a:lstStyle>
           <a:p>
@@ -228,18 +1055,13 @@
               <a:rPr lang="en-US"/>
               <a:t>Click to edit Master subtitle style</a:t>
             </a:r>
-          </a:p>
-        </p:txBody>
-      </p:sp>
-      <p:sp>
-        <p:nvSpPr>
-          <p:cNvPr id="4" name="Date Placeholder 3">
-            <a:extLst>
-              <a:ext uri="{FF2B5EF4-FFF2-40B4-BE49-F238E27FC236}">
-                <a16:creationId xmlns:a16="http://schemas.microsoft.com/office/drawing/2014/main" id="{F748B5EB-ECCE-0C44-9FF0-EDC2993CC569}"/>
-              </a:ext>
-            </a:extLst>
-          </p:cNvPr>
+            <a:endParaRPr lang="en-US" dirty="0"/>
+          </a:p>
+        </p:txBody>
+      </p:sp>
+      <p:sp>
+        <p:nvSpPr>
+          <p:cNvPr id="4" name="Date Placeholder 3"/>
           <p:cNvSpPr>
             <a:spLocks noGrp="1"/>
           </p:cNvSpPr>
@@ -262,13 +1084,7 @@
       </p:sp>
       <p:sp>
         <p:nvSpPr>
-          <p:cNvPr id="5" name="Footer Placeholder 4">
-            <a:extLst>
-              <a:ext uri="{FF2B5EF4-FFF2-40B4-BE49-F238E27FC236}">
-                <a16:creationId xmlns:a16="http://schemas.microsoft.com/office/drawing/2014/main" id="{E4E87EE6-DF3C-2E4A-AECD-A55D04A1C2D5}"/>
-              </a:ext>
-            </a:extLst>
-          </p:cNvPr>
+          <p:cNvPr id="5" name="Footer Placeholder 4"/>
           <p:cNvSpPr>
             <a:spLocks noGrp="1"/>
           </p:cNvSpPr>
@@ -287,13 +1103,7 @@
       </p:sp>
       <p:sp>
         <p:nvSpPr>
-          <p:cNvPr id="6" name="Slide Number Placeholder 5">
-            <a:extLst>
-              <a:ext uri="{FF2B5EF4-FFF2-40B4-BE49-F238E27FC236}">
-                <a16:creationId xmlns:a16="http://schemas.microsoft.com/office/drawing/2014/main" id="{BBF8FF45-5A00-B14C-8D6C-5446C661D09A}"/>
-              </a:ext>
-            </a:extLst>
-          </p:cNvPr>
+          <p:cNvPr id="6" name="Slide Number Placeholder 5"/>
           <p:cNvSpPr>
             <a:spLocks noGrp="1"/>
           </p:cNvSpPr>
@@ -317,7 +1127,7 @@
     </p:spTree>
     <p:extLst>
       <p:ext uri="{BB962C8B-B14F-4D97-AF65-F5344CB8AC3E}">
-        <p14:creationId xmlns:p14="http://schemas.microsoft.com/office/powerpoint/2010/main" val="682591214"/>
+        <p14:creationId xmlns:p14="http://schemas.microsoft.com/office/powerpoint/2010/main" val="3406540779"/>
       </p:ext>
     </p:extLst>
   </p:cSld>
@@ -328,6 +1138,2182 @@
 </file>
 
 <file path=ppt/slideLayouts/slideLayout10.xml><?xml version="1.0" encoding="utf-8"?>
+<p:sldLayout xmlns:a="http://schemas.openxmlformats.org/drawingml/2006/main" xmlns:r="http://schemas.openxmlformats.org/officeDocument/2006/relationships" xmlns:p="http://schemas.openxmlformats.org/presentationml/2006/main" preserve="1">
+  <p:cSld name="Panoramic Picture with Caption">
+    <p:spTree>
+      <p:nvGrpSpPr>
+        <p:cNvPr id="1" name=""/>
+        <p:cNvGrpSpPr/>
+        <p:nvPr/>
+      </p:nvGrpSpPr>
+      <p:grpSpPr>
+        <a:xfrm>
+          <a:off x="0" y="0"/>
+          <a:ext cx="0" cy="0"/>
+          <a:chOff x="0" y="0"/>
+          <a:chExt cx="0" cy="0"/>
+        </a:xfrm>
+      </p:grpSpPr>
+      <p:sp>
+        <p:nvSpPr>
+          <p:cNvPr id="2" name="Title 1"/>
+          <p:cNvSpPr>
+            <a:spLocks noGrp="1"/>
+          </p:cNvSpPr>
+          <p:nvPr>
+            <p:ph type="title"/>
+          </p:nvPr>
+        </p:nvSpPr>
+        <p:spPr>
+          <a:xfrm>
+            <a:off x="1141413" y="4732865"/>
+            <a:ext cx="9906000" cy="566738"/>
+          </a:xfrm>
+        </p:spPr>
+        <p:txBody>
+          <a:bodyPr anchor="b">
+            <a:normAutofit/>
+          </a:bodyPr>
+          <a:lstStyle>
+            <a:lvl1pPr algn="l">
+              <a:defRPr sz="2400" b="0"/>
+            </a:lvl1pPr>
+          </a:lstStyle>
+          <a:p>
+            <a:r>
+              <a:rPr lang="en-US"/>
+              <a:t>Click to edit Master title style</a:t>
+            </a:r>
+            <a:endParaRPr lang="en-US" dirty="0"/>
+          </a:p>
+        </p:txBody>
+      </p:sp>
+      <p:sp>
+        <p:nvSpPr>
+          <p:cNvPr id="3" name="Picture Placeholder 2"/>
+          <p:cNvSpPr>
+            <a:spLocks noGrp="1" noChangeAspect="1"/>
+          </p:cNvSpPr>
+          <p:nvPr>
+            <p:ph type="pic" idx="1"/>
+          </p:nvPr>
+        </p:nvSpPr>
+        <p:spPr>
+          <a:xfrm>
+            <a:off x="1979612" y="932112"/>
+            <a:ext cx="8225944" cy="3164976"/>
+          </a:xfrm>
+          <a:prstGeom prst="roundRect">
+            <a:avLst>
+              <a:gd name="adj" fmla="val 4380"/>
+            </a:avLst>
+          </a:prstGeom>
+          <a:ln w="38100">
+            <a:gradFill flip="none" rotWithShape="1">
+              <a:gsLst>
+                <a:gs pos="0">
+                  <a:schemeClr val="bg2"/>
+                </a:gs>
+                <a:gs pos="100000">
+                  <a:schemeClr val="bg2">
+                    <a:lumMod val="75000"/>
+                  </a:schemeClr>
+                </a:gs>
+              </a:gsLst>
+              <a:lin ang="5400000" scaled="0"/>
+              <a:tileRect/>
+            </a:gradFill>
+          </a:ln>
+          <a:effectLst>
+            <a:innerShdw blurRad="57150" dist="38100" dir="14460000">
+              <a:srgbClr val="000000">
+                <a:alpha val="70000"/>
+              </a:srgbClr>
+            </a:innerShdw>
+          </a:effectLst>
+        </p:spPr>
+        <p:txBody>
+          <a:bodyPr anchor="t">
+            <a:normAutofit/>
+          </a:bodyPr>
+          <a:lstStyle>
+            <a:lvl1pPr marL="0" indent="0" algn="ctr">
+              <a:buNone/>
+              <a:defRPr sz="1600"/>
+            </a:lvl1pPr>
+            <a:lvl2pPr marL="457200" indent="0">
+              <a:buNone/>
+              <a:defRPr sz="1600"/>
+            </a:lvl2pPr>
+            <a:lvl3pPr marL="914400" indent="0">
+              <a:buNone/>
+              <a:defRPr sz="1600"/>
+            </a:lvl3pPr>
+            <a:lvl4pPr marL="1371600" indent="0">
+              <a:buNone/>
+              <a:defRPr sz="1600"/>
+            </a:lvl4pPr>
+            <a:lvl5pPr marL="1828800" indent="0">
+              <a:buNone/>
+              <a:defRPr sz="1600"/>
+            </a:lvl5pPr>
+            <a:lvl6pPr marL="2286000" indent="0">
+              <a:buNone/>
+              <a:defRPr sz="1600"/>
+            </a:lvl6pPr>
+            <a:lvl7pPr marL="2743200" indent="0">
+              <a:buNone/>
+              <a:defRPr sz="1600"/>
+            </a:lvl7pPr>
+            <a:lvl8pPr marL="3200400" indent="0">
+              <a:buNone/>
+              <a:defRPr sz="1600"/>
+            </a:lvl8pPr>
+            <a:lvl9pPr marL="3657600" indent="0">
+              <a:buNone/>
+              <a:defRPr sz="1600"/>
+            </a:lvl9pPr>
+          </a:lstStyle>
+          <a:p>
+            <a:r>
+              <a:rPr lang="en-US"/>
+              <a:t>Click icon to add picture</a:t>
+            </a:r>
+            <a:endParaRPr lang="en-US" dirty="0"/>
+          </a:p>
+        </p:txBody>
+      </p:sp>
+      <p:sp>
+        <p:nvSpPr>
+          <p:cNvPr id="4" name="Text Placeholder 3"/>
+          <p:cNvSpPr>
+            <a:spLocks noGrp="1"/>
+          </p:cNvSpPr>
+          <p:nvPr>
+            <p:ph type="body" sz="half" idx="2"/>
+          </p:nvPr>
+        </p:nvSpPr>
+        <p:spPr>
+          <a:xfrm>
+            <a:off x="1141413" y="5299603"/>
+            <a:ext cx="9906000" cy="493712"/>
+          </a:xfrm>
+        </p:spPr>
+        <p:txBody>
+          <a:bodyPr>
+            <a:normAutofit/>
+          </a:bodyPr>
+          <a:lstStyle>
+            <a:lvl1pPr marL="0" indent="0">
+              <a:buNone/>
+              <a:defRPr sz="1400"/>
+            </a:lvl1pPr>
+            <a:lvl2pPr marL="457200" indent="0">
+              <a:buNone/>
+              <a:defRPr sz="1200"/>
+            </a:lvl2pPr>
+            <a:lvl3pPr marL="914400" indent="0">
+              <a:buNone/>
+              <a:defRPr sz="1000"/>
+            </a:lvl3pPr>
+            <a:lvl4pPr marL="1371600" indent="0">
+              <a:buNone/>
+              <a:defRPr sz="900"/>
+            </a:lvl4pPr>
+            <a:lvl5pPr marL="1828800" indent="0">
+              <a:buNone/>
+              <a:defRPr sz="900"/>
+            </a:lvl5pPr>
+            <a:lvl6pPr marL="2286000" indent="0">
+              <a:buNone/>
+              <a:defRPr sz="900"/>
+            </a:lvl6pPr>
+            <a:lvl7pPr marL="2743200" indent="0">
+              <a:buNone/>
+              <a:defRPr sz="900"/>
+            </a:lvl7pPr>
+            <a:lvl8pPr marL="3200400" indent="0">
+              <a:buNone/>
+              <a:defRPr sz="900"/>
+            </a:lvl8pPr>
+            <a:lvl9pPr marL="3657600" indent="0">
+              <a:buNone/>
+              <a:defRPr sz="900"/>
+            </a:lvl9pPr>
+          </a:lstStyle>
+          <a:p>
+            <a:pPr lvl="0"/>
+            <a:r>
+              <a:rPr lang="en-US"/>
+              <a:t>Click to edit Master text styles</a:t>
+            </a:r>
+          </a:p>
+        </p:txBody>
+      </p:sp>
+      <p:sp>
+        <p:nvSpPr>
+          <p:cNvPr id="5" name="Date Placeholder 4"/>
+          <p:cNvSpPr>
+            <a:spLocks noGrp="1"/>
+          </p:cNvSpPr>
+          <p:nvPr>
+            <p:ph type="dt" sz="half" idx="10"/>
+          </p:nvPr>
+        </p:nvSpPr>
+        <p:spPr/>
+        <p:txBody>
+          <a:bodyPr/>
+          <a:lstStyle/>
+          <a:p>
+            <a:fld id="{A70EB5A2-7F07-8D4D-B712-71495FBB96FA}" type="datetimeFigureOut">
+              <a:rPr lang="en-US" smtClean="0"/>
+              <a:t>10/17/20</a:t>
+            </a:fld>
+            <a:endParaRPr lang="en-US"/>
+          </a:p>
+        </p:txBody>
+      </p:sp>
+      <p:sp>
+        <p:nvSpPr>
+          <p:cNvPr id="6" name="Footer Placeholder 5"/>
+          <p:cNvSpPr>
+            <a:spLocks noGrp="1"/>
+          </p:cNvSpPr>
+          <p:nvPr>
+            <p:ph type="ftr" sz="quarter" idx="11"/>
+          </p:nvPr>
+        </p:nvSpPr>
+        <p:spPr/>
+        <p:txBody>
+          <a:bodyPr/>
+          <a:lstStyle/>
+          <a:p>
+            <a:endParaRPr lang="en-US"/>
+          </a:p>
+        </p:txBody>
+      </p:sp>
+      <p:sp>
+        <p:nvSpPr>
+          <p:cNvPr id="7" name="Slide Number Placeholder 6"/>
+          <p:cNvSpPr>
+            <a:spLocks noGrp="1"/>
+          </p:cNvSpPr>
+          <p:nvPr>
+            <p:ph type="sldNum" sz="quarter" idx="12"/>
+          </p:nvPr>
+        </p:nvSpPr>
+        <p:spPr/>
+        <p:txBody>
+          <a:bodyPr/>
+          <a:lstStyle/>
+          <a:p>
+            <a:fld id="{19616A2F-1B95-3E48-829F-B2D8A84E4D7D}" type="slidenum">
+              <a:rPr lang="en-US" smtClean="0"/>
+              <a:t>‹#›</a:t>
+            </a:fld>
+            <a:endParaRPr lang="en-US"/>
+          </a:p>
+        </p:txBody>
+      </p:sp>
+    </p:spTree>
+    <p:extLst>
+      <p:ext uri="{BB962C8B-B14F-4D97-AF65-F5344CB8AC3E}">
+        <p14:creationId xmlns:p14="http://schemas.microsoft.com/office/powerpoint/2010/main" val="2871210186"/>
+      </p:ext>
+    </p:extLst>
+  </p:cSld>
+  <p:clrMapOvr>
+    <a:masterClrMapping/>
+  </p:clrMapOvr>
+</p:sldLayout>
+</file>
+
+<file path=ppt/slideLayouts/slideLayout11.xml><?xml version="1.0" encoding="utf-8"?>
+<p:sldLayout xmlns:a="http://schemas.openxmlformats.org/drawingml/2006/main" xmlns:r="http://schemas.openxmlformats.org/officeDocument/2006/relationships" xmlns:p="http://schemas.openxmlformats.org/presentationml/2006/main" preserve="1">
+  <p:cSld name="Title and Caption">
+    <p:spTree>
+      <p:nvGrpSpPr>
+        <p:cNvPr id="1" name=""/>
+        <p:cNvGrpSpPr/>
+        <p:nvPr/>
+      </p:nvGrpSpPr>
+      <p:grpSpPr>
+        <a:xfrm>
+          <a:off x="0" y="0"/>
+          <a:ext cx="0" cy="0"/>
+          <a:chOff x="0" y="0"/>
+          <a:chExt cx="0" cy="0"/>
+        </a:xfrm>
+      </p:grpSpPr>
+      <p:sp>
+        <p:nvSpPr>
+          <p:cNvPr id="2" name="Title 1"/>
+          <p:cNvSpPr>
+            <a:spLocks noGrp="1"/>
+          </p:cNvSpPr>
+          <p:nvPr>
+            <p:ph type="title"/>
+          </p:nvPr>
+        </p:nvSpPr>
+        <p:spPr>
+          <a:xfrm>
+            <a:off x="1141412" y="609601"/>
+            <a:ext cx="9905999" cy="3124199"/>
+          </a:xfrm>
+        </p:spPr>
+        <p:txBody>
+          <a:bodyPr anchor="ctr">
+            <a:normAutofit/>
+          </a:bodyPr>
+          <a:lstStyle>
+            <a:lvl1pPr algn="l">
+              <a:defRPr sz="3200" b="0" cap="all"/>
+            </a:lvl1pPr>
+          </a:lstStyle>
+          <a:p>
+            <a:r>
+              <a:rPr lang="en-US"/>
+              <a:t>Click to edit Master title style</a:t>
+            </a:r>
+            <a:endParaRPr lang="en-US" dirty="0"/>
+          </a:p>
+        </p:txBody>
+      </p:sp>
+      <p:sp>
+        <p:nvSpPr>
+          <p:cNvPr id="3" name="Text Placeholder 2"/>
+          <p:cNvSpPr>
+            <a:spLocks noGrp="1"/>
+          </p:cNvSpPr>
+          <p:nvPr>
+            <p:ph type="body" idx="1"/>
+          </p:nvPr>
+        </p:nvSpPr>
+        <p:spPr>
+          <a:xfrm>
+            <a:off x="1141411" y="4343400"/>
+            <a:ext cx="9906000" cy="1447800"/>
+          </a:xfrm>
+        </p:spPr>
+        <p:txBody>
+          <a:bodyPr anchor="ctr">
+            <a:normAutofit/>
+          </a:bodyPr>
+          <a:lstStyle>
+            <a:lvl1pPr marL="0" indent="0" algn="l">
+              <a:buNone/>
+              <a:defRPr sz="2000">
+                <a:solidFill>
+                  <a:schemeClr val="tx1"/>
+                </a:solidFill>
+              </a:defRPr>
+            </a:lvl1pPr>
+            <a:lvl2pPr marL="457200" indent="0">
+              <a:buNone/>
+              <a:defRPr sz="1800">
+                <a:solidFill>
+                  <a:schemeClr val="tx1">
+                    <a:tint val="75000"/>
+                  </a:schemeClr>
+                </a:solidFill>
+              </a:defRPr>
+            </a:lvl2pPr>
+            <a:lvl3pPr marL="914400" indent="0">
+              <a:buNone/>
+              <a:defRPr sz="1600">
+                <a:solidFill>
+                  <a:schemeClr val="tx1">
+                    <a:tint val="75000"/>
+                  </a:schemeClr>
+                </a:solidFill>
+              </a:defRPr>
+            </a:lvl3pPr>
+            <a:lvl4pPr marL="1371600" indent="0">
+              <a:buNone/>
+              <a:defRPr sz="1400">
+                <a:solidFill>
+                  <a:schemeClr val="tx1">
+                    <a:tint val="75000"/>
+                  </a:schemeClr>
+                </a:solidFill>
+              </a:defRPr>
+            </a:lvl4pPr>
+            <a:lvl5pPr marL="1828800" indent="0">
+              <a:buNone/>
+              <a:defRPr sz="1400">
+                <a:solidFill>
+                  <a:schemeClr val="tx1">
+                    <a:tint val="75000"/>
+                  </a:schemeClr>
+                </a:solidFill>
+              </a:defRPr>
+            </a:lvl5pPr>
+            <a:lvl6pPr marL="2286000" indent="0">
+              <a:buNone/>
+              <a:defRPr sz="1400">
+                <a:solidFill>
+                  <a:schemeClr val="tx1">
+                    <a:tint val="75000"/>
+                  </a:schemeClr>
+                </a:solidFill>
+              </a:defRPr>
+            </a:lvl6pPr>
+            <a:lvl7pPr marL="2743200" indent="0">
+              <a:buNone/>
+              <a:defRPr sz="1400">
+                <a:solidFill>
+                  <a:schemeClr val="tx1">
+                    <a:tint val="75000"/>
+                  </a:schemeClr>
+                </a:solidFill>
+              </a:defRPr>
+            </a:lvl7pPr>
+            <a:lvl8pPr marL="3200400" indent="0">
+              <a:buNone/>
+              <a:defRPr sz="1400">
+                <a:solidFill>
+                  <a:schemeClr val="tx1">
+                    <a:tint val="75000"/>
+                  </a:schemeClr>
+                </a:solidFill>
+              </a:defRPr>
+            </a:lvl8pPr>
+            <a:lvl9pPr marL="3657600" indent="0">
+              <a:buNone/>
+              <a:defRPr sz="1400">
+                <a:solidFill>
+                  <a:schemeClr val="tx1">
+                    <a:tint val="75000"/>
+                  </a:schemeClr>
+                </a:solidFill>
+              </a:defRPr>
+            </a:lvl9pPr>
+          </a:lstStyle>
+          <a:p>
+            <a:pPr lvl="0"/>
+            <a:r>
+              <a:rPr lang="en-US"/>
+              <a:t>Click to edit Master text styles</a:t>
+            </a:r>
+          </a:p>
+        </p:txBody>
+      </p:sp>
+      <p:sp>
+        <p:nvSpPr>
+          <p:cNvPr id="4" name="Date Placeholder 3"/>
+          <p:cNvSpPr>
+            <a:spLocks noGrp="1"/>
+          </p:cNvSpPr>
+          <p:nvPr>
+            <p:ph type="dt" sz="half" idx="10"/>
+          </p:nvPr>
+        </p:nvSpPr>
+        <p:spPr/>
+        <p:txBody>
+          <a:bodyPr/>
+          <a:lstStyle/>
+          <a:p>
+            <a:fld id="{A70EB5A2-7F07-8D4D-B712-71495FBB96FA}" type="datetimeFigureOut">
+              <a:rPr lang="en-US" smtClean="0"/>
+              <a:t>10/17/20</a:t>
+            </a:fld>
+            <a:endParaRPr lang="en-US"/>
+          </a:p>
+        </p:txBody>
+      </p:sp>
+      <p:sp>
+        <p:nvSpPr>
+          <p:cNvPr id="5" name="Footer Placeholder 4"/>
+          <p:cNvSpPr>
+            <a:spLocks noGrp="1"/>
+          </p:cNvSpPr>
+          <p:nvPr>
+            <p:ph type="ftr" sz="quarter" idx="11"/>
+          </p:nvPr>
+        </p:nvSpPr>
+        <p:spPr/>
+        <p:txBody>
+          <a:bodyPr/>
+          <a:lstStyle/>
+          <a:p>
+            <a:endParaRPr lang="en-US"/>
+          </a:p>
+        </p:txBody>
+      </p:sp>
+      <p:sp>
+        <p:nvSpPr>
+          <p:cNvPr id="6" name="Slide Number Placeholder 5"/>
+          <p:cNvSpPr>
+            <a:spLocks noGrp="1"/>
+          </p:cNvSpPr>
+          <p:nvPr>
+            <p:ph type="sldNum" sz="quarter" idx="12"/>
+          </p:nvPr>
+        </p:nvSpPr>
+        <p:spPr/>
+        <p:txBody>
+          <a:bodyPr/>
+          <a:lstStyle/>
+          <a:p>
+            <a:fld id="{19616A2F-1B95-3E48-829F-B2D8A84E4D7D}" type="slidenum">
+              <a:rPr lang="en-US" smtClean="0"/>
+              <a:t>‹#›</a:t>
+            </a:fld>
+            <a:endParaRPr lang="en-US"/>
+          </a:p>
+        </p:txBody>
+      </p:sp>
+    </p:spTree>
+    <p:extLst>
+      <p:ext uri="{BB962C8B-B14F-4D97-AF65-F5344CB8AC3E}">
+        <p14:creationId xmlns:p14="http://schemas.microsoft.com/office/powerpoint/2010/main" val="3742366732"/>
+      </p:ext>
+    </p:extLst>
+  </p:cSld>
+  <p:clrMapOvr>
+    <a:masterClrMapping/>
+  </p:clrMapOvr>
+</p:sldLayout>
+</file>
+
+<file path=ppt/slideLayouts/slideLayout12.xml><?xml version="1.0" encoding="utf-8"?>
+<p:sldLayout xmlns:a="http://schemas.openxmlformats.org/drawingml/2006/main" xmlns:r="http://schemas.openxmlformats.org/officeDocument/2006/relationships" xmlns:p="http://schemas.openxmlformats.org/presentationml/2006/main" preserve="1">
+  <p:cSld name="Quote with Caption">
+    <p:spTree>
+      <p:nvGrpSpPr>
+        <p:cNvPr id="1" name=""/>
+        <p:cNvGrpSpPr/>
+        <p:nvPr/>
+      </p:nvGrpSpPr>
+      <p:grpSpPr>
+        <a:xfrm>
+          <a:off x="0" y="0"/>
+          <a:ext cx="0" cy="0"/>
+          <a:chOff x="0" y="0"/>
+          <a:chExt cx="0" cy="0"/>
+        </a:xfrm>
+      </p:grpSpPr>
+      <p:sp>
+        <p:nvSpPr>
+          <p:cNvPr id="14" name="TextBox 13"/>
+          <p:cNvSpPr txBox="1"/>
+          <p:nvPr/>
+        </p:nvSpPr>
+        <p:spPr>
+          <a:xfrm>
+            <a:off x="836612" y="786824"/>
+            <a:ext cx="609600" cy="584776"/>
+          </a:xfrm>
+          <a:prstGeom prst="rect">
+            <a:avLst/>
+          </a:prstGeom>
+        </p:spPr>
+        <p:txBody>
+          <a:bodyPr vert="horz" lIns="91440" tIns="45720" rIns="91440" bIns="45720" rtlCol="0" anchor="ctr">
+            <a:noAutofit/>
+          </a:bodyPr>
+          <a:lstStyle>
+            <a:lvl1pPr>
+              <a:spcBef>
+                <a:spcPct val="0"/>
+              </a:spcBef>
+              <a:buNone/>
+              <a:defRPr sz="3200" b="0" cap="all">
+                <a:ln w="3175" cmpd="sng">
+                  <a:noFill/>
+                </a:ln>
+                <a:effectLst>
+                  <a:glow rad="38100">
+                    <a:schemeClr val="bg1">
+                      <a:lumMod val="65000"/>
+                      <a:lumOff val="35000"/>
+                      <a:alpha val="40000"/>
+                    </a:schemeClr>
+                  </a:glow>
+                  <a:outerShdw blurRad="28575" dist="38100" dir="14040000" algn="tl" rotWithShape="0">
+                    <a:srgbClr val="000000">
+                      <a:alpha val="25000"/>
+                    </a:srgbClr>
+                  </a:outerShdw>
+                </a:effectLst>
+              </a:defRPr>
+            </a:lvl1pPr>
+            <a:lvl2pPr>
+              <a:defRPr>
+                <a:solidFill>
+                  <a:schemeClr val="tx2"/>
+                </a:solidFill>
+              </a:defRPr>
+            </a:lvl2pPr>
+            <a:lvl3pPr>
+              <a:defRPr>
+                <a:solidFill>
+                  <a:schemeClr val="tx2"/>
+                </a:solidFill>
+              </a:defRPr>
+            </a:lvl3pPr>
+            <a:lvl4pPr>
+              <a:defRPr>
+                <a:solidFill>
+                  <a:schemeClr val="tx2"/>
+                </a:solidFill>
+              </a:defRPr>
+            </a:lvl4pPr>
+            <a:lvl5pPr>
+              <a:defRPr>
+                <a:solidFill>
+                  <a:schemeClr val="tx2"/>
+                </a:solidFill>
+              </a:defRPr>
+            </a:lvl5pPr>
+            <a:lvl6pPr>
+              <a:defRPr>
+                <a:solidFill>
+                  <a:schemeClr val="tx2"/>
+                </a:solidFill>
+              </a:defRPr>
+            </a:lvl6pPr>
+            <a:lvl7pPr>
+              <a:defRPr>
+                <a:solidFill>
+                  <a:schemeClr val="tx2"/>
+                </a:solidFill>
+              </a:defRPr>
+            </a:lvl7pPr>
+            <a:lvl8pPr>
+              <a:defRPr>
+                <a:solidFill>
+                  <a:schemeClr val="tx2"/>
+                </a:solidFill>
+              </a:defRPr>
+            </a:lvl8pPr>
+            <a:lvl9pPr>
+              <a:defRPr>
+                <a:solidFill>
+                  <a:schemeClr val="tx2"/>
+                </a:solidFill>
+              </a:defRPr>
+            </a:lvl9pPr>
+          </a:lstStyle>
+          <a:p>
+            <a:pPr lvl="0"/>
+            <a:r>
+              <a:rPr lang="en-US" sz="8000" dirty="0">
+                <a:solidFill>
+                  <a:schemeClr val="accent1"/>
+                </a:solidFill>
+              </a:rPr>
+              <a:t>“</a:t>
+            </a:r>
+          </a:p>
+        </p:txBody>
+      </p:sp>
+      <p:sp>
+        <p:nvSpPr>
+          <p:cNvPr id="15" name="TextBox 14"/>
+          <p:cNvSpPr txBox="1"/>
+          <p:nvPr/>
+        </p:nvSpPr>
+        <p:spPr>
+          <a:xfrm>
+            <a:off x="10437812" y="2743200"/>
+            <a:ext cx="609600" cy="584776"/>
+          </a:xfrm>
+          <a:prstGeom prst="rect">
+            <a:avLst/>
+          </a:prstGeom>
+        </p:spPr>
+        <p:txBody>
+          <a:bodyPr vert="horz" lIns="91440" tIns="45720" rIns="91440" bIns="45720" rtlCol="0" anchor="ctr">
+            <a:noAutofit/>
+          </a:bodyPr>
+          <a:lstStyle>
+            <a:lvl1pPr>
+              <a:spcBef>
+                <a:spcPct val="0"/>
+              </a:spcBef>
+              <a:buNone/>
+              <a:defRPr sz="3200" b="0" cap="all">
+                <a:ln w="3175" cmpd="sng">
+                  <a:noFill/>
+                </a:ln>
+                <a:effectLst>
+                  <a:glow rad="38100">
+                    <a:schemeClr val="bg1">
+                      <a:lumMod val="65000"/>
+                      <a:lumOff val="35000"/>
+                      <a:alpha val="40000"/>
+                    </a:schemeClr>
+                  </a:glow>
+                  <a:outerShdw blurRad="28575" dist="38100" dir="14040000" algn="tl" rotWithShape="0">
+                    <a:srgbClr val="000000">
+                      <a:alpha val="25000"/>
+                    </a:srgbClr>
+                  </a:outerShdw>
+                </a:effectLst>
+              </a:defRPr>
+            </a:lvl1pPr>
+            <a:lvl2pPr>
+              <a:defRPr>
+                <a:solidFill>
+                  <a:schemeClr val="tx2"/>
+                </a:solidFill>
+              </a:defRPr>
+            </a:lvl2pPr>
+            <a:lvl3pPr>
+              <a:defRPr>
+                <a:solidFill>
+                  <a:schemeClr val="tx2"/>
+                </a:solidFill>
+              </a:defRPr>
+            </a:lvl3pPr>
+            <a:lvl4pPr>
+              <a:defRPr>
+                <a:solidFill>
+                  <a:schemeClr val="tx2"/>
+                </a:solidFill>
+              </a:defRPr>
+            </a:lvl4pPr>
+            <a:lvl5pPr>
+              <a:defRPr>
+                <a:solidFill>
+                  <a:schemeClr val="tx2"/>
+                </a:solidFill>
+              </a:defRPr>
+            </a:lvl5pPr>
+            <a:lvl6pPr>
+              <a:defRPr>
+                <a:solidFill>
+                  <a:schemeClr val="tx2"/>
+                </a:solidFill>
+              </a:defRPr>
+            </a:lvl6pPr>
+            <a:lvl7pPr>
+              <a:defRPr>
+                <a:solidFill>
+                  <a:schemeClr val="tx2"/>
+                </a:solidFill>
+              </a:defRPr>
+            </a:lvl7pPr>
+            <a:lvl8pPr>
+              <a:defRPr>
+                <a:solidFill>
+                  <a:schemeClr val="tx2"/>
+                </a:solidFill>
+              </a:defRPr>
+            </a:lvl8pPr>
+            <a:lvl9pPr>
+              <a:defRPr>
+                <a:solidFill>
+                  <a:schemeClr val="tx2"/>
+                </a:solidFill>
+              </a:defRPr>
+            </a:lvl9pPr>
+          </a:lstStyle>
+          <a:p>
+            <a:pPr lvl="0" algn="r"/>
+            <a:r>
+              <a:rPr lang="en-US" sz="8000" dirty="0">
+                <a:solidFill>
+                  <a:schemeClr val="accent1"/>
+                </a:solidFill>
+              </a:rPr>
+              <a:t>”</a:t>
+            </a:r>
+          </a:p>
+        </p:txBody>
+      </p:sp>
+      <p:sp>
+        <p:nvSpPr>
+          <p:cNvPr id="2" name="Title 1"/>
+          <p:cNvSpPr>
+            <a:spLocks noGrp="1"/>
+          </p:cNvSpPr>
+          <p:nvPr>
+            <p:ph type="title"/>
+          </p:nvPr>
+        </p:nvSpPr>
+        <p:spPr>
+          <a:xfrm>
+            <a:off x="1446213" y="609601"/>
+            <a:ext cx="9296398" cy="2743199"/>
+          </a:xfrm>
+        </p:spPr>
+        <p:txBody>
+          <a:bodyPr anchor="ctr">
+            <a:normAutofit/>
+          </a:bodyPr>
+          <a:lstStyle>
+            <a:lvl1pPr algn="l">
+              <a:defRPr sz="3200" b="0" cap="all">
+                <a:solidFill>
+                  <a:schemeClr val="tx1"/>
+                </a:solidFill>
+              </a:defRPr>
+            </a:lvl1pPr>
+          </a:lstStyle>
+          <a:p>
+            <a:r>
+              <a:rPr lang="en-US"/>
+              <a:t>Click to edit Master title style</a:t>
+            </a:r>
+            <a:endParaRPr lang="en-US" dirty="0"/>
+          </a:p>
+        </p:txBody>
+      </p:sp>
+      <p:sp>
+        <p:nvSpPr>
+          <p:cNvPr id="10" name="Text Placeholder 9"/>
+          <p:cNvSpPr>
+            <a:spLocks noGrp="1"/>
+          </p:cNvSpPr>
+          <p:nvPr>
+            <p:ph type="body" sz="quarter" idx="13"/>
+          </p:nvPr>
+        </p:nvSpPr>
+        <p:spPr>
+          <a:xfrm>
+            <a:off x="1674812" y="3352800"/>
+            <a:ext cx="8839202" cy="381000"/>
+          </a:xfrm>
+        </p:spPr>
+        <p:txBody>
+          <a:bodyPr anchor="ctr"/>
+          <a:lstStyle>
+            <a:lvl1pPr marL="0" indent="0">
+              <a:buFontTx/>
+              <a:buNone/>
+              <a:defRPr/>
+            </a:lvl1pPr>
+            <a:lvl2pPr marL="457200" indent="0">
+              <a:buFontTx/>
+              <a:buNone/>
+              <a:defRPr/>
+            </a:lvl2pPr>
+            <a:lvl3pPr marL="914400" indent="0">
+              <a:buFontTx/>
+              <a:buNone/>
+              <a:defRPr/>
+            </a:lvl3pPr>
+            <a:lvl4pPr marL="1371600" indent="0">
+              <a:buFontTx/>
+              <a:buNone/>
+              <a:defRPr/>
+            </a:lvl4pPr>
+            <a:lvl5pPr marL="1828800" indent="0">
+              <a:buFontTx/>
+              <a:buNone/>
+              <a:defRPr/>
+            </a:lvl5pPr>
+          </a:lstStyle>
+          <a:p>
+            <a:pPr lvl="0"/>
+            <a:r>
+              <a:rPr lang="en-US"/>
+              <a:t>Click to edit Master text styles</a:t>
+            </a:r>
+          </a:p>
+        </p:txBody>
+      </p:sp>
+      <p:sp>
+        <p:nvSpPr>
+          <p:cNvPr id="3" name="Text Placeholder 2"/>
+          <p:cNvSpPr>
+            <a:spLocks noGrp="1"/>
+          </p:cNvSpPr>
+          <p:nvPr>
+            <p:ph type="body" idx="1"/>
+          </p:nvPr>
+        </p:nvSpPr>
+        <p:spPr>
+          <a:xfrm>
+            <a:off x="1141411" y="4343400"/>
+            <a:ext cx="9906000" cy="1447800"/>
+          </a:xfrm>
+        </p:spPr>
+        <p:txBody>
+          <a:bodyPr anchor="ctr">
+            <a:normAutofit/>
+          </a:bodyPr>
+          <a:lstStyle>
+            <a:lvl1pPr marL="0" indent="0" algn="l">
+              <a:buNone/>
+              <a:defRPr sz="2000">
+                <a:solidFill>
+                  <a:schemeClr val="tx1"/>
+                </a:solidFill>
+              </a:defRPr>
+            </a:lvl1pPr>
+            <a:lvl2pPr marL="457200" indent="0">
+              <a:buNone/>
+              <a:defRPr sz="1800">
+                <a:solidFill>
+                  <a:schemeClr val="tx1">
+                    <a:tint val="75000"/>
+                  </a:schemeClr>
+                </a:solidFill>
+              </a:defRPr>
+            </a:lvl2pPr>
+            <a:lvl3pPr marL="914400" indent="0">
+              <a:buNone/>
+              <a:defRPr sz="1600">
+                <a:solidFill>
+                  <a:schemeClr val="tx1">
+                    <a:tint val="75000"/>
+                  </a:schemeClr>
+                </a:solidFill>
+              </a:defRPr>
+            </a:lvl3pPr>
+            <a:lvl4pPr marL="1371600" indent="0">
+              <a:buNone/>
+              <a:defRPr sz="1400">
+                <a:solidFill>
+                  <a:schemeClr val="tx1">
+                    <a:tint val="75000"/>
+                  </a:schemeClr>
+                </a:solidFill>
+              </a:defRPr>
+            </a:lvl4pPr>
+            <a:lvl5pPr marL="1828800" indent="0">
+              <a:buNone/>
+              <a:defRPr sz="1400">
+                <a:solidFill>
+                  <a:schemeClr val="tx1">
+                    <a:tint val="75000"/>
+                  </a:schemeClr>
+                </a:solidFill>
+              </a:defRPr>
+            </a:lvl5pPr>
+            <a:lvl6pPr marL="2286000" indent="0">
+              <a:buNone/>
+              <a:defRPr sz="1400">
+                <a:solidFill>
+                  <a:schemeClr val="tx1">
+                    <a:tint val="75000"/>
+                  </a:schemeClr>
+                </a:solidFill>
+              </a:defRPr>
+            </a:lvl6pPr>
+            <a:lvl7pPr marL="2743200" indent="0">
+              <a:buNone/>
+              <a:defRPr sz="1400">
+                <a:solidFill>
+                  <a:schemeClr val="tx1">
+                    <a:tint val="75000"/>
+                  </a:schemeClr>
+                </a:solidFill>
+              </a:defRPr>
+            </a:lvl7pPr>
+            <a:lvl8pPr marL="3200400" indent="0">
+              <a:buNone/>
+              <a:defRPr sz="1400">
+                <a:solidFill>
+                  <a:schemeClr val="tx1">
+                    <a:tint val="75000"/>
+                  </a:schemeClr>
+                </a:solidFill>
+              </a:defRPr>
+            </a:lvl8pPr>
+            <a:lvl9pPr marL="3657600" indent="0">
+              <a:buNone/>
+              <a:defRPr sz="1400">
+                <a:solidFill>
+                  <a:schemeClr val="tx1">
+                    <a:tint val="75000"/>
+                  </a:schemeClr>
+                </a:solidFill>
+              </a:defRPr>
+            </a:lvl9pPr>
+          </a:lstStyle>
+          <a:p>
+            <a:pPr lvl="0"/>
+            <a:r>
+              <a:rPr lang="en-US"/>
+              <a:t>Click to edit Master text styles</a:t>
+            </a:r>
+          </a:p>
+        </p:txBody>
+      </p:sp>
+      <p:sp>
+        <p:nvSpPr>
+          <p:cNvPr id="4" name="Date Placeholder 3"/>
+          <p:cNvSpPr>
+            <a:spLocks noGrp="1"/>
+          </p:cNvSpPr>
+          <p:nvPr>
+            <p:ph type="dt" sz="half" idx="10"/>
+          </p:nvPr>
+        </p:nvSpPr>
+        <p:spPr/>
+        <p:txBody>
+          <a:bodyPr/>
+          <a:lstStyle/>
+          <a:p>
+            <a:fld id="{A70EB5A2-7F07-8D4D-B712-71495FBB96FA}" type="datetimeFigureOut">
+              <a:rPr lang="en-US" smtClean="0"/>
+              <a:t>10/17/20</a:t>
+            </a:fld>
+            <a:endParaRPr lang="en-US"/>
+          </a:p>
+        </p:txBody>
+      </p:sp>
+      <p:sp>
+        <p:nvSpPr>
+          <p:cNvPr id="5" name="Footer Placeholder 4"/>
+          <p:cNvSpPr>
+            <a:spLocks noGrp="1"/>
+          </p:cNvSpPr>
+          <p:nvPr>
+            <p:ph type="ftr" sz="quarter" idx="11"/>
+          </p:nvPr>
+        </p:nvSpPr>
+        <p:spPr/>
+        <p:txBody>
+          <a:bodyPr/>
+          <a:lstStyle/>
+          <a:p>
+            <a:endParaRPr lang="en-US"/>
+          </a:p>
+        </p:txBody>
+      </p:sp>
+      <p:sp>
+        <p:nvSpPr>
+          <p:cNvPr id="6" name="Slide Number Placeholder 5"/>
+          <p:cNvSpPr>
+            <a:spLocks noGrp="1"/>
+          </p:cNvSpPr>
+          <p:nvPr>
+            <p:ph type="sldNum" sz="quarter" idx="12"/>
+          </p:nvPr>
+        </p:nvSpPr>
+        <p:spPr/>
+        <p:txBody>
+          <a:bodyPr/>
+          <a:lstStyle/>
+          <a:p>
+            <a:fld id="{19616A2F-1B95-3E48-829F-B2D8A84E4D7D}" type="slidenum">
+              <a:rPr lang="en-US" smtClean="0"/>
+              <a:t>‹#›</a:t>
+            </a:fld>
+            <a:endParaRPr lang="en-US"/>
+          </a:p>
+        </p:txBody>
+      </p:sp>
+    </p:spTree>
+    <p:extLst>
+      <p:ext uri="{BB962C8B-B14F-4D97-AF65-F5344CB8AC3E}">
+        <p14:creationId xmlns:p14="http://schemas.microsoft.com/office/powerpoint/2010/main" val="1115554856"/>
+      </p:ext>
+    </p:extLst>
+  </p:cSld>
+  <p:clrMapOvr>
+    <a:masterClrMapping/>
+  </p:clrMapOvr>
+</p:sldLayout>
+</file>
+
+<file path=ppt/slideLayouts/slideLayout13.xml><?xml version="1.0" encoding="utf-8"?>
+<p:sldLayout xmlns:a="http://schemas.openxmlformats.org/drawingml/2006/main" xmlns:r="http://schemas.openxmlformats.org/officeDocument/2006/relationships" xmlns:p="http://schemas.openxmlformats.org/presentationml/2006/main" preserve="1">
+  <p:cSld name="Name Card">
+    <p:spTree>
+      <p:nvGrpSpPr>
+        <p:cNvPr id="1" name=""/>
+        <p:cNvGrpSpPr/>
+        <p:nvPr/>
+      </p:nvGrpSpPr>
+      <p:grpSpPr>
+        <a:xfrm>
+          <a:off x="0" y="0"/>
+          <a:ext cx="0" cy="0"/>
+          <a:chOff x="0" y="0"/>
+          <a:chExt cx="0" cy="0"/>
+        </a:xfrm>
+      </p:grpSpPr>
+      <p:sp>
+        <p:nvSpPr>
+          <p:cNvPr id="2" name="Title 1"/>
+          <p:cNvSpPr>
+            <a:spLocks noGrp="1"/>
+          </p:cNvSpPr>
+          <p:nvPr>
+            <p:ph type="title"/>
+          </p:nvPr>
+        </p:nvSpPr>
+        <p:spPr>
+          <a:xfrm>
+            <a:off x="1141412" y="3308581"/>
+            <a:ext cx="9906000" cy="1468800"/>
+          </a:xfrm>
+        </p:spPr>
+        <p:txBody>
+          <a:bodyPr anchor="b">
+            <a:normAutofit/>
+          </a:bodyPr>
+          <a:lstStyle>
+            <a:lvl1pPr algn="l">
+              <a:defRPr sz="3200" b="0" cap="all"/>
+            </a:lvl1pPr>
+          </a:lstStyle>
+          <a:p>
+            <a:r>
+              <a:rPr lang="en-US"/>
+              <a:t>Click to edit Master title style</a:t>
+            </a:r>
+            <a:endParaRPr lang="en-US" dirty="0"/>
+          </a:p>
+        </p:txBody>
+      </p:sp>
+      <p:sp>
+        <p:nvSpPr>
+          <p:cNvPr id="3" name="Text Placeholder 2"/>
+          <p:cNvSpPr>
+            <a:spLocks noGrp="1"/>
+          </p:cNvSpPr>
+          <p:nvPr>
+            <p:ph type="body" idx="1"/>
+          </p:nvPr>
+        </p:nvSpPr>
+        <p:spPr>
+          <a:xfrm>
+            <a:off x="1141410" y="4777381"/>
+            <a:ext cx="9906001" cy="860400"/>
+          </a:xfrm>
+        </p:spPr>
+        <p:txBody>
+          <a:bodyPr anchor="t">
+            <a:normAutofit/>
+          </a:bodyPr>
+          <a:lstStyle>
+            <a:lvl1pPr marL="0" indent="0" algn="l">
+              <a:buNone/>
+              <a:defRPr sz="2000">
+                <a:solidFill>
+                  <a:schemeClr val="tx1"/>
+                </a:solidFill>
+              </a:defRPr>
+            </a:lvl1pPr>
+            <a:lvl2pPr marL="457200" indent="0">
+              <a:buNone/>
+              <a:defRPr sz="1800">
+                <a:solidFill>
+                  <a:schemeClr val="tx1">
+                    <a:tint val="75000"/>
+                  </a:schemeClr>
+                </a:solidFill>
+              </a:defRPr>
+            </a:lvl2pPr>
+            <a:lvl3pPr marL="914400" indent="0">
+              <a:buNone/>
+              <a:defRPr sz="1600">
+                <a:solidFill>
+                  <a:schemeClr val="tx1">
+                    <a:tint val="75000"/>
+                  </a:schemeClr>
+                </a:solidFill>
+              </a:defRPr>
+            </a:lvl3pPr>
+            <a:lvl4pPr marL="1371600" indent="0">
+              <a:buNone/>
+              <a:defRPr sz="1400">
+                <a:solidFill>
+                  <a:schemeClr val="tx1">
+                    <a:tint val="75000"/>
+                  </a:schemeClr>
+                </a:solidFill>
+              </a:defRPr>
+            </a:lvl4pPr>
+            <a:lvl5pPr marL="1828800" indent="0">
+              <a:buNone/>
+              <a:defRPr sz="1400">
+                <a:solidFill>
+                  <a:schemeClr val="tx1">
+                    <a:tint val="75000"/>
+                  </a:schemeClr>
+                </a:solidFill>
+              </a:defRPr>
+            </a:lvl5pPr>
+            <a:lvl6pPr marL="2286000" indent="0">
+              <a:buNone/>
+              <a:defRPr sz="1400">
+                <a:solidFill>
+                  <a:schemeClr val="tx1">
+                    <a:tint val="75000"/>
+                  </a:schemeClr>
+                </a:solidFill>
+              </a:defRPr>
+            </a:lvl6pPr>
+            <a:lvl7pPr marL="2743200" indent="0">
+              <a:buNone/>
+              <a:defRPr sz="1400">
+                <a:solidFill>
+                  <a:schemeClr val="tx1">
+                    <a:tint val="75000"/>
+                  </a:schemeClr>
+                </a:solidFill>
+              </a:defRPr>
+            </a:lvl7pPr>
+            <a:lvl8pPr marL="3200400" indent="0">
+              <a:buNone/>
+              <a:defRPr sz="1400">
+                <a:solidFill>
+                  <a:schemeClr val="tx1">
+                    <a:tint val="75000"/>
+                  </a:schemeClr>
+                </a:solidFill>
+              </a:defRPr>
+            </a:lvl8pPr>
+            <a:lvl9pPr marL="3657600" indent="0">
+              <a:buNone/>
+              <a:defRPr sz="1400">
+                <a:solidFill>
+                  <a:schemeClr val="tx1">
+                    <a:tint val="75000"/>
+                  </a:schemeClr>
+                </a:solidFill>
+              </a:defRPr>
+            </a:lvl9pPr>
+          </a:lstStyle>
+          <a:p>
+            <a:pPr lvl="0"/>
+            <a:r>
+              <a:rPr lang="en-US"/>
+              <a:t>Click to edit Master text styles</a:t>
+            </a:r>
+          </a:p>
+        </p:txBody>
+      </p:sp>
+      <p:sp>
+        <p:nvSpPr>
+          <p:cNvPr id="4" name="Date Placeholder 3"/>
+          <p:cNvSpPr>
+            <a:spLocks noGrp="1"/>
+          </p:cNvSpPr>
+          <p:nvPr>
+            <p:ph type="dt" sz="half" idx="10"/>
+          </p:nvPr>
+        </p:nvSpPr>
+        <p:spPr/>
+        <p:txBody>
+          <a:bodyPr/>
+          <a:lstStyle/>
+          <a:p>
+            <a:fld id="{A70EB5A2-7F07-8D4D-B712-71495FBB96FA}" type="datetimeFigureOut">
+              <a:rPr lang="en-US" smtClean="0"/>
+              <a:t>10/17/20</a:t>
+            </a:fld>
+            <a:endParaRPr lang="en-US"/>
+          </a:p>
+        </p:txBody>
+      </p:sp>
+      <p:sp>
+        <p:nvSpPr>
+          <p:cNvPr id="5" name="Footer Placeholder 4"/>
+          <p:cNvSpPr>
+            <a:spLocks noGrp="1"/>
+          </p:cNvSpPr>
+          <p:nvPr>
+            <p:ph type="ftr" sz="quarter" idx="11"/>
+          </p:nvPr>
+        </p:nvSpPr>
+        <p:spPr/>
+        <p:txBody>
+          <a:bodyPr/>
+          <a:lstStyle/>
+          <a:p>
+            <a:endParaRPr lang="en-US"/>
+          </a:p>
+        </p:txBody>
+      </p:sp>
+      <p:sp>
+        <p:nvSpPr>
+          <p:cNvPr id="6" name="Slide Number Placeholder 5"/>
+          <p:cNvSpPr>
+            <a:spLocks noGrp="1"/>
+          </p:cNvSpPr>
+          <p:nvPr>
+            <p:ph type="sldNum" sz="quarter" idx="12"/>
+          </p:nvPr>
+        </p:nvSpPr>
+        <p:spPr/>
+        <p:txBody>
+          <a:bodyPr/>
+          <a:lstStyle/>
+          <a:p>
+            <a:fld id="{19616A2F-1B95-3E48-829F-B2D8A84E4D7D}" type="slidenum">
+              <a:rPr lang="en-US" smtClean="0"/>
+              <a:t>‹#›</a:t>
+            </a:fld>
+            <a:endParaRPr lang="en-US"/>
+          </a:p>
+        </p:txBody>
+      </p:sp>
+    </p:spTree>
+    <p:extLst>
+      <p:ext uri="{BB962C8B-B14F-4D97-AF65-F5344CB8AC3E}">
+        <p14:creationId xmlns:p14="http://schemas.microsoft.com/office/powerpoint/2010/main" val="690201791"/>
+      </p:ext>
+    </p:extLst>
+  </p:cSld>
+  <p:clrMapOvr>
+    <a:masterClrMapping/>
+  </p:clrMapOvr>
+</p:sldLayout>
+</file>
+
+<file path=ppt/slideLayouts/slideLayout14.xml><?xml version="1.0" encoding="utf-8"?>
+<p:sldLayout xmlns:a="http://schemas.openxmlformats.org/drawingml/2006/main" xmlns:r="http://schemas.openxmlformats.org/officeDocument/2006/relationships" xmlns:p="http://schemas.openxmlformats.org/presentationml/2006/main" preserve="1">
+  <p:cSld name="Quote Name Card">
+    <p:spTree>
+      <p:nvGrpSpPr>
+        <p:cNvPr id="1" name=""/>
+        <p:cNvGrpSpPr/>
+        <p:nvPr/>
+      </p:nvGrpSpPr>
+      <p:grpSpPr>
+        <a:xfrm>
+          <a:off x="0" y="0"/>
+          <a:ext cx="0" cy="0"/>
+          <a:chOff x="0" y="0"/>
+          <a:chExt cx="0" cy="0"/>
+        </a:xfrm>
+      </p:grpSpPr>
+      <p:sp>
+        <p:nvSpPr>
+          <p:cNvPr id="14" name="TextBox 13"/>
+          <p:cNvSpPr txBox="1"/>
+          <p:nvPr/>
+        </p:nvSpPr>
+        <p:spPr>
+          <a:xfrm>
+            <a:off x="836612" y="786824"/>
+            <a:ext cx="609600" cy="584776"/>
+          </a:xfrm>
+          <a:prstGeom prst="rect">
+            <a:avLst/>
+          </a:prstGeom>
+        </p:spPr>
+        <p:txBody>
+          <a:bodyPr vert="horz" lIns="91440" tIns="45720" rIns="91440" bIns="45720" rtlCol="0" anchor="ctr">
+            <a:noAutofit/>
+          </a:bodyPr>
+          <a:lstStyle>
+            <a:lvl1pPr>
+              <a:spcBef>
+                <a:spcPct val="0"/>
+              </a:spcBef>
+              <a:buNone/>
+              <a:defRPr sz="3200" b="0" cap="all">
+                <a:ln w="3175" cmpd="sng">
+                  <a:noFill/>
+                </a:ln>
+                <a:effectLst>
+                  <a:glow rad="38100">
+                    <a:schemeClr val="bg1">
+                      <a:lumMod val="65000"/>
+                      <a:lumOff val="35000"/>
+                      <a:alpha val="40000"/>
+                    </a:schemeClr>
+                  </a:glow>
+                  <a:outerShdw blurRad="28575" dist="38100" dir="14040000" algn="tl" rotWithShape="0">
+                    <a:srgbClr val="000000">
+                      <a:alpha val="25000"/>
+                    </a:srgbClr>
+                  </a:outerShdw>
+                </a:effectLst>
+              </a:defRPr>
+            </a:lvl1pPr>
+            <a:lvl2pPr>
+              <a:defRPr>
+                <a:solidFill>
+                  <a:schemeClr val="tx2"/>
+                </a:solidFill>
+              </a:defRPr>
+            </a:lvl2pPr>
+            <a:lvl3pPr>
+              <a:defRPr>
+                <a:solidFill>
+                  <a:schemeClr val="tx2"/>
+                </a:solidFill>
+              </a:defRPr>
+            </a:lvl3pPr>
+            <a:lvl4pPr>
+              <a:defRPr>
+                <a:solidFill>
+                  <a:schemeClr val="tx2"/>
+                </a:solidFill>
+              </a:defRPr>
+            </a:lvl4pPr>
+            <a:lvl5pPr>
+              <a:defRPr>
+                <a:solidFill>
+                  <a:schemeClr val="tx2"/>
+                </a:solidFill>
+              </a:defRPr>
+            </a:lvl5pPr>
+            <a:lvl6pPr>
+              <a:defRPr>
+                <a:solidFill>
+                  <a:schemeClr val="tx2"/>
+                </a:solidFill>
+              </a:defRPr>
+            </a:lvl6pPr>
+            <a:lvl7pPr>
+              <a:defRPr>
+                <a:solidFill>
+                  <a:schemeClr val="tx2"/>
+                </a:solidFill>
+              </a:defRPr>
+            </a:lvl7pPr>
+            <a:lvl8pPr>
+              <a:defRPr>
+                <a:solidFill>
+                  <a:schemeClr val="tx2"/>
+                </a:solidFill>
+              </a:defRPr>
+            </a:lvl8pPr>
+            <a:lvl9pPr>
+              <a:defRPr>
+                <a:solidFill>
+                  <a:schemeClr val="tx2"/>
+                </a:solidFill>
+              </a:defRPr>
+            </a:lvl9pPr>
+          </a:lstStyle>
+          <a:p>
+            <a:pPr lvl="0"/>
+            <a:r>
+              <a:rPr lang="en-US" sz="8000" dirty="0">
+                <a:solidFill>
+                  <a:schemeClr val="accent1"/>
+                </a:solidFill>
+              </a:rPr>
+              <a:t>“</a:t>
+            </a:r>
+          </a:p>
+        </p:txBody>
+      </p:sp>
+      <p:sp>
+        <p:nvSpPr>
+          <p:cNvPr id="15" name="TextBox 14"/>
+          <p:cNvSpPr txBox="1"/>
+          <p:nvPr/>
+        </p:nvSpPr>
+        <p:spPr>
+          <a:xfrm>
+            <a:off x="10437812" y="2743200"/>
+            <a:ext cx="609600" cy="584776"/>
+          </a:xfrm>
+          <a:prstGeom prst="rect">
+            <a:avLst/>
+          </a:prstGeom>
+        </p:spPr>
+        <p:txBody>
+          <a:bodyPr vert="horz" lIns="91440" tIns="45720" rIns="91440" bIns="45720" rtlCol="0" anchor="ctr">
+            <a:noAutofit/>
+          </a:bodyPr>
+          <a:lstStyle>
+            <a:lvl1pPr>
+              <a:spcBef>
+                <a:spcPct val="0"/>
+              </a:spcBef>
+              <a:buNone/>
+              <a:defRPr sz="3200" b="0" cap="all">
+                <a:ln w="3175" cmpd="sng">
+                  <a:noFill/>
+                </a:ln>
+                <a:effectLst>
+                  <a:glow rad="38100">
+                    <a:schemeClr val="bg1">
+                      <a:lumMod val="65000"/>
+                      <a:lumOff val="35000"/>
+                      <a:alpha val="40000"/>
+                    </a:schemeClr>
+                  </a:glow>
+                  <a:outerShdw blurRad="28575" dist="38100" dir="14040000" algn="tl" rotWithShape="0">
+                    <a:srgbClr val="000000">
+                      <a:alpha val="25000"/>
+                    </a:srgbClr>
+                  </a:outerShdw>
+                </a:effectLst>
+              </a:defRPr>
+            </a:lvl1pPr>
+            <a:lvl2pPr>
+              <a:defRPr>
+                <a:solidFill>
+                  <a:schemeClr val="tx2"/>
+                </a:solidFill>
+              </a:defRPr>
+            </a:lvl2pPr>
+            <a:lvl3pPr>
+              <a:defRPr>
+                <a:solidFill>
+                  <a:schemeClr val="tx2"/>
+                </a:solidFill>
+              </a:defRPr>
+            </a:lvl3pPr>
+            <a:lvl4pPr>
+              <a:defRPr>
+                <a:solidFill>
+                  <a:schemeClr val="tx2"/>
+                </a:solidFill>
+              </a:defRPr>
+            </a:lvl4pPr>
+            <a:lvl5pPr>
+              <a:defRPr>
+                <a:solidFill>
+                  <a:schemeClr val="tx2"/>
+                </a:solidFill>
+              </a:defRPr>
+            </a:lvl5pPr>
+            <a:lvl6pPr>
+              <a:defRPr>
+                <a:solidFill>
+                  <a:schemeClr val="tx2"/>
+                </a:solidFill>
+              </a:defRPr>
+            </a:lvl6pPr>
+            <a:lvl7pPr>
+              <a:defRPr>
+                <a:solidFill>
+                  <a:schemeClr val="tx2"/>
+                </a:solidFill>
+              </a:defRPr>
+            </a:lvl7pPr>
+            <a:lvl8pPr>
+              <a:defRPr>
+                <a:solidFill>
+                  <a:schemeClr val="tx2"/>
+                </a:solidFill>
+              </a:defRPr>
+            </a:lvl8pPr>
+            <a:lvl9pPr>
+              <a:defRPr>
+                <a:solidFill>
+                  <a:schemeClr val="tx2"/>
+                </a:solidFill>
+              </a:defRPr>
+            </a:lvl9pPr>
+          </a:lstStyle>
+          <a:p>
+            <a:pPr lvl="0" algn="r"/>
+            <a:r>
+              <a:rPr lang="en-US" sz="8000" dirty="0">
+                <a:solidFill>
+                  <a:schemeClr val="accent1"/>
+                </a:solidFill>
+              </a:rPr>
+              <a:t>”</a:t>
+            </a:r>
+          </a:p>
+        </p:txBody>
+      </p:sp>
+      <p:sp>
+        <p:nvSpPr>
+          <p:cNvPr id="2" name="Title 1"/>
+          <p:cNvSpPr>
+            <a:spLocks noGrp="1"/>
+          </p:cNvSpPr>
+          <p:nvPr>
+            <p:ph type="title"/>
+          </p:nvPr>
+        </p:nvSpPr>
+        <p:spPr>
+          <a:xfrm>
+            <a:off x="1446213" y="609601"/>
+            <a:ext cx="9296398" cy="2743199"/>
+          </a:xfrm>
+        </p:spPr>
+        <p:txBody>
+          <a:bodyPr anchor="ctr">
+            <a:normAutofit/>
+          </a:bodyPr>
+          <a:lstStyle>
+            <a:lvl1pPr algn="l">
+              <a:defRPr sz="3200" b="0" cap="all">
+                <a:solidFill>
+                  <a:schemeClr val="tx1"/>
+                </a:solidFill>
+              </a:defRPr>
+            </a:lvl1pPr>
+          </a:lstStyle>
+          <a:p>
+            <a:r>
+              <a:rPr lang="en-US"/>
+              <a:t>Click to edit Master title style</a:t>
+            </a:r>
+            <a:endParaRPr lang="en-US" dirty="0"/>
+          </a:p>
+        </p:txBody>
+      </p:sp>
+      <p:sp>
+        <p:nvSpPr>
+          <p:cNvPr id="10" name="Text Placeholder 9"/>
+          <p:cNvSpPr>
+            <a:spLocks noGrp="1"/>
+          </p:cNvSpPr>
+          <p:nvPr>
+            <p:ph type="body" sz="quarter" idx="13"/>
+          </p:nvPr>
+        </p:nvSpPr>
+        <p:spPr>
+          <a:xfrm>
+            <a:off x="1141412" y="3886200"/>
+            <a:ext cx="9906000" cy="889000"/>
+          </a:xfrm>
+        </p:spPr>
+        <p:txBody>
+          <a:bodyPr vert="horz" lIns="91440" tIns="45720" rIns="91440" bIns="45720" rtlCol="0" anchor="b">
+            <a:normAutofit/>
+          </a:bodyPr>
+          <a:lstStyle>
+            <a:lvl1pPr>
+              <a:buNone/>
+              <a:defRPr lang="en-US" sz="2400" b="0" cap="all" dirty="0">
+                <a:ln w="3175" cmpd="sng">
+                  <a:noFill/>
+                </a:ln>
+                <a:solidFill>
+                  <a:schemeClr val="accent1"/>
+                </a:solidFill>
+                <a:effectLst>
+                  <a:glow rad="38100">
+                    <a:schemeClr val="bg1">
+                      <a:lumMod val="65000"/>
+                      <a:lumOff val="35000"/>
+                      <a:alpha val="40000"/>
+                    </a:schemeClr>
+                  </a:glow>
+                  <a:outerShdw blurRad="28575" dist="38100" dir="14040000" algn="tl" rotWithShape="0">
+                    <a:srgbClr val="000000">
+                      <a:alpha val="25000"/>
+                    </a:srgbClr>
+                  </a:outerShdw>
+                </a:effectLst>
+              </a:defRPr>
+            </a:lvl1pPr>
+          </a:lstStyle>
+          <a:p>
+            <a:pPr marL="0" lvl="0">
+              <a:spcBef>
+                <a:spcPct val="0"/>
+              </a:spcBef>
+              <a:buNone/>
+            </a:pPr>
+            <a:r>
+              <a:rPr lang="en-US"/>
+              <a:t>Click to edit Master text styles</a:t>
+            </a:r>
+          </a:p>
+        </p:txBody>
+      </p:sp>
+      <p:sp>
+        <p:nvSpPr>
+          <p:cNvPr id="3" name="Text Placeholder 2"/>
+          <p:cNvSpPr>
+            <a:spLocks noGrp="1"/>
+          </p:cNvSpPr>
+          <p:nvPr>
+            <p:ph type="body" idx="1"/>
+          </p:nvPr>
+        </p:nvSpPr>
+        <p:spPr>
+          <a:xfrm>
+            <a:off x="1141411" y="4775200"/>
+            <a:ext cx="9906000" cy="1016000"/>
+          </a:xfrm>
+        </p:spPr>
+        <p:txBody>
+          <a:bodyPr anchor="t">
+            <a:normAutofit/>
+          </a:bodyPr>
+          <a:lstStyle>
+            <a:lvl1pPr marL="0" indent="0" algn="l">
+              <a:buNone/>
+              <a:defRPr sz="1800">
+                <a:solidFill>
+                  <a:schemeClr val="tx1"/>
+                </a:solidFill>
+              </a:defRPr>
+            </a:lvl1pPr>
+            <a:lvl2pPr marL="457200" indent="0">
+              <a:buNone/>
+              <a:defRPr sz="1800">
+                <a:solidFill>
+                  <a:schemeClr val="tx1">
+                    <a:tint val="75000"/>
+                  </a:schemeClr>
+                </a:solidFill>
+              </a:defRPr>
+            </a:lvl2pPr>
+            <a:lvl3pPr marL="914400" indent="0">
+              <a:buNone/>
+              <a:defRPr sz="1600">
+                <a:solidFill>
+                  <a:schemeClr val="tx1">
+                    <a:tint val="75000"/>
+                  </a:schemeClr>
+                </a:solidFill>
+              </a:defRPr>
+            </a:lvl3pPr>
+            <a:lvl4pPr marL="1371600" indent="0">
+              <a:buNone/>
+              <a:defRPr sz="1400">
+                <a:solidFill>
+                  <a:schemeClr val="tx1">
+                    <a:tint val="75000"/>
+                  </a:schemeClr>
+                </a:solidFill>
+              </a:defRPr>
+            </a:lvl4pPr>
+            <a:lvl5pPr marL="1828800" indent="0">
+              <a:buNone/>
+              <a:defRPr sz="1400">
+                <a:solidFill>
+                  <a:schemeClr val="tx1">
+                    <a:tint val="75000"/>
+                  </a:schemeClr>
+                </a:solidFill>
+              </a:defRPr>
+            </a:lvl5pPr>
+            <a:lvl6pPr marL="2286000" indent="0">
+              <a:buNone/>
+              <a:defRPr sz="1400">
+                <a:solidFill>
+                  <a:schemeClr val="tx1">
+                    <a:tint val="75000"/>
+                  </a:schemeClr>
+                </a:solidFill>
+              </a:defRPr>
+            </a:lvl6pPr>
+            <a:lvl7pPr marL="2743200" indent="0">
+              <a:buNone/>
+              <a:defRPr sz="1400">
+                <a:solidFill>
+                  <a:schemeClr val="tx1">
+                    <a:tint val="75000"/>
+                  </a:schemeClr>
+                </a:solidFill>
+              </a:defRPr>
+            </a:lvl7pPr>
+            <a:lvl8pPr marL="3200400" indent="0">
+              <a:buNone/>
+              <a:defRPr sz="1400">
+                <a:solidFill>
+                  <a:schemeClr val="tx1">
+                    <a:tint val="75000"/>
+                  </a:schemeClr>
+                </a:solidFill>
+              </a:defRPr>
+            </a:lvl8pPr>
+            <a:lvl9pPr marL="3657600" indent="0">
+              <a:buNone/>
+              <a:defRPr sz="1400">
+                <a:solidFill>
+                  <a:schemeClr val="tx1">
+                    <a:tint val="75000"/>
+                  </a:schemeClr>
+                </a:solidFill>
+              </a:defRPr>
+            </a:lvl9pPr>
+          </a:lstStyle>
+          <a:p>
+            <a:pPr lvl="0"/>
+            <a:r>
+              <a:rPr lang="en-US"/>
+              <a:t>Click to edit Master text styles</a:t>
+            </a:r>
+          </a:p>
+        </p:txBody>
+      </p:sp>
+      <p:sp>
+        <p:nvSpPr>
+          <p:cNvPr id="4" name="Date Placeholder 3"/>
+          <p:cNvSpPr>
+            <a:spLocks noGrp="1"/>
+          </p:cNvSpPr>
+          <p:nvPr>
+            <p:ph type="dt" sz="half" idx="10"/>
+          </p:nvPr>
+        </p:nvSpPr>
+        <p:spPr/>
+        <p:txBody>
+          <a:bodyPr/>
+          <a:lstStyle/>
+          <a:p>
+            <a:fld id="{A70EB5A2-7F07-8D4D-B712-71495FBB96FA}" type="datetimeFigureOut">
+              <a:rPr lang="en-US" smtClean="0"/>
+              <a:t>10/17/20</a:t>
+            </a:fld>
+            <a:endParaRPr lang="en-US"/>
+          </a:p>
+        </p:txBody>
+      </p:sp>
+      <p:sp>
+        <p:nvSpPr>
+          <p:cNvPr id="5" name="Footer Placeholder 4"/>
+          <p:cNvSpPr>
+            <a:spLocks noGrp="1"/>
+          </p:cNvSpPr>
+          <p:nvPr>
+            <p:ph type="ftr" sz="quarter" idx="11"/>
+          </p:nvPr>
+        </p:nvSpPr>
+        <p:spPr/>
+        <p:txBody>
+          <a:bodyPr/>
+          <a:lstStyle/>
+          <a:p>
+            <a:endParaRPr lang="en-US"/>
+          </a:p>
+        </p:txBody>
+      </p:sp>
+      <p:sp>
+        <p:nvSpPr>
+          <p:cNvPr id="6" name="Slide Number Placeholder 5"/>
+          <p:cNvSpPr>
+            <a:spLocks noGrp="1"/>
+          </p:cNvSpPr>
+          <p:nvPr>
+            <p:ph type="sldNum" sz="quarter" idx="12"/>
+          </p:nvPr>
+        </p:nvSpPr>
+        <p:spPr/>
+        <p:txBody>
+          <a:bodyPr/>
+          <a:lstStyle/>
+          <a:p>
+            <a:fld id="{19616A2F-1B95-3E48-829F-B2D8A84E4D7D}" type="slidenum">
+              <a:rPr lang="en-US" smtClean="0"/>
+              <a:t>‹#›</a:t>
+            </a:fld>
+            <a:endParaRPr lang="en-US"/>
+          </a:p>
+        </p:txBody>
+      </p:sp>
+    </p:spTree>
+    <p:extLst>
+      <p:ext uri="{BB962C8B-B14F-4D97-AF65-F5344CB8AC3E}">
+        <p14:creationId xmlns:p14="http://schemas.microsoft.com/office/powerpoint/2010/main" val="1738346853"/>
+      </p:ext>
+    </p:extLst>
+  </p:cSld>
+  <p:clrMapOvr>
+    <a:masterClrMapping/>
+  </p:clrMapOvr>
+</p:sldLayout>
+</file>
+
+<file path=ppt/slideLayouts/slideLayout15.xml><?xml version="1.0" encoding="utf-8"?>
+<p:sldLayout xmlns:a="http://schemas.openxmlformats.org/drawingml/2006/main" xmlns:r="http://schemas.openxmlformats.org/officeDocument/2006/relationships" xmlns:p="http://schemas.openxmlformats.org/presentationml/2006/main" preserve="1">
+  <p:cSld name="True or False">
+    <p:spTree>
+      <p:nvGrpSpPr>
+        <p:cNvPr id="1" name=""/>
+        <p:cNvGrpSpPr/>
+        <p:nvPr/>
+      </p:nvGrpSpPr>
+      <p:grpSpPr>
+        <a:xfrm>
+          <a:off x="0" y="0"/>
+          <a:ext cx="0" cy="0"/>
+          <a:chOff x="0" y="0"/>
+          <a:chExt cx="0" cy="0"/>
+        </a:xfrm>
+      </p:grpSpPr>
+      <p:sp>
+        <p:nvSpPr>
+          <p:cNvPr id="2" name="Title 1"/>
+          <p:cNvSpPr>
+            <a:spLocks noGrp="1"/>
+          </p:cNvSpPr>
+          <p:nvPr>
+            <p:ph type="title"/>
+          </p:nvPr>
+        </p:nvSpPr>
+        <p:spPr>
+          <a:xfrm>
+            <a:off x="1141412" y="609601"/>
+            <a:ext cx="9905999" cy="2743199"/>
+          </a:xfrm>
+        </p:spPr>
+        <p:txBody>
+          <a:bodyPr vert="horz" lIns="91440" tIns="45720" rIns="91440" bIns="45720" rtlCol="0" anchor="ctr">
+            <a:normAutofit/>
+          </a:bodyPr>
+          <a:lstStyle>
+            <a:lvl1pPr>
+              <a:defRPr lang="en-US" b="0" dirty="0"/>
+            </a:lvl1pPr>
+          </a:lstStyle>
+          <a:p>
+            <a:pPr marL="0" lvl="0"/>
+            <a:r>
+              <a:rPr lang="en-US"/>
+              <a:t>Click to edit Master title style</a:t>
+            </a:r>
+            <a:endParaRPr lang="en-US" dirty="0"/>
+          </a:p>
+        </p:txBody>
+      </p:sp>
+      <p:sp>
+        <p:nvSpPr>
+          <p:cNvPr id="10" name="Text Placeholder 9"/>
+          <p:cNvSpPr>
+            <a:spLocks noGrp="1"/>
+          </p:cNvSpPr>
+          <p:nvPr>
+            <p:ph type="body" sz="quarter" idx="13"/>
+          </p:nvPr>
+        </p:nvSpPr>
+        <p:spPr>
+          <a:xfrm>
+            <a:off x="1141412" y="3505200"/>
+            <a:ext cx="9906000" cy="838200"/>
+          </a:xfrm>
+        </p:spPr>
+        <p:txBody>
+          <a:bodyPr vert="horz" lIns="91440" tIns="45720" rIns="91440" bIns="45720" rtlCol="0" anchor="b">
+            <a:normAutofit/>
+          </a:bodyPr>
+          <a:lstStyle>
+            <a:lvl1pPr>
+              <a:buNone/>
+              <a:defRPr lang="en-US" sz="2800" b="0" cap="all" dirty="0">
+                <a:ln w="3175" cmpd="sng">
+                  <a:noFill/>
+                </a:ln>
+                <a:solidFill>
+                  <a:schemeClr val="tx1"/>
+                </a:solidFill>
+                <a:effectLst>
+                  <a:glow rad="38100">
+                    <a:schemeClr val="bg1">
+                      <a:lumMod val="65000"/>
+                      <a:lumOff val="35000"/>
+                      <a:alpha val="40000"/>
+                    </a:schemeClr>
+                  </a:glow>
+                  <a:outerShdw blurRad="28575" dist="38100" dir="14040000" algn="tl" rotWithShape="0">
+                    <a:srgbClr val="000000">
+                      <a:alpha val="25000"/>
+                    </a:srgbClr>
+                  </a:outerShdw>
+                </a:effectLst>
+              </a:defRPr>
+            </a:lvl1pPr>
+          </a:lstStyle>
+          <a:p>
+            <a:pPr marL="0" lvl="0">
+              <a:spcBef>
+                <a:spcPct val="0"/>
+              </a:spcBef>
+              <a:buNone/>
+            </a:pPr>
+            <a:r>
+              <a:rPr lang="en-US"/>
+              <a:t>Click to edit Master text styles</a:t>
+            </a:r>
+          </a:p>
+        </p:txBody>
+      </p:sp>
+      <p:sp>
+        <p:nvSpPr>
+          <p:cNvPr id="3" name="Text Placeholder 2"/>
+          <p:cNvSpPr>
+            <a:spLocks noGrp="1"/>
+          </p:cNvSpPr>
+          <p:nvPr>
+            <p:ph type="body" idx="1"/>
+          </p:nvPr>
+        </p:nvSpPr>
+        <p:spPr>
+          <a:xfrm>
+            <a:off x="1141411" y="4343400"/>
+            <a:ext cx="9906000" cy="1447800"/>
+          </a:xfrm>
+        </p:spPr>
+        <p:txBody>
+          <a:bodyPr anchor="t">
+            <a:normAutofit/>
+          </a:bodyPr>
+          <a:lstStyle>
+            <a:lvl1pPr marL="0" indent="0" algn="l">
+              <a:buNone/>
+              <a:defRPr sz="1800">
+                <a:solidFill>
+                  <a:schemeClr val="tx1"/>
+                </a:solidFill>
+              </a:defRPr>
+            </a:lvl1pPr>
+            <a:lvl2pPr marL="457200" indent="0">
+              <a:buNone/>
+              <a:defRPr sz="1800">
+                <a:solidFill>
+                  <a:schemeClr val="tx1">
+                    <a:tint val="75000"/>
+                  </a:schemeClr>
+                </a:solidFill>
+              </a:defRPr>
+            </a:lvl2pPr>
+            <a:lvl3pPr marL="914400" indent="0">
+              <a:buNone/>
+              <a:defRPr sz="1600">
+                <a:solidFill>
+                  <a:schemeClr val="tx1">
+                    <a:tint val="75000"/>
+                  </a:schemeClr>
+                </a:solidFill>
+              </a:defRPr>
+            </a:lvl3pPr>
+            <a:lvl4pPr marL="1371600" indent="0">
+              <a:buNone/>
+              <a:defRPr sz="1400">
+                <a:solidFill>
+                  <a:schemeClr val="tx1">
+                    <a:tint val="75000"/>
+                  </a:schemeClr>
+                </a:solidFill>
+              </a:defRPr>
+            </a:lvl4pPr>
+            <a:lvl5pPr marL="1828800" indent="0">
+              <a:buNone/>
+              <a:defRPr sz="1400">
+                <a:solidFill>
+                  <a:schemeClr val="tx1">
+                    <a:tint val="75000"/>
+                  </a:schemeClr>
+                </a:solidFill>
+              </a:defRPr>
+            </a:lvl5pPr>
+            <a:lvl6pPr marL="2286000" indent="0">
+              <a:buNone/>
+              <a:defRPr sz="1400">
+                <a:solidFill>
+                  <a:schemeClr val="tx1">
+                    <a:tint val="75000"/>
+                  </a:schemeClr>
+                </a:solidFill>
+              </a:defRPr>
+            </a:lvl6pPr>
+            <a:lvl7pPr marL="2743200" indent="0">
+              <a:buNone/>
+              <a:defRPr sz="1400">
+                <a:solidFill>
+                  <a:schemeClr val="tx1">
+                    <a:tint val="75000"/>
+                  </a:schemeClr>
+                </a:solidFill>
+              </a:defRPr>
+            </a:lvl7pPr>
+            <a:lvl8pPr marL="3200400" indent="0">
+              <a:buNone/>
+              <a:defRPr sz="1400">
+                <a:solidFill>
+                  <a:schemeClr val="tx1">
+                    <a:tint val="75000"/>
+                  </a:schemeClr>
+                </a:solidFill>
+              </a:defRPr>
+            </a:lvl8pPr>
+            <a:lvl9pPr marL="3657600" indent="0">
+              <a:buNone/>
+              <a:defRPr sz="1400">
+                <a:solidFill>
+                  <a:schemeClr val="tx1">
+                    <a:tint val="75000"/>
+                  </a:schemeClr>
+                </a:solidFill>
+              </a:defRPr>
+            </a:lvl9pPr>
+          </a:lstStyle>
+          <a:p>
+            <a:pPr lvl="0"/>
+            <a:r>
+              <a:rPr lang="en-US"/>
+              <a:t>Click to edit Master text styles</a:t>
+            </a:r>
+          </a:p>
+        </p:txBody>
+      </p:sp>
+      <p:sp>
+        <p:nvSpPr>
+          <p:cNvPr id="4" name="Date Placeholder 3"/>
+          <p:cNvSpPr>
+            <a:spLocks noGrp="1"/>
+          </p:cNvSpPr>
+          <p:nvPr>
+            <p:ph type="dt" sz="half" idx="10"/>
+          </p:nvPr>
+        </p:nvSpPr>
+        <p:spPr/>
+        <p:txBody>
+          <a:bodyPr/>
+          <a:lstStyle/>
+          <a:p>
+            <a:fld id="{A70EB5A2-7F07-8D4D-B712-71495FBB96FA}" type="datetimeFigureOut">
+              <a:rPr lang="en-US" smtClean="0"/>
+              <a:t>10/17/20</a:t>
+            </a:fld>
+            <a:endParaRPr lang="en-US"/>
+          </a:p>
+        </p:txBody>
+      </p:sp>
+      <p:sp>
+        <p:nvSpPr>
+          <p:cNvPr id="5" name="Footer Placeholder 4"/>
+          <p:cNvSpPr>
+            <a:spLocks noGrp="1"/>
+          </p:cNvSpPr>
+          <p:nvPr>
+            <p:ph type="ftr" sz="quarter" idx="11"/>
+          </p:nvPr>
+        </p:nvSpPr>
+        <p:spPr/>
+        <p:txBody>
+          <a:bodyPr/>
+          <a:lstStyle/>
+          <a:p>
+            <a:endParaRPr lang="en-US"/>
+          </a:p>
+        </p:txBody>
+      </p:sp>
+      <p:sp>
+        <p:nvSpPr>
+          <p:cNvPr id="6" name="Slide Number Placeholder 5"/>
+          <p:cNvSpPr>
+            <a:spLocks noGrp="1"/>
+          </p:cNvSpPr>
+          <p:nvPr>
+            <p:ph type="sldNum" sz="quarter" idx="12"/>
+          </p:nvPr>
+        </p:nvSpPr>
+        <p:spPr/>
+        <p:txBody>
+          <a:bodyPr/>
+          <a:lstStyle/>
+          <a:p>
+            <a:fld id="{19616A2F-1B95-3E48-829F-B2D8A84E4D7D}" type="slidenum">
+              <a:rPr lang="en-US" smtClean="0"/>
+              <a:t>‹#›</a:t>
+            </a:fld>
+            <a:endParaRPr lang="en-US"/>
+          </a:p>
+        </p:txBody>
+      </p:sp>
+    </p:spTree>
+    <p:extLst>
+      <p:ext uri="{BB962C8B-B14F-4D97-AF65-F5344CB8AC3E}">
+        <p14:creationId xmlns:p14="http://schemas.microsoft.com/office/powerpoint/2010/main" val="3397803020"/>
+      </p:ext>
+    </p:extLst>
+  </p:cSld>
+  <p:clrMapOvr>
+    <a:masterClrMapping/>
+  </p:clrMapOvr>
+</p:sldLayout>
+</file>
+
+<file path=ppt/slideLayouts/slideLayout16.xml><?xml version="1.0" encoding="utf-8"?>
 <p:sldLayout xmlns:a="http://schemas.openxmlformats.org/drawingml/2006/main" xmlns:r="http://schemas.openxmlformats.org/officeDocument/2006/relationships" xmlns:p="http://schemas.openxmlformats.org/presentationml/2006/main" type="vertTx" preserve="1">
   <p:cSld name="Title and Vertical Text">
     <p:spTree>
@@ -346,13 +3332,7 @@
       </p:grpSpPr>
       <p:sp>
         <p:nvSpPr>
-          <p:cNvPr id="2" name="Title 1">
-            <a:extLst>
-              <a:ext uri="{FF2B5EF4-FFF2-40B4-BE49-F238E27FC236}">
-                <a16:creationId xmlns:a16="http://schemas.microsoft.com/office/drawing/2014/main" id="{DF9E4C42-C6AE-EF4D-9380-904D77AF3F85}"/>
-              </a:ext>
-            </a:extLst>
-          </p:cNvPr>
+          <p:cNvPr id="7" name="Title 1"/>
           <p:cNvSpPr>
             <a:spLocks noGrp="1"/>
           </p:cNvSpPr>
@@ -360,7 +3340,12 @@
             <p:ph type="title"/>
           </p:nvPr>
         </p:nvSpPr>
-        <p:spPr/>
+        <p:spPr>
+          <a:xfrm>
+            <a:off x="1141413" y="609600"/>
+            <a:ext cx="9905998" cy="1905000"/>
+          </a:xfrm>
+        </p:spPr>
         <p:txBody>
           <a:bodyPr/>
           <a:lstStyle/>
@@ -369,18 +3354,13 @@
               <a:rPr lang="en-US"/>
               <a:t>Click to edit Master title style</a:t>
             </a:r>
-          </a:p>
-        </p:txBody>
-      </p:sp>
-      <p:sp>
-        <p:nvSpPr>
-          <p:cNvPr id="3" name="Vertical Text Placeholder 2">
-            <a:extLst>
-              <a:ext uri="{FF2B5EF4-FFF2-40B4-BE49-F238E27FC236}">
-                <a16:creationId xmlns:a16="http://schemas.microsoft.com/office/drawing/2014/main" id="{58473308-3D83-0E40-9631-FCD1B5C435C6}"/>
-              </a:ext>
-            </a:extLst>
-          </p:cNvPr>
+            <a:endParaRPr lang="en-US" dirty="0"/>
+          </a:p>
+        </p:txBody>
+      </p:sp>
+      <p:sp>
+        <p:nvSpPr>
+          <p:cNvPr id="3" name="Vertical Text Placeholder 2"/>
           <p:cNvSpPr>
             <a:spLocks noGrp="1"/>
           </p:cNvSpPr>
@@ -390,7 +3370,7 @@
         </p:nvSpPr>
         <p:spPr/>
         <p:txBody>
-          <a:bodyPr vert="eaVert"/>
+          <a:bodyPr vert="eaVert" anchor="t"/>
           <a:lstStyle/>
           <a:p>
             <a:pPr lvl="0"/>
@@ -426,18 +3406,13 @@
               <a:rPr lang="en-US"/>
               <a:t>Fifth level</a:t>
             </a:r>
-          </a:p>
-        </p:txBody>
-      </p:sp>
-      <p:sp>
-        <p:nvSpPr>
-          <p:cNvPr id="4" name="Date Placeholder 3">
-            <a:extLst>
-              <a:ext uri="{FF2B5EF4-FFF2-40B4-BE49-F238E27FC236}">
-                <a16:creationId xmlns:a16="http://schemas.microsoft.com/office/drawing/2014/main" id="{FDC590C3-179D-2A4F-9B49-C7A1F228DC7F}"/>
-              </a:ext>
-            </a:extLst>
-          </p:cNvPr>
+            <a:endParaRPr lang="en-US" dirty="0"/>
+          </a:p>
+        </p:txBody>
+      </p:sp>
+      <p:sp>
+        <p:nvSpPr>
+          <p:cNvPr id="4" name="Date Placeholder 3"/>
           <p:cNvSpPr>
             <a:spLocks noGrp="1"/>
           </p:cNvSpPr>
@@ -460,13 +3435,7 @@
       </p:sp>
       <p:sp>
         <p:nvSpPr>
-          <p:cNvPr id="5" name="Footer Placeholder 4">
-            <a:extLst>
-              <a:ext uri="{FF2B5EF4-FFF2-40B4-BE49-F238E27FC236}">
-                <a16:creationId xmlns:a16="http://schemas.microsoft.com/office/drawing/2014/main" id="{4C9F0C97-23E6-6A4A-9E4D-AD868A346D1C}"/>
-              </a:ext>
-            </a:extLst>
-          </p:cNvPr>
+          <p:cNvPr id="5" name="Footer Placeholder 4"/>
           <p:cNvSpPr>
             <a:spLocks noGrp="1"/>
           </p:cNvSpPr>
@@ -485,13 +3454,7 @@
       </p:sp>
       <p:sp>
         <p:nvSpPr>
-          <p:cNvPr id="6" name="Slide Number Placeholder 5">
-            <a:extLst>
-              <a:ext uri="{FF2B5EF4-FFF2-40B4-BE49-F238E27FC236}">
-                <a16:creationId xmlns:a16="http://schemas.microsoft.com/office/drawing/2014/main" id="{F868AA91-D3DF-8C46-9672-9A15DAC149F2}"/>
-              </a:ext>
-            </a:extLst>
-          </p:cNvPr>
+          <p:cNvPr id="6" name="Slide Number Placeholder 5"/>
           <p:cNvSpPr>
             <a:spLocks noGrp="1"/>
           </p:cNvSpPr>
@@ -515,7 +3478,7 @@
     </p:spTree>
     <p:extLst>
       <p:ext uri="{BB962C8B-B14F-4D97-AF65-F5344CB8AC3E}">
-        <p14:creationId xmlns:p14="http://schemas.microsoft.com/office/powerpoint/2010/main" val="647706102"/>
+        <p14:creationId xmlns:p14="http://schemas.microsoft.com/office/powerpoint/2010/main" val="826339663"/>
       </p:ext>
     </p:extLst>
   </p:cSld>
@@ -525,7 +3488,7 @@
 </p:sldLayout>
 </file>
 
-<file path=ppt/slideLayouts/slideLayout11.xml><?xml version="1.0" encoding="utf-8"?>
+<file path=ppt/slideLayouts/slideLayout17.xml><?xml version="1.0" encoding="utf-8"?>
 <p:sldLayout xmlns:a="http://schemas.openxmlformats.org/drawingml/2006/main" xmlns:r="http://schemas.openxmlformats.org/officeDocument/2006/relationships" xmlns:p="http://schemas.openxmlformats.org/presentationml/2006/main" type="vertTitleAndTx" preserve="1">
   <p:cSld name="Vertical Title and Text">
     <p:spTree>
@@ -544,13 +3507,7 @@
       </p:grpSpPr>
       <p:sp>
         <p:nvSpPr>
-          <p:cNvPr id="2" name="Vertical Title 1">
-            <a:extLst>
-              <a:ext uri="{FF2B5EF4-FFF2-40B4-BE49-F238E27FC236}">
-                <a16:creationId xmlns:a16="http://schemas.microsoft.com/office/drawing/2014/main" id="{1B758C79-9F0C-B84E-A53E-797C2E4EB0F5}"/>
-              </a:ext>
-            </a:extLst>
-          </p:cNvPr>
+          <p:cNvPr id="2" name="Vertical Title 1"/>
           <p:cNvSpPr>
             <a:spLocks noGrp="1"/>
           </p:cNvSpPr>
@@ -560,8 +3517,8 @@
         </p:nvSpPr>
         <p:spPr>
           <a:xfrm>
-            <a:off x="8724900" y="365125"/>
-            <a:ext cx="2628900" cy="5811838"/>
+            <a:off x="8836898" y="609599"/>
+            <a:ext cx="2210514" cy="5181601"/>
           </a:xfrm>
         </p:spPr>
         <p:txBody>
@@ -572,18 +3529,13 @@
               <a:rPr lang="en-US"/>
               <a:t>Click to edit Master title style</a:t>
             </a:r>
-          </a:p>
-        </p:txBody>
-      </p:sp>
-      <p:sp>
-        <p:nvSpPr>
-          <p:cNvPr id="3" name="Vertical Text Placeholder 2">
-            <a:extLst>
-              <a:ext uri="{FF2B5EF4-FFF2-40B4-BE49-F238E27FC236}">
-                <a16:creationId xmlns:a16="http://schemas.microsoft.com/office/drawing/2014/main" id="{867D0D75-B888-6545-BA50-4492E554FB67}"/>
-              </a:ext>
-            </a:extLst>
-          </p:cNvPr>
+            <a:endParaRPr lang="en-US" dirty="0"/>
+          </a:p>
+        </p:txBody>
+      </p:sp>
+      <p:sp>
+        <p:nvSpPr>
+          <p:cNvPr id="3" name="Vertical Text Placeholder 2"/>
           <p:cNvSpPr>
             <a:spLocks noGrp="1"/>
           </p:cNvSpPr>
@@ -593,12 +3545,12 @@
         </p:nvSpPr>
         <p:spPr>
           <a:xfrm>
-            <a:off x="838200" y="365125"/>
-            <a:ext cx="7734300" cy="5811838"/>
+            <a:off x="1141412" y="609600"/>
+            <a:ext cx="7543800" cy="5181600"/>
           </a:xfrm>
         </p:spPr>
         <p:txBody>
-          <a:bodyPr vert="eaVert"/>
+          <a:bodyPr vert="eaVert" anchor="t"/>
           <a:lstStyle/>
           <a:p>
             <a:pPr lvl="0"/>
@@ -634,18 +3586,13 @@
               <a:rPr lang="en-US"/>
               <a:t>Fifth level</a:t>
             </a:r>
-          </a:p>
-        </p:txBody>
-      </p:sp>
-      <p:sp>
-        <p:nvSpPr>
-          <p:cNvPr id="4" name="Date Placeholder 3">
-            <a:extLst>
-              <a:ext uri="{FF2B5EF4-FFF2-40B4-BE49-F238E27FC236}">
-                <a16:creationId xmlns:a16="http://schemas.microsoft.com/office/drawing/2014/main" id="{CD6B0F7E-63E8-AA47-8322-332A60E80AFE}"/>
-              </a:ext>
-            </a:extLst>
-          </p:cNvPr>
+            <a:endParaRPr lang="en-US" dirty="0"/>
+          </a:p>
+        </p:txBody>
+      </p:sp>
+      <p:sp>
+        <p:nvSpPr>
+          <p:cNvPr id="4" name="Date Placeholder 3"/>
           <p:cNvSpPr>
             <a:spLocks noGrp="1"/>
           </p:cNvSpPr>
@@ -668,13 +3615,7 @@
       </p:sp>
       <p:sp>
         <p:nvSpPr>
-          <p:cNvPr id="5" name="Footer Placeholder 4">
-            <a:extLst>
-              <a:ext uri="{FF2B5EF4-FFF2-40B4-BE49-F238E27FC236}">
-                <a16:creationId xmlns:a16="http://schemas.microsoft.com/office/drawing/2014/main" id="{39CC17E7-0A26-F846-BBBC-A8D6E17B0604}"/>
-              </a:ext>
-            </a:extLst>
-          </p:cNvPr>
+          <p:cNvPr id="5" name="Footer Placeholder 4"/>
           <p:cNvSpPr>
             <a:spLocks noGrp="1"/>
           </p:cNvSpPr>
@@ -693,13 +3634,7 @@
       </p:sp>
       <p:sp>
         <p:nvSpPr>
-          <p:cNvPr id="6" name="Slide Number Placeholder 5">
-            <a:extLst>
-              <a:ext uri="{FF2B5EF4-FFF2-40B4-BE49-F238E27FC236}">
-                <a16:creationId xmlns:a16="http://schemas.microsoft.com/office/drawing/2014/main" id="{30ADEE2E-F54A-1549-94E7-D8A68BA1E0E8}"/>
-              </a:ext>
-            </a:extLst>
-          </p:cNvPr>
+          <p:cNvPr id="6" name="Slide Number Placeholder 5"/>
           <p:cNvSpPr>
             <a:spLocks noGrp="1"/>
           </p:cNvSpPr>
@@ -723,7 +3658,7 @@
     </p:spTree>
     <p:extLst>
       <p:ext uri="{BB962C8B-B14F-4D97-AF65-F5344CB8AC3E}">
-        <p14:creationId xmlns:p14="http://schemas.microsoft.com/office/powerpoint/2010/main" val="1157339249"/>
+        <p14:creationId xmlns:p14="http://schemas.microsoft.com/office/powerpoint/2010/main" val="959225929"/>
       </p:ext>
     </p:extLst>
   </p:cSld>
@@ -752,13 +3687,7 @@
       </p:grpSpPr>
       <p:sp>
         <p:nvSpPr>
-          <p:cNvPr id="2" name="Title 1">
-            <a:extLst>
-              <a:ext uri="{FF2B5EF4-FFF2-40B4-BE49-F238E27FC236}">
-                <a16:creationId xmlns:a16="http://schemas.microsoft.com/office/drawing/2014/main" id="{11CD106E-3A61-6A4D-BEFB-19D33E8F45AC}"/>
-              </a:ext>
-            </a:extLst>
-          </p:cNvPr>
+          <p:cNvPr id="2" name="Title 1"/>
           <p:cNvSpPr>
             <a:spLocks noGrp="1"/>
           </p:cNvSpPr>
@@ -775,18 +3704,13 @@
               <a:rPr lang="en-US"/>
               <a:t>Click to edit Master title style</a:t>
             </a:r>
-          </a:p>
-        </p:txBody>
-      </p:sp>
-      <p:sp>
-        <p:nvSpPr>
-          <p:cNvPr id="3" name="Content Placeholder 2">
-            <a:extLst>
-              <a:ext uri="{FF2B5EF4-FFF2-40B4-BE49-F238E27FC236}">
-                <a16:creationId xmlns:a16="http://schemas.microsoft.com/office/drawing/2014/main" id="{6E708A32-9E55-AF4A-B6B0-6E13B1A1C010}"/>
-              </a:ext>
-            </a:extLst>
-          </p:cNvPr>
+            <a:endParaRPr lang="en-US" dirty="0"/>
+          </a:p>
+        </p:txBody>
+      </p:sp>
+      <p:sp>
+        <p:nvSpPr>
+          <p:cNvPr id="3" name="Content Placeholder 2"/>
           <p:cNvSpPr>
             <a:spLocks noGrp="1"/>
           </p:cNvSpPr>
@@ -796,7 +3720,7 @@
         </p:nvSpPr>
         <p:spPr/>
         <p:txBody>
-          <a:bodyPr/>
+          <a:bodyPr anchor="ctr"/>
           <a:lstStyle/>
           <a:p>
             <a:pPr lvl="0"/>
@@ -832,18 +3756,13 @@
               <a:rPr lang="en-US"/>
               <a:t>Fifth level</a:t>
             </a:r>
-          </a:p>
-        </p:txBody>
-      </p:sp>
-      <p:sp>
-        <p:nvSpPr>
-          <p:cNvPr id="4" name="Date Placeholder 3">
-            <a:extLst>
-              <a:ext uri="{FF2B5EF4-FFF2-40B4-BE49-F238E27FC236}">
-                <a16:creationId xmlns:a16="http://schemas.microsoft.com/office/drawing/2014/main" id="{9C583076-65EE-0D4A-B636-B23FEFEF2BE5}"/>
-              </a:ext>
-            </a:extLst>
-          </p:cNvPr>
+            <a:endParaRPr lang="en-US" dirty="0"/>
+          </a:p>
+        </p:txBody>
+      </p:sp>
+      <p:sp>
+        <p:nvSpPr>
+          <p:cNvPr id="4" name="Date Placeholder 3"/>
           <p:cNvSpPr>
             <a:spLocks noGrp="1"/>
           </p:cNvSpPr>
@@ -866,13 +3785,7 @@
       </p:sp>
       <p:sp>
         <p:nvSpPr>
-          <p:cNvPr id="5" name="Footer Placeholder 4">
-            <a:extLst>
-              <a:ext uri="{FF2B5EF4-FFF2-40B4-BE49-F238E27FC236}">
-                <a16:creationId xmlns:a16="http://schemas.microsoft.com/office/drawing/2014/main" id="{0BC863D6-DFE8-BD48-BBF1-ADD27A99BD6A}"/>
-              </a:ext>
-            </a:extLst>
-          </p:cNvPr>
+          <p:cNvPr id="5" name="Footer Placeholder 4"/>
           <p:cNvSpPr>
             <a:spLocks noGrp="1"/>
           </p:cNvSpPr>
@@ -891,13 +3804,7 @@
       </p:sp>
       <p:sp>
         <p:nvSpPr>
-          <p:cNvPr id="6" name="Slide Number Placeholder 5">
-            <a:extLst>
-              <a:ext uri="{FF2B5EF4-FFF2-40B4-BE49-F238E27FC236}">
-                <a16:creationId xmlns:a16="http://schemas.microsoft.com/office/drawing/2014/main" id="{CCF30135-B9D3-2F46-B9C1-8DD857A472B0}"/>
-              </a:ext>
-            </a:extLst>
-          </p:cNvPr>
+          <p:cNvPr id="6" name="Slide Number Placeholder 5"/>
           <p:cNvSpPr>
             <a:spLocks noGrp="1"/>
           </p:cNvSpPr>
@@ -921,7 +3828,7 @@
     </p:spTree>
     <p:extLst>
       <p:ext uri="{BB962C8B-B14F-4D97-AF65-F5344CB8AC3E}">
-        <p14:creationId xmlns:p14="http://schemas.microsoft.com/office/powerpoint/2010/main" val="3076235086"/>
+        <p14:creationId xmlns:p14="http://schemas.microsoft.com/office/powerpoint/2010/main" val="2158983848"/>
       </p:ext>
     </p:extLst>
   </p:cSld>
@@ -950,13 +3857,7 @@
       </p:grpSpPr>
       <p:sp>
         <p:nvSpPr>
-          <p:cNvPr id="2" name="Title 1">
-            <a:extLst>
-              <a:ext uri="{FF2B5EF4-FFF2-40B4-BE49-F238E27FC236}">
-                <a16:creationId xmlns:a16="http://schemas.microsoft.com/office/drawing/2014/main" id="{5485805C-E261-C84D-83EC-67049CEDB171}"/>
-              </a:ext>
-            </a:extLst>
-          </p:cNvPr>
+          <p:cNvPr id="2" name="Title 1"/>
           <p:cNvSpPr>
             <a:spLocks noGrp="1"/>
           </p:cNvSpPr>
@@ -966,15 +3867,15 @@
         </p:nvSpPr>
         <p:spPr>
           <a:xfrm>
-            <a:off x="831850" y="1709738"/>
-            <a:ext cx="10515600" cy="2852737"/>
+            <a:off x="1751013" y="3308581"/>
+            <a:ext cx="8686800" cy="1468800"/>
           </a:xfrm>
         </p:spPr>
         <p:txBody>
           <a:bodyPr anchor="b"/>
           <a:lstStyle>
-            <a:lvl1pPr>
-              <a:defRPr sz="6000"/>
+            <a:lvl1pPr algn="r">
+              <a:defRPr sz="4000" b="0" cap="all"/>
             </a:lvl1pPr>
           </a:lstStyle>
           <a:p>
@@ -982,18 +3883,13 @@
               <a:rPr lang="en-US"/>
               <a:t>Click to edit Master title style</a:t>
             </a:r>
-          </a:p>
-        </p:txBody>
-      </p:sp>
-      <p:sp>
-        <p:nvSpPr>
-          <p:cNvPr id="3" name="Text Placeholder 2">
-            <a:extLst>
-              <a:ext uri="{FF2B5EF4-FFF2-40B4-BE49-F238E27FC236}">
-                <a16:creationId xmlns:a16="http://schemas.microsoft.com/office/drawing/2014/main" id="{D15FB2BF-F172-034D-BF26-3670F0276EEC}"/>
-              </a:ext>
-            </a:extLst>
-          </p:cNvPr>
+            <a:endParaRPr lang="en-US" dirty="0"/>
+          </a:p>
+        </p:txBody>
+      </p:sp>
+      <p:sp>
+        <p:nvSpPr>
+          <p:cNvPr id="3" name="Text Placeholder 2"/>
           <p:cNvSpPr>
             <a:spLocks noGrp="1"/>
           </p:cNvSpPr>
@@ -1003,102 +3899,102 @@
         </p:nvSpPr>
         <p:spPr>
           <a:xfrm>
-            <a:off x="831850" y="4589463"/>
-            <a:ext cx="10515600" cy="1500187"/>
+            <a:off x="1751011" y="4777381"/>
+            <a:ext cx="8686801" cy="860400"/>
           </a:xfrm>
         </p:spPr>
         <p:txBody>
-          <a:bodyPr/>
+          <a:bodyPr anchor="t">
+            <a:normAutofit/>
+          </a:bodyPr>
           <a:lstStyle>
-            <a:lvl1pPr marL="0" indent="0">
-              <a:buNone/>
-              <a:defRPr sz="2400">
+            <a:lvl1pPr marL="0" indent="0" algn="r">
+              <a:buNone/>
+              <a:defRPr sz="2000">
+                <a:solidFill>
+                  <a:schemeClr val="tx1"/>
+                </a:solidFill>
+              </a:defRPr>
+            </a:lvl1pPr>
+            <a:lvl2pPr marL="457200" indent="0">
+              <a:buNone/>
+              <a:defRPr sz="1800">
                 <a:solidFill>
                   <a:schemeClr val="tx1">
                     <a:tint val="75000"/>
                   </a:schemeClr>
                 </a:solidFill>
               </a:defRPr>
-            </a:lvl1pPr>
-            <a:lvl2pPr marL="457200" indent="0">
-              <a:buNone/>
-              <a:defRPr sz="2000">
+            </a:lvl2pPr>
+            <a:lvl3pPr marL="914400" indent="0">
+              <a:buNone/>
+              <a:defRPr sz="1600">
                 <a:solidFill>
                   <a:schemeClr val="tx1">
                     <a:tint val="75000"/>
                   </a:schemeClr>
                 </a:solidFill>
               </a:defRPr>
-            </a:lvl2pPr>
-            <a:lvl3pPr marL="914400" indent="0">
-              <a:buNone/>
-              <a:defRPr sz="1800">
+            </a:lvl3pPr>
+            <a:lvl4pPr marL="1371600" indent="0">
+              <a:buNone/>
+              <a:defRPr sz="1400">
                 <a:solidFill>
                   <a:schemeClr val="tx1">
                     <a:tint val="75000"/>
                   </a:schemeClr>
                 </a:solidFill>
               </a:defRPr>
-            </a:lvl3pPr>
-            <a:lvl4pPr marL="1371600" indent="0">
-              <a:buNone/>
-              <a:defRPr sz="1600">
+            </a:lvl4pPr>
+            <a:lvl5pPr marL="1828800" indent="0">
+              <a:buNone/>
+              <a:defRPr sz="1400">
                 <a:solidFill>
                   <a:schemeClr val="tx1">
                     <a:tint val="75000"/>
                   </a:schemeClr>
                 </a:solidFill>
               </a:defRPr>
-            </a:lvl4pPr>
-            <a:lvl5pPr marL="1828800" indent="0">
-              <a:buNone/>
-              <a:defRPr sz="1600">
+            </a:lvl5pPr>
+            <a:lvl6pPr marL="2286000" indent="0">
+              <a:buNone/>
+              <a:defRPr sz="1400">
                 <a:solidFill>
                   <a:schemeClr val="tx1">
                     <a:tint val="75000"/>
                   </a:schemeClr>
                 </a:solidFill>
               </a:defRPr>
-            </a:lvl5pPr>
-            <a:lvl6pPr marL="2286000" indent="0">
-              <a:buNone/>
-              <a:defRPr sz="1600">
+            </a:lvl6pPr>
+            <a:lvl7pPr marL="2743200" indent="0">
+              <a:buNone/>
+              <a:defRPr sz="1400">
                 <a:solidFill>
                   <a:schemeClr val="tx1">
                     <a:tint val="75000"/>
                   </a:schemeClr>
                 </a:solidFill>
               </a:defRPr>
-            </a:lvl6pPr>
-            <a:lvl7pPr marL="2743200" indent="0">
-              <a:buNone/>
-              <a:defRPr sz="1600">
+            </a:lvl7pPr>
+            <a:lvl8pPr marL="3200400" indent="0">
+              <a:buNone/>
+              <a:defRPr sz="1400">
                 <a:solidFill>
                   <a:schemeClr val="tx1">
                     <a:tint val="75000"/>
                   </a:schemeClr>
                 </a:solidFill>
               </a:defRPr>
-            </a:lvl7pPr>
-            <a:lvl8pPr marL="3200400" indent="0">
-              <a:buNone/>
-              <a:defRPr sz="1600">
+            </a:lvl8pPr>
+            <a:lvl9pPr marL="3657600" indent="0">
+              <a:buNone/>
+              <a:defRPr sz="1400">
                 <a:solidFill>
                   <a:schemeClr val="tx1">
                     <a:tint val="75000"/>
                   </a:schemeClr>
                 </a:solidFill>
               </a:defRPr>
-            </a:lvl8pPr>
-            <a:lvl9pPr marL="3657600" indent="0">
-              <a:buNone/>
-              <a:defRPr sz="1600">
-                <a:solidFill>
-                  <a:schemeClr val="tx1">
-                    <a:tint val="75000"/>
-                  </a:schemeClr>
-                </a:solidFill>
-              </a:defRPr>
             </a:lvl9pPr>
           </a:lstStyle>
           <a:p>
@@ -1112,13 +4008,7 @@
       </p:sp>
       <p:sp>
         <p:nvSpPr>
-          <p:cNvPr id="4" name="Date Placeholder 3">
-            <a:extLst>
-              <a:ext uri="{FF2B5EF4-FFF2-40B4-BE49-F238E27FC236}">
-                <a16:creationId xmlns:a16="http://schemas.microsoft.com/office/drawing/2014/main" id="{7F58FCC9-E1D9-C44D-BD46-BC0DBE953578}"/>
-              </a:ext>
-            </a:extLst>
-          </p:cNvPr>
+          <p:cNvPr id="4" name="Date Placeholder 3"/>
           <p:cNvSpPr>
             <a:spLocks noGrp="1"/>
           </p:cNvSpPr>
@@ -1141,13 +4031,7 @@
       </p:sp>
       <p:sp>
         <p:nvSpPr>
-          <p:cNvPr id="5" name="Footer Placeholder 4">
-            <a:extLst>
-              <a:ext uri="{FF2B5EF4-FFF2-40B4-BE49-F238E27FC236}">
-                <a16:creationId xmlns:a16="http://schemas.microsoft.com/office/drawing/2014/main" id="{1E2C6607-61B2-B546-AFD5-9C9067CE5D13}"/>
-              </a:ext>
-            </a:extLst>
-          </p:cNvPr>
+          <p:cNvPr id="5" name="Footer Placeholder 4"/>
           <p:cNvSpPr>
             <a:spLocks noGrp="1"/>
           </p:cNvSpPr>
@@ -1166,13 +4050,7 @@
       </p:sp>
       <p:sp>
         <p:nvSpPr>
-          <p:cNvPr id="6" name="Slide Number Placeholder 5">
-            <a:extLst>
-              <a:ext uri="{FF2B5EF4-FFF2-40B4-BE49-F238E27FC236}">
-                <a16:creationId xmlns:a16="http://schemas.microsoft.com/office/drawing/2014/main" id="{7A619E71-3E00-5E48-8B11-D13840E5AD6C}"/>
-              </a:ext>
-            </a:extLst>
-          </p:cNvPr>
+          <p:cNvPr id="6" name="Slide Number Placeholder 5"/>
           <p:cNvSpPr>
             <a:spLocks noGrp="1"/>
           </p:cNvSpPr>
@@ -1196,7 +4074,7 @@
     </p:spTree>
     <p:extLst>
       <p:ext uri="{BB962C8B-B14F-4D97-AF65-F5344CB8AC3E}">
-        <p14:creationId xmlns:p14="http://schemas.microsoft.com/office/powerpoint/2010/main" val="37992723"/>
+        <p14:creationId xmlns:p14="http://schemas.microsoft.com/office/powerpoint/2010/main" val="2124329780"/>
       </p:ext>
     </p:extLst>
   </p:cSld>
@@ -1225,13 +4103,7 @@
       </p:grpSpPr>
       <p:sp>
         <p:nvSpPr>
-          <p:cNvPr id="2" name="Title 1">
-            <a:extLst>
-              <a:ext uri="{FF2B5EF4-FFF2-40B4-BE49-F238E27FC236}">
-                <a16:creationId xmlns:a16="http://schemas.microsoft.com/office/drawing/2014/main" id="{5CD8CD26-2DEB-5348-BC87-58E02B4D8CCE}"/>
-              </a:ext>
-            </a:extLst>
-          </p:cNvPr>
+          <p:cNvPr id="2" name="Title 1"/>
           <p:cNvSpPr>
             <a:spLocks noGrp="1"/>
           </p:cNvSpPr>
@@ -1248,18 +4120,13 @@
               <a:rPr lang="en-US"/>
               <a:t>Click to edit Master title style</a:t>
             </a:r>
-          </a:p>
-        </p:txBody>
-      </p:sp>
-      <p:sp>
-        <p:nvSpPr>
-          <p:cNvPr id="3" name="Content Placeholder 2">
-            <a:extLst>
-              <a:ext uri="{FF2B5EF4-FFF2-40B4-BE49-F238E27FC236}">
-                <a16:creationId xmlns:a16="http://schemas.microsoft.com/office/drawing/2014/main" id="{2D626DAF-F4F8-D941-BAFC-08A88D14C398}"/>
-              </a:ext>
-            </a:extLst>
-          </p:cNvPr>
+            <a:endParaRPr lang="en-US" dirty="0"/>
+          </a:p>
+        </p:txBody>
+      </p:sp>
+      <p:sp>
+        <p:nvSpPr>
+          <p:cNvPr id="3" name="Content Placeholder 2"/>
           <p:cNvSpPr>
             <a:spLocks noGrp="1"/>
           </p:cNvSpPr>
@@ -1269,13 +4136,43 @@
         </p:nvSpPr>
         <p:spPr>
           <a:xfrm>
-            <a:off x="838200" y="1825625"/>
-            <a:ext cx="5181600" cy="4351338"/>
+            <a:off x="1141412" y="2666999"/>
+            <a:ext cx="4876800" cy="3124201"/>
           </a:xfrm>
         </p:spPr>
         <p:txBody>
-          <a:bodyPr/>
-          <a:lstStyle/>
+          <a:bodyPr>
+            <a:normAutofit/>
+          </a:bodyPr>
+          <a:lstStyle>
+            <a:lvl1pPr>
+              <a:defRPr sz="1800"/>
+            </a:lvl1pPr>
+            <a:lvl2pPr>
+              <a:defRPr sz="1600"/>
+            </a:lvl2pPr>
+            <a:lvl3pPr>
+              <a:defRPr sz="1400"/>
+            </a:lvl3pPr>
+            <a:lvl4pPr>
+              <a:defRPr sz="1200"/>
+            </a:lvl4pPr>
+            <a:lvl5pPr>
+              <a:defRPr sz="1200"/>
+            </a:lvl5pPr>
+            <a:lvl6pPr>
+              <a:defRPr sz="1200"/>
+            </a:lvl6pPr>
+            <a:lvl7pPr>
+              <a:defRPr sz="1200"/>
+            </a:lvl7pPr>
+            <a:lvl8pPr>
+              <a:defRPr sz="1200"/>
+            </a:lvl8pPr>
+            <a:lvl9pPr>
+              <a:defRPr sz="1200"/>
+            </a:lvl9pPr>
+          </a:lstStyle>
           <a:p>
             <a:pPr lvl="0"/>
             <a:r>
@@ -1310,18 +4207,13 @@
               <a:rPr lang="en-US"/>
               <a:t>Fifth level</a:t>
             </a:r>
-          </a:p>
-        </p:txBody>
-      </p:sp>
-      <p:sp>
-        <p:nvSpPr>
-          <p:cNvPr id="4" name="Content Placeholder 3">
-            <a:extLst>
-              <a:ext uri="{FF2B5EF4-FFF2-40B4-BE49-F238E27FC236}">
-                <a16:creationId xmlns:a16="http://schemas.microsoft.com/office/drawing/2014/main" id="{2D8A9C15-8B0A-E947-8E3A-C58C5F910FB2}"/>
-              </a:ext>
-            </a:extLst>
-          </p:cNvPr>
+            <a:endParaRPr lang="en-US" dirty="0"/>
+          </a:p>
+        </p:txBody>
+      </p:sp>
+      <p:sp>
+        <p:nvSpPr>
+          <p:cNvPr id="4" name="Content Placeholder 3"/>
           <p:cNvSpPr>
             <a:spLocks noGrp="1"/>
           </p:cNvSpPr>
@@ -1331,13 +4223,43 @@
         </p:nvSpPr>
         <p:spPr>
           <a:xfrm>
-            <a:off x="6172200" y="1825625"/>
-            <a:ext cx="5181600" cy="4351338"/>
+            <a:off x="6170612" y="2667000"/>
+            <a:ext cx="4876800" cy="3124200"/>
           </a:xfrm>
         </p:spPr>
         <p:txBody>
-          <a:bodyPr/>
-          <a:lstStyle/>
+          <a:bodyPr>
+            <a:normAutofit/>
+          </a:bodyPr>
+          <a:lstStyle>
+            <a:lvl1pPr>
+              <a:defRPr sz="1800"/>
+            </a:lvl1pPr>
+            <a:lvl2pPr>
+              <a:defRPr sz="1600"/>
+            </a:lvl2pPr>
+            <a:lvl3pPr>
+              <a:defRPr sz="1400"/>
+            </a:lvl3pPr>
+            <a:lvl4pPr>
+              <a:defRPr sz="1200"/>
+            </a:lvl4pPr>
+            <a:lvl5pPr>
+              <a:defRPr sz="1200"/>
+            </a:lvl5pPr>
+            <a:lvl6pPr>
+              <a:defRPr sz="1200"/>
+            </a:lvl6pPr>
+            <a:lvl7pPr>
+              <a:defRPr sz="1200"/>
+            </a:lvl7pPr>
+            <a:lvl8pPr>
+              <a:defRPr sz="1200"/>
+            </a:lvl8pPr>
+            <a:lvl9pPr>
+              <a:defRPr sz="1200"/>
+            </a:lvl9pPr>
+          </a:lstStyle>
           <a:p>
             <a:pPr lvl="0"/>
             <a:r>
@@ -1372,18 +4294,13 @@
               <a:rPr lang="en-US"/>
               <a:t>Fifth level</a:t>
             </a:r>
-          </a:p>
-        </p:txBody>
-      </p:sp>
-      <p:sp>
-        <p:nvSpPr>
-          <p:cNvPr id="5" name="Date Placeholder 4">
-            <a:extLst>
-              <a:ext uri="{FF2B5EF4-FFF2-40B4-BE49-F238E27FC236}">
-                <a16:creationId xmlns:a16="http://schemas.microsoft.com/office/drawing/2014/main" id="{7C984B77-0046-B042-BBEF-D40265EAB39E}"/>
-              </a:ext>
-            </a:extLst>
-          </p:cNvPr>
+            <a:endParaRPr lang="en-US" dirty="0"/>
+          </a:p>
+        </p:txBody>
+      </p:sp>
+      <p:sp>
+        <p:nvSpPr>
+          <p:cNvPr id="5" name="Date Placeholder 4"/>
           <p:cNvSpPr>
             <a:spLocks noGrp="1"/>
           </p:cNvSpPr>
@@ -1406,13 +4323,7 @@
       </p:sp>
       <p:sp>
         <p:nvSpPr>
-          <p:cNvPr id="6" name="Footer Placeholder 5">
-            <a:extLst>
-              <a:ext uri="{FF2B5EF4-FFF2-40B4-BE49-F238E27FC236}">
-                <a16:creationId xmlns:a16="http://schemas.microsoft.com/office/drawing/2014/main" id="{2E50888C-6CB1-E649-8E15-02BB772A6CD5}"/>
-              </a:ext>
-            </a:extLst>
-          </p:cNvPr>
+          <p:cNvPr id="6" name="Footer Placeholder 5"/>
           <p:cNvSpPr>
             <a:spLocks noGrp="1"/>
           </p:cNvSpPr>
@@ -1431,13 +4342,7 @@
       </p:sp>
       <p:sp>
         <p:nvSpPr>
-          <p:cNvPr id="7" name="Slide Number Placeholder 6">
-            <a:extLst>
-              <a:ext uri="{FF2B5EF4-FFF2-40B4-BE49-F238E27FC236}">
-                <a16:creationId xmlns:a16="http://schemas.microsoft.com/office/drawing/2014/main" id="{9C61429B-3C7B-BE49-99C1-DBA18FB9E779}"/>
-              </a:ext>
-            </a:extLst>
-          </p:cNvPr>
+          <p:cNvPr id="7" name="Slide Number Placeholder 6"/>
           <p:cNvSpPr>
             <a:spLocks noGrp="1"/>
           </p:cNvSpPr>
@@ -1461,7 +4366,7 @@
     </p:spTree>
     <p:extLst>
       <p:ext uri="{BB962C8B-B14F-4D97-AF65-F5344CB8AC3E}">
-        <p14:creationId xmlns:p14="http://schemas.microsoft.com/office/powerpoint/2010/main" val="628163251"/>
+        <p14:creationId xmlns:p14="http://schemas.microsoft.com/office/powerpoint/2010/main" val="1656120792"/>
       </p:ext>
     </p:extLst>
   </p:cSld>
@@ -1490,65 +4395,55 @@
       </p:grpSpPr>
       <p:sp>
         <p:nvSpPr>
-          <p:cNvPr id="2" name="Title 1">
-            <a:extLst>
-              <a:ext uri="{FF2B5EF4-FFF2-40B4-BE49-F238E27FC236}">
-                <a16:creationId xmlns:a16="http://schemas.microsoft.com/office/drawing/2014/main" id="{044EBF36-157F-4F4B-A726-5D9F31DBB0C1}"/>
-              </a:ext>
-            </a:extLst>
-          </p:cNvPr>
+          <p:cNvPr id="2" name="Title 1"/>
           <p:cNvSpPr>
             <a:spLocks noGrp="1"/>
           </p:cNvSpPr>
           <p:nvPr>
             <p:ph type="title"/>
+          </p:nvPr>
+        </p:nvSpPr>
+        <p:spPr/>
+        <p:txBody>
+          <a:bodyPr/>
+          <a:lstStyle>
+            <a:lvl1pPr>
+              <a:defRPr/>
+            </a:lvl1pPr>
+          </a:lstStyle>
+          <a:p>
+            <a:r>
+              <a:rPr lang="en-US"/>
+              <a:t>Click to edit Master title style</a:t>
+            </a:r>
+            <a:endParaRPr lang="en-US" dirty="0"/>
+          </a:p>
+        </p:txBody>
+      </p:sp>
+      <p:sp>
+        <p:nvSpPr>
+          <p:cNvPr id="3" name="Text Placeholder 2"/>
+          <p:cNvSpPr>
+            <a:spLocks noGrp="1"/>
+          </p:cNvSpPr>
+          <p:nvPr>
+            <p:ph type="body" idx="1"/>
           </p:nvPr>
         </p:nvSpPr>
         <p:spPr>
           <a:xfrm>
-            <a:off x="839788" y="365125"/>
-            <a:ext cx="10515600" cy="1325563"/>
+            <a:off x="1429280" y="2658533"/>
+            <a:ext cx="4588931" cy="576262"/>
           </a:xfrm>
         </p:spPr>
         <p:txBody>
-          <a:bodyPr/>
-          <a:lstStyle/>
-          <a:p>
-            <a:r>
-              <a:rPr lang="en-US"/>
-              <a:t>Click to edit Master title style</a:t>
-            </a:r>
-          </a:p>
-        </p:txBody>
-      </p:sp>
-      <p:sp>
-        <p:nvSpPr>
-          <p:cNvPr id="3" name="Text Placeholder 2">
-            <a:extLst>
-              <a:ext uri="{FF2B5EF4-FFF2-40B4-BE49-F238E27FC236}">
-                <a16:creationId xmlns:a16="http://schemas.microsoft.com/office/drawing/2014/main" id="{9FFF3005-C826-414D-BF2D-7BDAD85DAA63}"/>
-              </a:ext>
-            </a:extLst>
-          </p:cNvPr>
-          <p:cNvSpPr>
-            <a:spLocks noGrp="1"/>
-          </p:cNvSpPr>
-          <p:nvPr>
-            <p:ph type="body" idx="1"/>
-          </p:nvPr>
-        </p:nvSpPr>
-        <p:spPr>
-          <a:xfrm>
-            <a:off x="839788" y="1681163"/>
-            <a:ext cx="5157787" cy="823912"/>
-          </a:xfrm>
-        </p:spPr>
-        <p:txBody>
-          <a:bodyPr anchor="b"/>
+          <a:bodyPr anchor="b">
+            <a:noAutofit/>
+          </a:bodyPr>
           <a:lstStyle>
             <a:lvl1pPr marL="0" indent="0">
               <a:buNone/>
-              <a:defRPr sz="2400" b="1"/>
+              <a:defRPr sz="2800" b="0"/>
             </a:lvl1pPr>
             <a:lvl2pPr marL="457200" indent="0">
               <a:buNone/>
@@ -1594,13 +4489,7 @@
       </p:sp>
       <p:sp>
         <p:nvSpPr>
-          <p:cNvPr id="4" name="Content Placeholder 3">
-            <a:extLst>
-              <a:ext uri="{FF2B5EF4-FFF2-40B4-BE49-F238E27FC236}">
-                <a16:creationId xmlns:a16="http://schemas.microsoft.com/office/drawing/2014/main" id="{57C89B98-1FF7-534C-A5F6-E9C4E6037011}"/>
-              </a:ext>
-            </a:extLst>
-          </p:cNvPr>
+          <p:cNvPr id="4" name="Content Placeholder 3"/>
           <p:cNvSpPr>
             <a:spLocks noGrp="1"/>
           </p:cNvSpPr>
@@ -1610,13 +4499,43 @@
         </p:nvSpPr>
         <p:spPr>
           <a:xfrm>
-            <a:off x="839788" y="2505075"/>
-            <a:ext cx="5157787" cy="3684588"/>
+            <a:off x="1141412" y="3243262"/>
+            <a:ext cx="4876800" cy="2547937"/>
           </a:xfrm>
         </p:spPr>
         <p:txBody>
-          <a:bodyPr/>
-          <a:lstStyle/>
+          <a:bodyPr anchor="t">
+            <a:normAutofit/>
+          </a:bodyPr>
+          <a:lstStyle>
+            <a:lvl1pPr>
+              <a:defRPr sz="1800"/>
+            </a:lvl1pPr>
+            <a:lvl2pPr>
+              <a:defRPr sz="1600"/>
+            </a:lvl2pPr>
+            <a:lvl3pPr>
+              <a:defRPr sz="1400"/>
+            </a:lvl3pPr>
+            <a:lvl4pPr>
+              <a:defRPr sz="1200"/>
+            </a:lvl4pPr>
+            <a:lvl5pPr>
+              <a:defRPr sz="1200"/>
+            </a:lvl5pPr>
+            <a:lvl6pPr>
+              <a:defRPr sz="1200"/>
+            </a:lvl6pPr>
+            <a:lvl7pPr>
+              <a:defRPr sz="1200"/>
+            </a:lvl7pPr>
+            <a:lvl8pPr>
+              <a:defRPr sz="1200"/>
+            </a:lvl8pPr>
+            <a:lvl9pPr>
+              <a:defRPr sz="1200"/>
+            </a:lvl9pPr>
+          </a:lstStyle>
           <a:p>
             <a:pPr lvl="0"/>
             <a:r>
@@ -1651,18 +4570,13 @@
               <a:rPr lang="en-US"/>
               <a:t>Fifth level</a:t>
             </a:r>
-          </a:p>
-        </p:txBody>
-      </p:sp>
-      <p:sp>
-        <p:nvSpPr>
-          <p:cNvPr id="5" name="Text Placeholder 4">
-            <a:extLst>
-              <a:ext uri="{FF2B5EF4-FFF2-40B4-BE49-F238E27FC236}">
-                <a16:creationId xmlns:a16="http://schemas.microsoft.com/office/drawing/2014/main" id="{952C8D38-D146-0F4D-B815-C21D181D84E3}"/>
-              </a:ext>
-            </a:extLst>
-          </p:cNvPr>
+            <a:endParaRPr lang="en-US" dirty="0"/>
+          </a:p>
+        </p:txBody>
+      </p:sp>
+      <p:sp>
+        <p:nvSpPr>
+          <p:cNvPr id="5" name="Text Placeholder 4"/>
           <p:cNvSpPr>
             <a:spLocks noGrp="1"/>
           </p:cNvSpPr>
@@ -1672,16 +4586,18 @@
         </p:nvSpPr>
         <p:spPr>
           <a:xfrm>
-            <a:off x="6172200" y="1681163"/>
-            <a:ext cx="5183188" cy="823912"/>
+            <a:off x="6443133" y="2667000"/>
+            <a:ext cx="4604280" cy="576262"/>
           </a:xfrm>
         </p:spPr>
         <p:txBody>
-          <a:bodyPr anchor="b"/>
+          <a:bodyPr anchor="b">
+            <a:noAutofit/>
+          </a:bodyPr>
           <a:lstStyle>
             <a:lvl1pPr marL="0" indent="0">
               <a:buNone/>
-              <a:defRPr sz="2400" b="1"/>
+              <a:defRPr sz="2800" b="0"/>
             </a:lvl1pPr>
             <a:lvl2pPr marL="457200" indent="0">
               <a:buNone/>
@@ -1727,13 +4643,7 @@
       </p:sp>
       <p:sp>
         <p:nvSpPr>
-          <p:cNvPr id="6" name="Content Placeholder 5">
-            <a:extLst>
-              <a:ext uri="{FF2B5EF4-FFF2-40B4-BE49-F238E27FC236}">
-                <a16:creationId xmlns:a16="http://schemas.microsoft.com/office/drawing/2014/main" id="{72ADE040-FA23-6C41-A57D-BFBBC11A7788}"/>
-              </a:ext>
-            </a:extLst>
-          </p:cNvPr>
+          <p:cNvPr id="6" name="Content Placeholder 5"/>
           <p:cNvSpPr>
             <a:spLocks noGrp="1"/>
           </p:cNvSpPr>
@@ -1743,13 +4653,43 @@
         </p:nvSpPr>
         <p:spPr>
           <a:xfrm>
-            <a:off x="6172200" y="2505075"/>
-            <a:ext cx="5183188" cy="3684588"/>
+            <a:off x="6170612" y="3243262"/>
+            <a:ext cx="4876801" cy="2547937"/>
           </a:xfrm>
         </p:spPr>
         <p:txBody>
-          <a:bodyPr/>
-          <a:lstStyle/>
+          <a:bodyPr anchor="t">
+            <a:normAutofit/>
+          </a:bodyPr>
+          <a:lstStyle>
+            <a:lvl1pPr>
+              <a:defRPr sz="1800"/>
+            </a:lvl1pPr>
+            <a:lvl2pPr>
+              <a:defRPr sz="1600"/>
+            </a:lvl2pPr>
+            <a:lvl3pPr>
+              <a:defRPr sz="1400"/>
+            </a:lvl3pPr>
+            <a:lvl4pPr>
+              <a:defRPr sz="1200"/>
+            </a:lvl4pPr>
+            <a:lvl5pPr>
+              <a:defRPr sz="1200"/>
+            </a:lvl5pPr>
+            <a:lvl6pPr>
+              <a:defRPr sz="1200"/>
+            </a:lvl6pPr>
+            <a:lvl7pPr>
+              <a:defRPr sz="1200"/>
+            </a:lvl7pPr>
+            <a:lvl8pPr>
+              <a:defRPr sz="1200"/>
+            </a:lvl8pPr>
+            <a:lvl9pPr>
+              <a:defRPr sz="1200"/>
+            </a:lvl9pPr>
+          </a:lstStyle>
           <a:p>
             <a:pPr lvl="0"/>
             <a:r>
@@ -1784,18 +4724,13 @@
               <a:rPr lang="en-US"/>
               <a:t>Fifth level</a:t>
             </a:r>
-          </a:p>
-        </p:txBody>
-      </p:sp>
-      <p:sp>
-        <p:nvSpPr>
-          <p:cNvPr id="7" name="Date Placeholder 6">
-            <a:extLst>
-              <a:ext uri="{FF2B5EF4-FFF2-40B4-BE49-F238E27FC236}">
-                <a16:creationId xmlns:a16="http://schemas.microsoft.com/office/drawing/2014/main" id="{F54DCB0A-FC9A-E446-8E10-AC699E6AE753}"/>
-              </a:ext>
-            </a:extLst>
-          </p:cNvPr>
+            <a:endParaRPr lang="en-US" dirty="0"/>
+          </a:p>
+        </p:txBody>
+      </p:sp>
+      <p:sp>
+        <p:nvSpPr>
+          <p:cNvPr id="7" name="Date Placeholder 6"/>
           <p:cNvSpPr>
             <a:spLocks noGrp="1"/>
           </p:cNvSpPr>
@@ -1818,13 +4753,7 @@
       </p:sp>
       <p:sp>
         <p:nvSpPr>
-          <p:cNvPr id="8" name="Footer Placeholder 7">
-            <a:extLst>
-              <a:ext uri="{FF2B5EF4-FFF2-40B4-BE49-F238E27FC236}">
-                <a16:creationId xmlns:a16="http://schemas.microsoft.com/office/drawing/2014/main" id="{1020B61D-4C43-8545-AC8D-84C175BE89AC}"/>
-              </a:ext>
-            </a:extLst>
-          </p:cNvPr>
+          <p:cNvPr id="8" name="Footer Placeholder 7"/>
           <p:cNvSpPr>
             <a:spLocks noGrp="1"/>
           </p:cNvSpPr>
@@ -1843,13 +4772,7 @@
       </p:sp>
       <p:sp>
         <p:nvSpPr>
-          <p:cNvPr id="9" name="Slide Number Placeholder 8">
-            <a:extLst>
-              <a:ext uri="{FF2B5EF4-FFF2-40B4-BE49-F238E27FC236}">
-                <a16:creationId xmlns:a16="http://schemas.microsoft.com/office/drawing/2014/main" id="{7A2A8D35-F786-6C40-B76B-AAD5A7048F63}"/>
-              </a:ext>
-            </a:extLst>
-          </p:cNvPr>
+          <p:cNvPr id="9" name="Slide Number Placeholder 8"/>
           <p:cNvSpPr>
             <a:spLocks noGrp="1"/>
           </p:cNvSpPr>
@@ -1873,7 +4796,7 @@
     </p:spTree>
     <p:extLst>
       <p:ext uri="{BB962C8B-B14F-4D97-AF65-F5344CB8AC3E}">
-        <p14:creationId xmlns:p14="http://schemas.microsoft.com/office/powerpoint/2010/main" val="2980363705"/>
+        <p14:creationId xmlns:p14="http://schemas.microsoft.com/office/powerpoint/2010/main" val="1996123695"/>
       </p:ext>
     </p:extLst>
   </p:cSld>
@@ -1886,6 +4809,11 @@
 <file path=ppt/slideLayouts/slideLayout6.xml><?xml version="1.0" encoding="utf-8"?>
 <p:sldLayout xmlns:a="http://schemas.openxmlformats.org/drawingml/2006/main" xmlns:r="http://schemas.openxmlformats.org/officeDocument/2006/relationships" xmlns:p="http://schemas.openxmlformats.org/presentationml/2006/main" type="titleOnly" preserve="1">
   <p:cSld name="Title Only">
+    <p:bg>
+      <p:bgRef idx="1003">
+        <a:schemeClr val="bg2"/>
+      </p:bgRef>
+    </p:bg>
     <p:spTree>
       <p:nvGrpSpPr>
         <p:cNvPr id="1" name=""/>
@@ -1902,13 +4830,7 @@
       </p:grpSpPr>
       <p:sp>
         <p:nvSpPr>
-          <p:cNvPr id="2" name="Title 1">
-            <a:extLst>
-              <a:ext uri="{FF2B5EF4-FFF2-40B4-BE49-F238E27FC236}">
-                <a16:creationId xmlns:a16="http://schemas.microsoft.com/office/drawing/2014/main" id="{25F697F6-13A0-844F-920D-FEA9D1191E78}"/>
-              </a:ext>
-            </a:extLst>
-          </p:cNvPr>
+          <p:cNvPr id="2" name="Title 1"/>
           <p:cNvSpPr>
             <a:spLocks noGrp="1"/>
           </p:cNvSpPr>
@@ -1925,18 +4847,13 @@
               <a:rPr lang="en-US"/>
               <a:t>Click to edit Master title style</a:t>
             </a:r>
-          </a:p>
-        </p:txBody>
-      </p:sp>
-      <p:sp>
-        <p:nvSpPr>
-          <p:cNvPr id="3" name="Date Placeholder 2">
-            <a:extLst>
-              <a:ext uri="{FF2B5EF4-FFF2-40B4-BE49-F238E27FC236}">
-                <a16:creationId xmlns:a16="http://schemas.microsoft.com/office/drawing/2014/main" id="{C1E75DAE-825F-9348-815E-9F8445A3E21B}"/>
-              </a:ext>
-            </a:extLst>
-          </p:cNvPr>
+            <a:endParaRPr lang="en-US" dirty="0"/>
+          </a:p>
+        </p:txBody>
+      </p:sp>
+      <p:sp>
+        <p:nvSpPr>
+          <p:cNvPr id="3" name="Date Placeholder 2"/>
           <p:cNvSpPr>
             <a:spLocks noGrp="1"/>
           </p:cNvSpPr>
@@ -1959,13 +4876,7 @@
       </p:sp>
       <p:sp>
         <p:nvSpPr>
-          <p:cNvPr id="4" name="Footer Placeholder 3">
-            <a:extLst>
-              <a:ext uri="{FF2B5EF4-FFF2-40B4-BE49-F238E27FC236}">
-                <a16:creationId xmlns:a16="http://schemas.microsoft.com/office/drawing/2014/main" id="{D77B6B54-6B4D-DB4D-90BC-1A4CDF7C4B63}"/>
-              </a:ext>
-            </a:extLst>
-          </p:cNvPr>
+          <p:cNvPr id="4" name="Footer Placeholder 3"/>
           <p:cNvSpPr>
             <a:spLocks noGrp="1"/>
           </p:cNvSpPr>
@@ -1984,13 +4895,7 @@
       </p:sp>
       <p:sp>
         <p:nvSpPr>
-          <p:cNvPr id="5" name="Slide Number Placeholder 4">
-            <a:extLst>
-              <a:ext uri="{FF2B5EF4-FFF2-40B4-BE49-F238E27FC236}">
-                <a16:creationId xmlns:a16="http://schemas.microsoft.com/office/drawing/2014/main" id="{FEBBFEF3-C217-0144-9AEA-5FA074ECC912}"/>
-              </a:ext>
-            </a:extLst>
-          </p:cNvPr>
+          <p:cNvPr id="5" name="Slide Number Placeholder 4"/>
           <p:cNvSpPr>
             <a:spLocks noGrp="1"/>
           </p:cNvSpPr>
@@ -2014,12 +4919,12 @@
     </p:spTree>
     <p:extLst>
       <p:ext uri="{BB962C8B-B14F-4D97-AF65-F5344CB8AC3E}">
-        <p14:creationId xmlns:p14="http://schemas.microsoft.com/office/powerpoint/2010/main" val="640251860"/>
+        <p14:creationId xmlns:p14="http://schemas.microsoft.com/office/powerpoint/2010/main" val="1626283209"/>
       </p:ext>
     </p:extLst>
   </p:cSld>
   <p:clrMapOvr>
-    <a:masterClrMapping/>
+    <a:overrideClrMapping bg1="dk1" tx1="lt1" bg2="dk2" tx2="lt2" accent1="accent1" accent2="accent2" accent3="accent3" accent4="accent4" accent5="accent5" accent6="accent6" hlink="hlink" folHlink="folHlink"/>
   </p:clrMapOvr>
 </p:sldLayout>
 </file>
@@ -2043,13 +4948,7 @@
       </p:grpSpPr>
       <p:sp>
         <p:nvSpPr>
-          <p:cNvPr id="2" name="Date Placeholder 1">
-            <a:extLst>
-              <a:ext uri="{FF2B5EF4-FFF2-40B4-BE49-F238E27FC236}">
-                <a16:creationId xmlns:a16="http://schemas.microsoft.com/office/drawing/2014/main" id="{4D1E170D-74B8-A74A-B712-3D8DE2FDEE2F}"/>
-              </a:ext>
-            </a:extLst>
-          </p:cNvPr>
+          <p:cNvPr id="2" name="Date Placeholder 1"/>
           <p:cNvSpPr>
             <a:spLocks noGrp="1"/>
           </p:cNvSpPr>
@@ -2072,13 +4971,7 @@
       </p:sp>
       <p:sp>
         <p:nvSpPr>
-          <p:cNvPr id="3" name="Footer Placeholder 2">
-            <a:extLst>
-              <a:ext uri="{FF2B5EF4-FFF2-40B4-BE49-F238E27FC236}">
-                <a16:creationId xmlns:a16="http://schemas.microsoft.com/office/drawing/2014/main" id="{B53BFD3E-373B-1E40-89CD-A999BF103EEE}"/>
-              </a:ext>
-            </a:extLst>
-          </p:cNvPr>
+          <p:cNvPr id="3" name="Footer Placeholder 2"/>
           <p:cNvSpPr>
             <a:spLocks noGrp="1"/>
           </p:cNvSpPr>
@@ -2097,13 +4990,7 @@
       </p:sp>
       <p:sp>
         <p:nvSpPr>
-          <p:cNvPr id="4" name="Slide Number Placeholder 3">
-            <a:extLst>
-              <a:ext uri="{FF2B5EF4-FFF2-40B4-BE49-F238E27FC236}">
-                <a16:creationId xmlns:a16="http://schemas.microsoft.com/office/drawing/2014/main" id="{93790ACF-FF9C-9244-97DA-9DD472C1E339}"/>
-              </a:ext>
-            </a:extLst>
-          </p:cNvPr>
+          <p:cNvPr id="4" name="Slide Number Placeholder 3"/>
           <p:cNvSpPr>
             <a:spLocks noGrp="1"/>
           </p:cNvSpPr>
@@ -2127,7 +5014,7 @@
     </p:spTree>
     <p:extLst>
       <p:ext uri="{BB962C8B-B14F-4D97-AF65-F5344CB8AC3E}">
-        <p14:creationId xmlns:p14="http://schemas.microsoft.com/office/powerpoint/2010/main" val="2108356652"/>
+        <p14:creationId xmlns:p14="http://schemas.microsoft.com/office/powerpoint/2010/main" val="229521368"/>
       </p:ext>
     </p:extLst>
   </p:cSld>
@@ -2156,13 +5043,7 @@
       </p:grpSpPr>
       <p:sp>
         <p:nvSpPr>
-          <p:cNvPr id="2" name="Title 1">
-            <a:extLst>
-              <a:ext uri="{FF2B5EF4-FFF2-40B4-BE49-F238E27FC236}">
-                <a16:creationId xmlns:a16="http://schemas.microsoft.com/office/drawing/2014/main" id="{74555E16-D21A-6749-A7FF-D3D65C1CE877}"/>
-              </a:ext>
-            </a:extLst>
-          </p:cNvPr>
+          <p:cNvPr id="2" name="Title 1"/>
           <p:cNvSpPr>
             <a:spLocks noGrp="1"/>
           </p:cNvSpPr>
@@ -2172,139 +5053,135 @@
         </p:nvSpPr>
         <p:spPr>
           <a:xfrm>
-            <a:off x="839788" y="457200"/>
-            <a:ext cx="3932237" cy="1600200"/>
+            <a:off x="1141411" y="1600200"/>
+            <a:ext cx="3549121" cy="1371600"/>
           </a:xfrm>
         </p:spPr>
         <p:txBody>
-          <a:bodyPr anchor="b"/>
+          <a:bodyPr anchor="b">
+            <a:normAutofit/>
+          </a:bodyPr>
+          <a:lstStyle>
+            <a:lvl1pPr algn="l">
+              <a:defRPr sz="2400" b="0"/>
+            </a:lvl1pPr>
+          </a:lstStyle>
+          <a:p>
+            <a:r>
+              <a:rPr lang="en-US"/>
+              <a:t>Click to edit Master title style</a:t>
+            </a:r>
+            <a:endParaRPr lang="en-US" dirty="0"/>
+          </a:p>
+        </p:txBody>
+      </p:sp>
+      <p:sp>
+        <p:nvSpPr>
+          <p:cNvPr id="3" name="Content Placeholder 2"/>
+          <p:cNvSpPr>
+            <a:spLocks noGrp="1"/>
+          </p:cNvSpPr>
+          <p:nvPr>
+            <p:ph idx="1"/>
+          </p:nvPr>
+        </p:nvSpPr>
+        <p:spPr>
+          <a:xfrm>
+            <a:off x="5103812" y="609601"/>
+            <a:ext cx="5943601" cy="5181600"/>
+          </a:xfrm>
+        </p:spPr>
+        <p:txBody>
+          <a:bodyPr anchor="ctr">
+            <a:normAutofit/>
+          </a:bodyPr>
           <a:lstStyle>
             <a:lvl1pPr>
-              <a:defRPr sz="3200"/>
+              <a:defRPr sz="2000"/>
             </a:lvl1pPr>
+            <a:lvl2pPr>
+              <a:defRPr sz="1800"/>
+            </a:lvl2pPr>
+            <a:lvl3pPr>
+              <a:defRPr sz="1600"/>
+            </a:lvl3pPr>
+            <a:lvl4pPr>
+              <a:defRPr sz="1400"/>
+            </a:lvl4pPr>
+            <a:lvl5pPr>
+              <a:defRPr sz="1400"/>
+            </a:lvl5pPr>
+            <a:lvl6pPr>
+              <a:defRPr sz="1400"/>
+            </a:lvl6pPr>
+            <a:lvl7pPr>
+              <a:defRPr sz="1400"/>
+            </a:lvl7pPr>
+            <a:lvl8pPr>
+              <a:defRPr sz="1400"/>
+            </a:lvl8pPr>
+            <a:lvl9pPr>
+              <a:defRPr sz="1400"/>
+            </a:lvl9pPr>
           </a:lstStyle>
           <a:p>
+            <a:pPr lvl="0"/>
             <a:r>
               <a:rPr lang="en-US"/>
-              <a:t>Click to edit Master title style</a:t>
-            </a:r>
-          </a:p>
-        </p:txBody>
-      </p:sp>
-      <p:sp>
-        <p:nvSpPr>
-          <p:cNvPr id="3" name="Content Placeholder 2">
-            <a:extLst>
-              <a:ext uri="{FF2B5EF4-FFF2-40B4-BE49-F238E27FC236}">
-                <a16:creationId xmlns:a16="http://schemas.microsoft.com/office/drawing/2014/main" id="{FE6E75FB-1EB2-7448-A061-4E6169CE7804}"/>
-              </a:ext>
-            </a:extLst>
-          </p:cNvPr>
-          <p:cNvSpPr>
-            <a:spLocks noGrp="1"/>
-          </p:cNvSpPr>
-          <p:nvPr>
-            <p:ph idx="1"/>
+              <a:t>Click to edit Master text styles</a:t>
+            </a:r>
+          </a:p>
+          <a:p>
+            <a:pPr lvl="1"/>
+            <a:r>
+              <a:rPr lang="en-US"/>
+              <a:t>Second level</a:t>
+            </a:r>
+          </a:p>
+          <a:p>
+            <a:pPr lvl="2"/>
+            <a:r>
+              <a:rPr lang="en-US"/>
+              <a:t>Third level</a:t>
+            </a:r>
+          </a:p>
+          <a:p>
+            <a:pPr lvl="3"/>
+            <a:r>
+              <a:rPr lang="en-US"/>
+              <a:t>Fourth level</a:t>
+            </a:r>
+          </a:p>
+          <a:p>
+            <a:pPr lvl="4"/>
+            <a:r>
+              <a:rPr lang="en-US"/>
+              <a:t>Fifth level</a:t>
+            </a:r>
+            <a:endParaRPr lang="en-US" dirty="0"/>
+          </a:p>
+        </p:txBody>
+      </p:sp>
+      <p:sp>
+        <p:nvSpPr>
+          <p:cNvPr id="4" name="Text Placeholder 3"/>
+          <p:cNvSpPr>
+            <a:spLocks noGrp="1"/>
+          </p:cNvSpPr>
+          <p:nvPr>
+            <p:ph type="body" sz="half" idx="2"/>
           </p:nvPr>
         </p:nvSpPr>
         <p:spPr>
           <a:xfrm>
-            <a:off x="5183188" y="987425"/>
-            <a:ext cx="6172200" cy="4873625"/>
+            <a:off x="1141411" y="2971800"/>
+            <a:ext cx="3549121" cy="1828800"/>
           </a:xfrm>
         </p:spPr>
         <p:txBody>
-          <a:bodyPr/>
-          <a:lstStyle>
-            <a:lvl1pPr>
-              <a:defRPr sz="3200"/>
-            </a:lvl1pPr>
-            <a:lvl2pPr>
-              <a:defRPr sz="2800"/>
-            </a:lvl2pPr>
-            <a:lvl3pPr>
-              <a:defRPr sz="2400"/>
-            </a:lvl3pPr>
-            <a:lvl4pPr>
-              <a:defRPr sz="2000"/>
-            </a:lvl4pPr>
-            <a:lvl5pPr>
-              <a:defRPr sz="2000"/>
-            </a:lvl5pPr>
-            <a:lvl6pPr>
-              <a:defRPr sz="2000"/>
-            </a:lvl6pPr>
-            <a:lvl7pPr>
-              <a:defRPr sz="2000"/>
-            </a:lvl7pPr>
-            <a:lvl8pPr>
-              <a:defRPr sz="2000"/>
-            </a:lvl8pPr>
-            <a:lvl9pPr>
-              <a:defRPr sz="2000"/>
-            </a:lvl9pPr>
-          </a:lstStyle>
-          <a:p>
-            <a:pPr lvl="0"/>
-            <a:r>
-              <a:rPr lang="en-US"/>
-              <a:t>Click to edit Master text styles</a:t>
-            </a:r>
-          </a:p>
-          <a:p>
-            <a:pPr lvl="1"/>
-            <a:r>
-              <a:rPr lang="en-US"/>
-              <a:t>Second level</a:t>
-            </a:r>
-          </a:p>
-          <a:p>
-            <a:pPr lvl="2"/>
-            <a:r>
-              <a:rPr lang="en-US"/>
-              <a:t>Third level</a:t>
-            </a:r>
-          </a:p>
-          <a:p>
-            <a:pPr lvl="3"/>
-            <a:r>
-              <a:rPr lang="en-US"/>
-              <a:t>Fourth level</a:t>
-            </a:r>
-          </a:p>
-          <a:p>
-            <a:pPr lvl="4"/>
-            <a:r>
-              <a:rPr lang="en-US"/>
-              <a:t>Fifth level</a:t>
-            </a:r>
-          </a:p>
-        </p:txBody>
-      </p:sp>
-      <p:sp>
-        <p:nvSpPr>
-          <p:cNvPr id="4" name="Text Placeholder 3">
-            <a:extLst>
-              <a:ext uri="{FF2B5EF4-FFF2-40B4-BE49-F238E27FC236}">
-                <a16:creationId xmlns:a16="http://schemas.microsoft.com/office/drawing/2014/main" id="{895E1ECB-3D70-F145-A9C4-F7B1DCE0A030}"/>
-              </a:ext>
-            </a:extLst>
-          </p:cNvPr>
-          <p:cNvSpPr>
-            <a:spLocks noGrp="1"/>
-          </p:cNvSpPr>
-          <p:nvPr>
-            <p:ph type="body" sz="half" idx="2"/>
-          </p:nvPr>
-        </p:nvSpPr>
-        <p:spPr>
-          <a:xfrm>
-            <a:off x="839788" y="2057400"/>
-            <a:ext cx="3932237" cy="3811588"/>
-          </a:xfrm>
-        </p:spPr>
-        <p:txBody>
-          <a:bodyPr/>
+          <a:bodyPr>
+            <a:normAutofit/>
+          </a:bodyPr>
           <a:lstStyle>
             <a:lvl1pPr marL="0" indent="0">
               <a:buNone/>
@@ -2312,35 +5189,35 @@
             </a:lvl1pPr>
             <a:lvl2pPr marL="457200" indent="0">
               <a:buNone/>
-              <a:defRPr sz="1400"/>
+              <a:defRPr sz="1200"/>
             </a:lvl2pPr>
             <a:lvl3pPr marL="914400" indent="0">
               <a:buNone/>
-              <a:defRPr sz="1200"/>
+              <a:defRPr sz="1000"/>
             </a:lvl3pPr>
             <a:lvl4pPr marL="1371600" indent="0">
               <a:buNone/>
-              <a:defRPr sz="1000"/>
+              <a:defRPr sz="900"/>
             </a:lvl4pPr>
             <a:lvl5pPr marL="1828800" indent="0">
               <a:buNone/>
-              <a:defRPr sz="1000"/>
+              <a:defRPr sz="900"/>
             </a:lvl5pPr>
             <a:lvl6pPr marL="2286000" indent="0">
               <a:buNone/>
-              <a:defRPr sz="1000"/>
+              <a:defRPr sz="900"/>
             </a:lvl6pPr>
             <a:lvl7pPr marL="2743200" indent="0">
               <a:buNone/>
-              <a:defRPr sz="1000"/>
+              <a:defRPr sz="900"/>
             </a:lvl7pPr>
             <a:lvl8pPr marL="3200400" indent="0">
               <a:buNone/>
-              <a:defRPr sz="1000"/>
+              <a:defRPr sz="900"/>
             </a:lvl8pPr>
             <a:lvl9pPr marL="3657600" indent="0">
               <a:buNone/>
-              <a:defRPr sz="1000"/>
+              <a:defRPr sz="900"/>
             </a:lvl9pPr>
           </a:lstStyle>
           <a:p>
@@ -2354,13 +5231,7 @@
       </p:sp>
       <p:sp>
         <p:nvSpPr>
-          <p:cNvPr id="5" name="Date Placeholder 4">
-            <a:extLst>
-              <a:ext uri="{FF2B5EF4-FFF2-40B4-BE49-F238E27FC236}">
-                <a16:creationId xmlns:a16="http://schemas.microsoft.com/office/drawing/2014/main" id="{372EF172-D77C-444F-A093-2318F2AF7932}"/>
-              </a:ext>
-            </a:extLst>
-          </p:cNvPr>
+          <p:cNvPr id="5" name="Date Placeholder 4"/>
           <p:cNvSpPr>
             <a:spLocks noGrp="1"/>
           </p:cNvSpPr>
@@ -2383,13 +5254,7 @@
       </p:sp>
       <p:sp>
         <p:nvSpPr>
-          <p:cNvPr id="6" name="Footer Placeholder 5">
-            <a:extLst>
-              <a:ext uri="{FF2B5EF4-FFF2-40B4-BE49-F238E27FC236}">
-                <a16:creationId xmlns:a16="http://schemas.microsoft.com/office/drawing/2014/main" id="{0D7A33E0-4168-9049-B3A5-2497E688E340}"/>
-              </a:ext>
-            </a:extLst>
-          </p:cNvPr>
+          <p:cNvPr id="6" name="Footer Placeholder 5"/>
           <p:cNvSpPr>
             <a:spLocks noGrp="1"/>
           </p:cNvSpPr>
@@ -2408,13 +5273,7 @@
       </p:sp>
       <p:sp>
         <p:nvSpPr>
-          <p:cNvPr id="7" name="Slide Number Placeholder 6">
-            <a:extLst>
-              <a:ext uri="{FF2B5EF4-FFF2-40B4-BE49-F238E27FC236}">
-                <a16:creationId xmlns:a16="http://schemas.microsoft.com/office/drawing/2014/main" id="{FA7C699B-45BC-1F4D-8B99-CF5D8F2DFDD9}"/>
-              </a:ext>
-            </a:extLst>
-          </p:cNvPr>
+          <p:cNvPr id="7" name="Slide Number Placeholder 6"/>
           <p:cNvSpPr>
             <a:spLocks noGrp="1"/>
           </p:cNvSpPr>
@@ -2438,7 +5297,7 @@
     </p:spTree>
     <p:extLst>
       <p:ext uri="{BB962C8B-B14F-4D97-AF65-F5344CB8AC3E}">
-        <p14:creationId xmlns:p14="http://schemas.microsoft.com/office/powerpoint/2010/main" val="2155923683"/>
+        <p14:creationId xmlns:p14="http://schemas.microsoft.com/office/powerpoint/2010/main" val="324846077"/>
       </p:ext>
     </p:extLst>
   </p:cSld>
@@ -2467,13 +5326,7 @@
       </p:grpSpPr>
       <p:sp>
         <p:nvSpPr>
-          <p:cNvPr id="2" name="Title 1">
-            <a:extLst>
-              <a:ext uri="{FF2B5EF4-FFF2-40B4-BE49-F238E27FC236}">
-                <a16:creationId xmlns:a16="http://schemas.microsoft.com/office/drawing/2014/main" id="{C4524D67-9C79-EA49-B64F-F8FC157A5C95}"/>
-              </a:ext>
-            </a:extLst>
-          </p:cNvPr>
+          <p:cNvPr id="2" name="Title 1"/>
           <p:cNvSpPr>
             <a:spLocks noGrp="1"/>
           </p:cNvSpPr>
@@ -2483,15 +5336,17 @@
         </p:nvSpPr>
         <p:spPr>
           <a:xfrm>
-            <a:off x="839788" y="457200"/>
-            <a:ext cx="3932237" cy="1600200"/>
+            <a:off x="1141411" y="1600200"/>
+            <a:ext cx="5334001" cy="1371600"/>
           </a:xfrm>
         </p:spPr>
         <p:txBody>
-          <a:bodyPr anchor="b"/>
+          <a:bodyPr anchor="b">
+            <a:normAutofit/>
+          </a:bodyPr>
           <a:lstStyle>
-            <a:lvl1pPr>
-              <a:defRPr sz="3200"/>
+            <a:lvl1pPr algn="l">
+              <a:defRPr sz="2800" b="0"/>
             </a:lvl1pPr>
           </a:lstStyle>
           <a:p>
@@ -2499,20 +5354,15 @@
               <a:rPr lang="en-US"/>
               <a:t>Click to edit Master title style</a:t>
             </a:r>
-          </a:p>
-        </p:txBody>
-      </p:sp>
-      <p:sp>
-        <p:nvSpPr>
-          <p:cNvPr id="3" name="Picture Placeholder 2">
-            <a:extLst>
-              <a:ext uri="{FF2B5EF4-FFF2-40B4-BE49-F238E27FC236}">
-                <a16:creationId xmlns:a16="http://schemas.microsoft.com/office/drawing/2014/main" id="{929A293B-5CD3-6B49-AFBD-88797E92DA77}"/>
-              </a:ext>
-            </a:extLst>
-          </p:cNvPr>
-          <p:cNvSpPr>
-            <a:spLocks noGrp="1"/>
+            <a:endParaRPr lang="en-US" dirty="0"/>
+          </a:p>
+        </p:txBody>
+      </p:sp>
+      <p:sp>
+        <p:nvSpPr>
+          <p:cNvPr id="14" name="Picture Placeholder 2"/>
+          <p:cNvSpPr>
+            <a:spLocks noGrp="1" noChangeAspect="1"/>
           </p:cNvSpPr>
           <p:nvPr>
             <p:ph type="pic" idx="1"/>
@@ -2520,118 +5370,143 @@
         </p:nvSpPr>
         <p:spPr>
           <a:xfrm>
-            <a:off x="5183188" y="987425"/>
-            <a:ext cx="6172200" cy="4873625"/>
+            <a:off x="7433733" y="-18288"/>
+            <a:ext cx="3276599" cy="6903720"/>
           </a:xfrm>
+          <a:ln w="38100">
+            <a:gradFill flip="none" rotWithShape="1">
+              <a:gsLst>
+                <a:gs pos="0">
+                  <a:schemeClr val="bg2"/>
+                </a:gs>
+                <a:gs pos="100000">
+                  <a:schemeClr val="bg2">
+                    <a:lumMod val="75000"/>
+                  </a:schemeClr>
+                </a:gs>
+              </a:gsLst>
+              <a:lin ang="5400000" scaled="0"/>
+              <a:tileRect/>
+            </a:gradFill>
+          </a:ln>
+          <a:effectLst>
+            <a:innerShdw blurRad="57150" dist="38100" dir="10800000">
+              <a:srgbClr val="000000">
+                <a:alpha val="70000"/>
+              </a:srgbClr>
+            </a:innerShdw>
+          </a:effectLst>
         </p:spPr>
         <p:txBody>
-          <a:bodyPr/>
+          <a:bodyPr anchor="t">
+            <a:normAutofit/>
+          </a:bodyPr>
           <a:lstStyle>
-            <a:lvl1pPr marL="0" indent="0">
-              <a:buNone/>
-              <a:defRPr sz="3200"/>
-            </a:lvl1pPr>
-            <a:lvl2pPr marL="457200" indent="0">
-              <a:buNone/>
-              <a:defRPr sz="2800"/>
-            </a:lvl2pPr>
-            <a:lvl3pPr marL="914400" indent="0">
-              <a:buNone/>
-              <a:defRPr sz="2400"/>
-            </a:lvl3pPr>
-            <a:lvl4pPr marL="1371600" indent="0">
-              <a:buNone/>
-              <a:defRPr sz="2000"/>
-            </a:lvl4pPr>
-            <a:lvl5pPr marL="1828800" indent="0">
-              <a:buNone/>
-              <a:defRPr sz="2000"/>
-            </a:lvl5pPr>
-            <a:lvl6pPr marL="2286000" indent="0">
-              <a:buNone/>
-              <a:defRPr sz="2000"/>
-            </a:lvl6pPr>
-            <a:lvl7pPr marL="2743200" indent="0">
-              <a:buNone/>
-              <a:defRPr sz="2000"/>
-            </a:lvl7pPr>
-            <a:lvl8pPr marL="3200400" indent="0">
-              <a:buNone/>
-              <a:defRPr sz="2000"/>
-            </a:lvl8pPr>
-            <a:lvl9pPr marL="3657600" indent="0">
-              <a:buNone/>
-              <a:defRPr sz="2000"/>
-            </a:lvl9pPr>
-          </a:lstStyle>
-          <a:p>
-            <a:endParaRPr lang="en-US"/>
-          </a:p>
-        </p:txBody>
-      </p:sp>
-      <p:sp>
-        <p:nvSpPr>
-          <p:cNvPr id="4" name="Text Placeholder 3">
-            <a:extLst>
-              <a:ext uri="{FF2B5EF4-FFF2-40B4-BE49-F238E27FC236}">
-                <a16:creationId xmlns:a16="http://schemas.microsoft.com/office/drawing/2014/main" id="{5264CA8A-E372-224C-9B2B-CA22B22B3F4B}"/>
-              </a:ext>
-            </a:extLst>
-          </p:cNvPr>
-          <p:cNvSpPr>
-            <a:spLocks noGrp="1"/>
-          </p:cNvSpPr>
-          <p:nvPr>
-            <p:ph type="body" sz="half" idx="2"/>
-          </p:nvPr>
-        </p:nvSpPr>
-        <p:spPr>
-          <a:xfrm>
-            <a:off x="839788" y="2057400"/>
-            <a:ext cx="3932237" cy="3811588"/>
-          </a:xfrm>
-        </p:spPr>
-        <p:txBody>
-          <a:bodyPr/>
-          <a:lstStyle>
-            <a:lvl1pPr marL="0" indent="0">
+            <a:lvl1pPr marL="0" indent="0" algn="ctr">
               <a:buNone/>
               <a:defRPr sz="1600"/>
             </a:lvl1pPr>
             <a:lvl2pPr marL="457200" indent="0">
               <a:buNone/>
-              <a:defRPr sz="1400"/>
+              <a:defRPr sz="1600"/>
             </a:lvl2pPr>
             <a:lvl3pPr marL="914400" indent="0">
               <a:buNone/>
-              <a:defRPr sz="1200"/>
+              <a:defRPr sz="1600"/>
             </a:lvl3pPr>
             <a:lvl4pPr marL="1371600" indent="0">
               <a:buNone/>
-              <a:defRPr sz="1000"/>
+              <a:defRPr sz="1600"/>
             </a:lvl4pPr>
             <a:lvl5pPr marL="1828800" indent="0">
               <a:buNone/>
-              <a:defRPr sz="1000"/>
+              <a:defRPr sz="1600"/>
             </a:lvl5pPr>
             <a:lvl6pPr marL="2286000" indent="0">
               <a:buNone/>
-              <a:defRPr sz="1000"/>
+              <a:defRPr sz="1600"/>
             </a:lvl6pPr>
             <a:lvl7pPr marL="2743200" indent="0">
               <a:buNone/>
-              <a:defRPr sz="1000"/>
+              <a:defRPr sz="1600"/>
             </a:lvl7pPr>
             <a:lvl8pPr marL="3200400" indent="0">
               <a:buNone/>
-              <a:defRPr sz="1000"/>
+              <a:defRPr sz="1600"/>
             </a:lvl8pPr>
             <a:lvl9pPr marL="3657600" indent="0">
               <a:buNone/>
-              <a:defRPr sz="1000"/>
+              <a:defRPr sz="1600"/>
             </a:lvl9pPr>
           </a:lstStyle>
           <a:p>
+            <a:r>
+              <a:rPr lang="en-US"/>
+              <a:t>Click icon to add picture</a:t>
+            </a:r>
+            <a:endParaRPr lang="en-US" dirty="0"/>
+          </a:p>
+        </p:txBody>
+      </p:sp>
+      <p:sp>
+        <p:nvSpPr>
+          <p:cNvPr id="4" name="Text Placeholder 3"/>
+          <p:cNvSpPr>
+            <a:spLocks noGrp="1"/>
+          </p:cNvSpPr>
+          <p:nvPr>
+            <p:ph type="body" sz="half" idx="2"/>
+          </p:nvPr>
+        </p:nvSpPr>
+        <p:spPr>
+          <a:xfrm>
+            <a:off x="1141411" y="2971800"/>
+            <a:ext cx="5334001" cy="1828800"/>
+          </a:xfrm>
+        </p:spPr>
+        <p:txBody>
+          <a:bodyPr>
+            <a:normAutofit/>
+          </a:bodyPr>
+          <a:lstStyle>
+            <a:lvl1pPr marL="0" indent="0">
+              <a:buNone/>
+              <a:defRPr sz="1800"/>
+            </a:lvl1pPr>
+            <a:lvl2pPr marL="457200" indent="0">
+              <a:buNone/>
+              <a:defRPr sz="1200"/>
+            </a:lvl2pPr>
+            <a:lvl3pPr marL="914400" indent="0">
+              <a:buNone/>
+              <a:defRPr sz="1000"/>
+            </a:lvl3pPr>
+            <a:lvl4pPr marL="1371600" indent="0">
+              <a:buNone/>
+              <a:defRPr sz="900"/>
+            </a:lvl4pPr>
+            <a:lvl5pPr marL="1828800" indent="0">
+              <a:buNone/>
+              <a:defRPr sz="900"/>
+            </a:lvl5pPr>
+            <a:lvl6pPr marL="2286000" indent="0">
+              <a:buNone/>
+              <a:defRPr sz="900"/>
+            </a:lvl6pPr>
+            <a:lvl7pPr marL="2743200" indent="0">
+              <a:buNone/>
+              <a:defRPr sz="900"/>
+            </a:lvl7pPr>
+            <a:lvl8pPr marL="3200400" indent="0">
+              <a:buNone/>
+              <a:defRPr sz="900"/>
+            </a:lvl8pPr>
+            <a:lvl9pPr marL="3657600" indent="0">
+              <a:buNone/>
+              <a:defRPr sz="900"/>
+            </a:lvl9pPr>
+          </a:lstStyle>
+          <a:p>
             <a:pPr lvl="0"/>
             <a:r>
               <a:rPr lang="en-US"/>
@@ -2642,13 +5517,7 @@
       </p:sp>
       <p:sp>
         <p:nvSpPr>
-          <p:cNvPr id="5" name="Date Placeholder 4">
-            <a:extLst>
-              <a:ext uri="{FF2B5EF4-FFF2-40B4-BE49-F238E27FC236}">
-                <a16:creationId xmlns:a16="http://schemas.microsoft.com/office/drawing/2014/main" id="{711667A3-9922-8E47-8410-02C59E566916}"/>
-              </a:ext>
-            </a:extLst>
-          </p:cNvPr>
+          <p:cNvPr id="5" name="Date Placeholder 4"/>
           <p:cNvSpPr>
             <a:spLocks noGrp="1"/>
           </p:cNvSpPr>
@@ -2656,7 +5525,12 @@
             <p:ph type="dt" sz="half" idx="10"/>
           </p:nvPr>
         </p:nvSpPr>
-        <p:spPr/>
+        <p:spPr>
+          <a:xfrm>
+            <a:off x="6399212" y="5883275"/>
+            <a:ext cx="914400" cy="365125"/>
+          </a:xfrm>
+        </p:spPr>
         <p:txBody>
           <a:bodyPr/>
           <a:lstStyle/>
@@ -2671,13 +5545,7 @@
       </p:sp>
       <p:sp>
         <p:nvSpPr>
-          <p:cNvPr id="6" name="Footer Placeholder 5">
-            <a:extLst>
-              <a:ext uri="{FF2B5EF4-FFF2-40B4-BE49-F238E27FC236}">
-                <a16:creationId xmlns:a16="http://schemas.microsoft.com/office/drawing/2014/main" id="{DD53E23C-EC7A-6243-8CEA-BADA4B3E7986}"/>
-              </a:ext>
-            </a:extLst>
-          </p:cNvPr>
+          <p:cNvPr id="6" name="Footer Placeholder 5"/>
           <p:cNvSpPr>
             <a:spLocks noGrp="1"/>
           </p:cNvSpPr>
@@ -2685,7 +5553,12 @@
             <p:ph type="ftr" sz="quarter" idx="11"/>
           </p:nvPr>
         </p:nvSpPr>
-        <p:spPr/>
+        <p:spPr>
+          <a:xfrm>
+            <a:off x="1141412" y="5883275"/>
+            <a:ext cx="5105400" cy="365125"/>
+          </a:xfrm>
+        </p:spPr>
         <p:txBody>
           <a:bodyPr/>
           <a:lstStyle/>
@@ -2696,13 +5569,7 @@
       </p:sp>
       <p:sp>
         <p:nvSpPr>
-          <p:cNvPr id="7" name="Slide Number Placeholder 6">
-            <a:extLst>
-              <a:ext uri="{FF2B5EF4-FFF2-40B4-BE49-F238E27FC236}">
-                <a16:creationId xmlns:a16="http://schemas.microsoft.com/office/drawing/2014/main" id="{10CA82B2-40AB-D04E-9520-9736E60FC567}"/>
-              </a:ext>
-            </a:extLst>
-          </p:cNvPr>
+          <p:cNvPr id="7" name="Slide Number Placeholder 6"/>
           <p:cNvSpPr>
             <a:spLocks noGrp="1"/>
           </p:cNvSpPr>
@@ -2710,7 +5577,12 @@
             <p:ph type="sldNum" sz="quarter" idx="12"/>
           </p:nvPr>
         </p:nvSpPr>
-        <p:spPr/>
+        <p:spPr>
+          <a:xfrm>
+            <a:off x="10742612" y="5883275"/>
+            <a:ext cx="322567" cy="365125"/>
+          </a:xfrm>
+        </p:spPr>
         <p:txBody>
           <a:bodyPr/>
           <a:lstStyle/>
@@ -2726,7 +5598,7 @@
     </p:spTree>
     <p:extLst>
       <p:ext uri="{BB962C8B-B14F-4D97-AF65-F5344CB8AC3E}">
-        <p14:creationId xmlns:p14="http://schemas.microsoft.com/office/powerpoint/2010/main" val="3575564567"/>
+        <p14:creationId xmlns:p14="http://schemas.microsoft.com/office/powerpoint/2010/main" val="344014649"/>
       </p:ext>
     </p:extLst>
   </p:cSld>
@@ -2740,8 +5612,8 @@
 <p:sldMaster xmlns:a="http://schemas.openxmlformats.org/drawingml/2006/main" xmlns:r="http://schemas.openxmlformats.org/officeDocument/2006/relationships" xmlns:p="http://schemas.openxmlformats.org/presentationml/2006/main">
   <p:cSld>
     <p:bg>
-      <p:bgRef idx="1001">
-        <a:schemeClr val="bg1"/>
+      <p:bgRef idx="1003">
+        <a:schemeClr val="bg2"/>
       </p:bgRef>
     </p:bg>
     <p:spTree>
@@ -2760,13 +5632,7 @@
       </p:grpSpPr>
       <p:sp>
         <p:nvSpPr>
-          <p:cNvPr id="2" name="Title Placeholder 1">
-            <a:extLst>
-              <a:ext uri="{FF2B5EF4-FFF2-40B4-BE49-F238E27FC236}">
-                <a16:creationId xmlns:a16="http://schemas.microsoft.com/office/drawing/2014/main" id="{52E58693-EF92-7943-B007-D23D3C46FEE7}"/>
-              </a:ext>
-            </a:extLst>
-          </p:cNvPr>
+          <p:cNvPr id="2" name="Title Placeholder 1"/>
           <p:cNvSpPr>
             <a:spLocks noGrp="1"/>
           </p:cNvSpPr>
@@ -2776,8 +5642,8 @@
         </p:nvSpPr>
         <p:spPr>
           <a:xfrm>
-            <a:off x="838200" y="365125"/>
-            <a:ext cx="10515600" cy="1325563"/>
+            <a:off x="1141413" y="609600"/>
+            <a:ext cx="9905998" cy="1905000"/>
           </a:xfrm>
           <a:prstGeom prst="rect">
             <a:avLst/>
@@ -2793,18 +5659,13 @@
               <a:rPr lang="en-US"/>
               <a:t>Click to edit Master title style</a:t>
             </a:r>
-          </a:p>
-        </p:txBody>
-      </p:sp>
-      <p:sp>
-        <p:nvSpPr>
-          <p:cNvPr id="3" name="Text Placeholder 2">
-            <a:extLst>
-              <a:ext uri="{FF2B5EF4-FFF2-40B4-BE49-F238E27FC236}">
-                <a16:creationId xmlns:a16="http://schemas.microsoft.com/office/drawing/2014/main" id="{1B77B2D8-9EF1-7440-BCDE-D62BE8455DCD}"/>
-              </a:ext>
-            </a:extLst>
-          </p:cNvPr>
+            <a:endParaRPr lang="en-US" dirty="0"/>
+          </a:p>
+        </p:txBody>
+      </p:sp>
+      <p:sp>
+        <p:nvSpPr>
+          <p:cNvPr id="3" name="Text Placeholder 2"/>
           <p:cNvSpPr>
             <a:spLocks noGrp="1"/>
           </p:cNvSpPr>
@@ -2814,15 +5675,15 @@
         </p:nvSpPr>
         <p:spPr>
           <a:xfrm>
-            <a:off x="838200" y="1825625"/>
-            <a:ext cx="10515600" cy="4351338"/>
+            <a:off x="1141413" y="2666999"/>
+            <a:ext cx="9905998" cy="3124201"/>
           </a:xfrm>
           <a:prstGeom prst="rect">
             <a:avLst/>
           </a:prstGeom>
         </p:spPr>
         <p:txBody>
-          <a:bodyPr vert="horz" lIns="91440" tIns="45720" rIns="91440" bIns="45720" rtlCol="0">
+          <a:bodyPr vert="horz" lIns="91440" tIns="45720" rIns="91440" bIns="45720" rtlCol="0" anchor="ctr">
             <a:normAutofit/>
           </a:bodyPr>
           <a:lstStyle/>
@@ -2860,18 +5721,13 @@
               <a:rPr lang="en-US"/>
               <a:t>Fifth level</a:t>
             </a:r>
-          </a:p>
-        </p:txBody>
-      </p:sp>
-      <p:sp>
-        <p:nvSpPr>
-          <p:cNvPr id="4" name="Date Placeholder 3">
-            <a:extLst>
-              <a:ext uri="{FF2B5EF4-FFF2-40B4-BE49-F238E27FC236}">
-                <a16:creationId xmlns:a16="http://schemas.microsoft.com/office/drawing/2014/main" id="{9AD8AA5F-B6A9-C940-A31C-E48103083217}"/>
-              </a:ext>
-            </a:extLst>
-          </p:cNvPr>
+            <a:endParaRPr lang="en-US" dirty="0"/>
+          </a:p>
+        </p:txBody>
+      </p:sp>
+      <p:sp>
+        <p:nvSpPr>
+          <p:cNvPr id="4" name="Date Placeholder 3"/>
           <p:cNvSpPr>
             <a:spLocks noGrp="1"/>
           </p:cNvSpPr>
@@ -2881,8 +5737,8 @@
         </p:nvSpPr>
         <p:spPr>
           <a:xfrm>
-            <a:off x="838200" y="6356350"/>
-            <a:ext cx="2743200" cy="365125"/>
+            <a:off x="8837612" y="5883275"/>
+            <a:ext cx="1600200" cy="365125"/>
           </a:xfrm>
           <a:prstGeom prst="rect">
             <a:avLst/>
@@ -2891,13 +5747,21 @@
         <p:txBody>
           <a:bodyPr vert="horz" lIns="91440" tIns="45720" rIns="91440" bIns="45720" rtlCol="0" anchor="ctr"/>
           <a:lstStyle>
-            <a:lvl1pPr algn="l">
-              <a:defRPr sz="1200">
+            <a:lvl1pPr algn="r">
+              <a:defRPr sz="900" b="1" i="0">
                 <a:solidFill>
                   <a:schemeClr val="tx1">
-                    <a:tint val="75000"/>
+                    <a:lumMod val="75000"/>
                   </a:schemeClr>
                 </a:solidFill>
+                <a:effectLst>
+                  <a:outerShdw blurRad="50800" dist="38100" dir="2700000" algn="tl" rotWithShape="0">
+                    <a:srgbClr val="000000">
+                      <a:alpha val="43000"/>
+                    </a:srgbClr>
+                  </a:outerShdw>
+                </a:effectLst>
+                <a:latin typeface="+mn-lt"/>
               </a:defRPr>
             </a:lvl1pPr>
           </a:lstStyle>
@@ -2912,13 +5776,7 @@
       </p:sp>
       <p:sp>
         <p:nvSpPr>
-          <p:cNvPr id="5" name="Footer Placeholder 4">
-            <a:extLst>
-              <a:ext uri="{FF2B5EF4-FFF2-40B4-BE49-F238E27FC236}">
-                <a16:creationId xmlns:a16="http://schemas.microsoft.com/office/drawing/2014/main" id="{86ABE71C-018B-2E43-A718-8C4BE7962185}"/>
-              </a:ext>
-            </a:extLst>
-          </p:cNvPr>
+          <p:cNvPr id="5" name="Footer Placeholder 4"/>
           <p:cNvSpPr>
             <a:spLocks noGrp="1"/>
           </p:cNvSpPr>
@@ -2928,8 +5786,8 @@
         </p:nvSpPr>
         <p:spPr>
           <a:xfrm>
-            <a:off x="4038600" y="6356350"/>
-            <a:ext cx="4114800" cy="365125"/>
+            <a:off x="1141412" y="5883275"/>
+            <a:ext cx="7543800" cy="365125"/>
           </a:xfrm>
           <a:prstGeom prst="rect">
             <a:avLst/>
@@ -2938,13 +5796,21 @@
         <p:txBody>
           <a:bodyPr vert="horz" lIns="91440" tIns="45720" rIns="91440" bIns="45720" rtlCol="0" anchor="ctr"/>
           <a:lstStyle>
-            <a:lvl1pPr algn="ctr">
-              <a:defRPr sz="1200">
+            <a:lvl1pPr algn="l">
+              <a:defRPr sz="900" b="1" i="0">
                 <a:solidFill>
                   <a:schemeClr val="tx1">
-                    <a:tint val="75000"/>
+                    <a:lumMod val="75000"/>
                   </a:schemeClr>
                 </a:solidFill>
+                <a:effectLst>
+                  <a:outerShdw blurRad="50800" dist="38100" dir="2700000" algn="tl" rotWithShape="0">
+                    <a:srgbClr val="000000">
+                      <a:alpha val="43000"/>
+                    </a:srgbClr>
+                  </a:outerShdw>
+                </a:effectLst>
+                <a:latin typeface="+mn-lt"/>
               </a:defRPr>
             </a:lvl1pPr>
           </a:lstStyle>
@@ -2955,13 +5821,7 @@
       </p:sp>
       <p:sp>
         <p:nvSpPr>
-          <p:cNvPr id="6" name="Slide Number Placeholder 5">
-            <a:extLst>
-              <a:ext uri="{FF2B5EF4-FFF2-40B4-BE49-F238E27FC236}">
-                <a16:creationId xmlns:a16="http://schemas.microsoft.com/office/drawing/2014/main" id="{14C68C65-0EA3-484D-AAB6-17C0517FA9F9}"/>
-              </a:ext>
-            </a:extLst>
-          </p:cNvPr>
+          <p:cNvPr id="6" name="Slide Number Placeholder 5"/>
           <p:cNvSpPr>
             <a:spLocks noGrp="1"/>
           </p:cNvSpPr>
@@ -2971,8 +5831,8 @@
         </p:nvSpPr>
         <p:spPr>
           <a:xfrm>
-            <a:off x="8610600" y="6356350"/>
-            <a:ext cx="2743200" cy="365125"/>
+            <a:off x="10514012" y="5883275"/>
+            <a:ext cx="551167" cy="365125"/>
           </a:xfrm>
           <a:prstGeom prst="rect">
             <a:avLst/>
@@ -2982,12 +5842,20 @@
           <a:bodyPr vert="horz" lIns="91440" tIns="45720" rIns="91440" bIns="45720" rtlCol="0" anchor="ctr"/>
           <a:lstStyle>
             <a:lvl1pPr algn="r">
-              <a:defRPr sz="1200">
+              <a:defRPr sz="900" b="1" i="0">
                 <a:solidFill>
                   <a:schemeClr val="tx1">
-                    <a:tint val="75000"/>
+                    <a:lumMod val="75000"/>
                   </a:schemeClr>
                 </a:solidFill>
+                <a:effectLst>
+                  <a:outerShdw blurRad="50800" dist="38100" dir="2700000" algn="tl" rotWithShape="0">
+                    <a:srgbClr val="000000">
+                      <a:alpha val="43000"/>
+                    </a:srgbClr>
+                  </a:outerShdw>
+                </a:effectLst>
+                <a:latin typeface="+mn-lt"/>
               </a:defRPr>
             </a:lvl1pPr>
           </a:lstStyle>
@@ -3003,202 +5871,440 @@
     </p:spTree>
     <p:extLst>
       <p:ext uri="{BB962C8B-B14F-4D97-AF65-F5344CB8AC3E}">
-        <p14:creationId xmlns:p14="http://schemas.microsoft.com/office/powerpoint/2010/main" val="3475418123"/>
+        <p14:creationId xmlns:p14="http://schemas.microsoft.com/office/powerpoint/2010/main" val="4079550779"/>
       </p:ext>
     </p:extLst>
   </p:cSld>
-  <p:clrMap bg1="lt1" tx1="dk1" bg2="lt2" tx2="dk2" accent1="accent1" accent2="accent2" accent3="accent3" accent4="accent4" accent5="accent5" accent6="accent6" hlink="hlink" folHlink="folHlink"/>
+  <p:clrMap bg1="dk1" tx1="lt1" bg2="dk2" tx2="lt2" accent1="accent1" accent2="accent2" accent3="accent3" accent4="accent4" accent5="accent5" accent6="accent6" hlink="hlink" folHlink="folHlink"/>
   <p:sldLayoutIdLst>
-    <p:sldLayoutId id="2147483649" r:id="rId1"/>
-    <p:sldLayoutId id="2147483650" r:id="rId2"/>
-    <p:sldLayoutId id="2147483651" r:id="rId3"/>
-    <p:sldLayoutId id="2147483652" r:id="rId4"/>
-    <p:sldLayoutId id="2147483653" r:id="rId5"/>
-    <p:sldLayoutId id="2147483654" r:id="rId6"/>
-    <p:sldLayoutId id="2147483655" r:id="rId7"/>
-    <p:sldLayoutId id="2147483656" r:id="rId8"/>
-    <p:sldLayoutId id="2147483657" r:id="rId9"/>
-    <p:sldLayoutId id="2147483658" r:id="rId10"/>
-    <p:sldLayoutId id="2147483659" r:id="rId11"/>
+    <p:sldLayoutId id="2147483703" r:id="rId1"/>
+    <p:sldLayoutId id="2147483704" r:id="rId2"/>
+    <p:sldLayoutId id="2147483705" r:id="rId3"/>
+    <p:sldLayoutId id="2147483706" r:id="rId4"/>
+    <p:sldLayoutId id="2147483707" r:id="rId5"/>
+    <p:sldLayoutId id="2147483708" r:id="rId6"/>
+    <p:sldLayoutId id="2147483709" r:id="rId7"/>
+    <p:sldLayoutId id="2147483710" r:id="rId8"/>
+    <p:sldLayoutId id="2147483711" r:id="rId9"/>
+    <p:sldLayoutId id="2147483712" r:id="rId10"/>
+    <p:sldLayoutId id="2147483713" r:id="rId11"/>
+    <p:sldLayoutId id="2147483714" r:id="rId12"/>
+    <p:sldLayoutId id="2147483715" r:id="rId13"/>
+    <p:sldLayoutId id="2147483716" r:id="rId14"/>
+    <p:sldLayoutId id="2147483717" r:id="rId15"/>
+    <p:sldLayoutId id="2147483718" r:id="rId16"/>
+    <p:sldLayoutId id="2147483719" r:id="rId17"/>
   </p:sldLayoutIdLst>
   <p:txStyles>
     <p:titleStyle>
-      <a:lvl1pPr algn="l" defTabSz="914400" rtl="0" eaLnBrk="1" latinLnBrk="0" hangingPunct="1">
-        <a:lnSpc>
-          <a:spcPct val="90000"/>
-        </a:lnSpc>
+      <a:lvl1pPr algn="l" defTabSz="457200" rtl="0" eaLnBrk="1" latinLnBrk="0" hangingPunct="1">
         <a:spcBef>
           <a:spcPct val="0"/>
         </a:spcBef>
         <a:buNone/>
-        <a:defRPr sz="4400" kern="1200">
+        <a:defRPr sz="3200" kern="1200" cap="all">
+          <a:ln w="3175" cmpd="sng">
+            <a:noFill/>
+          </a:ln>
           <a:solidFill>
-            <a:schemeClr val="tx1"/>
+            <a:schemeClr val="accent1"/>
           </a:solidFill>
+          <a:effectLst>
+            <a:glow rad="38100">
+              <a:schemeClr val="bg1">
+                <a:lumMod val="65000"/>
+                <a:lumOff val="35000"/>
+                <a:alpha val="40000"/>
+              </a:schemeClr>
+            </a:glow>
+            <a:outerShdw blurRad="28575" dist="38100" dir="14040000" algn="tl" rotWithShape="0">
+              <a:srgbClr val="000000">
+                <a:alpha val="25000"/>
+              </a:srgbClr>
+            </a:outerShdw>
+          </a:effectLst>
           <a:latin typeface="+mj-lt"/>
           <a:ea typeface="+mj-ea"/>
           <a:cs typeface="+mj-cs"/>
         </a:defRPr>
       </a:lvl1pPr>
+      <a:lvl2pPr eaLnBrk="1" hangingPunct="1">
+        <a:defRPr>
+          <a:solidFill>
+            <a:schemeClr val="tx2"/>
+          </a:solidFill>
+        </a:defRPr>
+      </a:lvl2pPr>
+      <a:lvl3pPr eaLnBrk="1" hangingPunct="1">
+        <a:defRPr>
+          <a:solidFill>
+            <a:schemeClr val="tx2"/>
+          </a:solidFill>
+        </a:defRPr>
+      </a:lvl3pPr>
+      <a:lvl4pPr eaLnBrk="1" hangingPunct="1">
+        <a:defRPr>
+          <a:solidFill>
+            <a:schemeClr val="tx2"/>
+          </a:solidFill>
+        </a:defRPr>
+      </a:lvl4pPr>
+      <a:lvl5pPr eaLnBrk="1" hangingPunct="1">
+        <a:defRPr>
+          <a:solidFill>
+            <a:schemeClr val="tx2"/>
+          </a:solidFill>
+        </a:defRPr>
+      </a:lvl5pPr>
+      <a:lvl6pPr eaLnBrk="1" hangingPunct="1">
+        <a:defRPr>
+          <a:solidFill>
+            <a:schemeClr val="tx2"/>
+          </a:solidFill>
+        </a:defRPr>
+      </a:lvl6pPr>
+      <a:lvl7pPr eaLnBrk="1" hangingPunct="1">
+        <a:defRPr>
+          <a:solidFill>
+            <a:schemeClr val="tx2"/>
+          </a:solidFill>
+        </a:defRPr>
+      </a:lvl7pPr>
+      <a:lvl8pPr eaLnBrk="1" hangingPunct="1">
+        <a:defRPr>
+          <a:solidFill>
+            <a:schemeClr val="tx2"/>
+          </a:solidFill>
+        </a:defRPr>
+      </a:lvl8pPr>
+      <a:lvl9pPr eaLnBrk="1" hangingPunct="1">
+        <a:defRPr>
+          <a:solidFill>
+            <a:schemeClr val="tx2"/>
+          </a:solidFill>
+        </a:defRPr>
+      </a:lvl9pPr>
     </p:titleStyle>
     <p:bodyStyle>
-      <a:lvl1pPr marL="228600" indent="-228600" algn="l" defTabSz="914400" rtl="0" eaLnBrk="1" latinLnBrk="0" hangingPunct="1">
-        <a:lnSpc>
-          <a:spcPct val="90000"/>
-        </a:lnSpc>
+      <a:lvl1pPr marL="285750" indent="-285750" algn="l" defTabSz="457200" rtl="0" eaLnBrk="1" latinLnBrk="0" hangingPunct="1">
         <a:spcBef>
-          <a:spcPts val="1000"/>
+          <a:spcPct val="20000"/>
         </a:spcBef>
-        <a:buFont typeface="Arial" panose="020B0604020202020204" pitchFamily="34" charset="0"/>
+        <a:spcAft>
+          <a:spcPts val="600"/>
+        </a:spcAft>
+        <a:buClr>
+          <a:schemeClr val="accent1"/>
+        </a:buClr>
+        <a:buSzPct val="100000"/>
+        <a:buFont typeface="Arial"/>
         <a:buChar char="•"/>
-        <a:defRPr sz="2800" kern="1200">
+        <a:defRPr sz="2000" kern="1200" cap="small">
           <a:solidFill>
             <a:schemeClr val="tx1"/>
           </a:solidFill>
+          <a:effectLst>
+            <a:glow rad="38100">
+              <a:schemeClr val="bg1">
+                <a:lumMod val="50000"/>
+                <a:lumOff val="50000"/>
+                <a:alpha val="20000"/>
+              </a:schemeClr>
+            </a:glow>
+            <a:outerShdw blurRad="44450" dist="12700" dir="13860000" algn="tl" rotWithShape="0">
+              <a:srgbClr val="000000">
+                <a:alpha val="20000"/>
+              </a:srgbClr>
+            </a:outerShdw>
+          </a:effectLst>
           <a:latin typeface="+mn-lt"/>
           <a:ea typeface="+mn-ea"/>
           <a:cs typeface="+mn-cs"/>
         </a:defRPr>
       </a:lvl1pPr>
-      <a:lvl2pPr marL="685800" indent="-228600" algn="l" defTabSz="914400" rtl="0" eaLnBrk="1" latinLnBrk="0" hangingPunct="1">
-        <a:lnSpc>
-          <a:spcPct val="90000"/>
-        </a:lnSpc>
+      <a:lvl2pPr marL="742950" indent="-285750" algn="l" defTabSz="457200" rtl="0" eaLnBrk="1" latinLnBrk="0" hangingPunct="1">
         <a:spcBef>
-          <a:spcPts val="500"/>
+          <a:spcPct val="20000"/>
         </a:spcBef>
-        <a:buFont typeface="Arial" panose="020B0604020202020204" pitchFamily="34" charset="0"/>
+        <a:spcAft>
+          <a:spcPts val="600"/>
+        </a:spcAft>
+        <a:buClr>
+          <a:schemeClr val="accent1"/>
+        </a:buClr>
+        <a:buSzPct val="100000"/>
+        <a:buFont typeface="Arial"/>
         <a:buChar char="•"/>
-        <a:defRPr sz="2400" kern="1200">
+        <a:defRPr sz="1800" kern="1200" cap="small">
           <a:solidFill>
             <a:schemeClr val="tx1"/>
           </a:solidFill>
+          <a:effectLst>
+            <a:glow rad="38100">
+              <a:schemeClr val="bg1">
+                <a:lumMod val="50000"/>
+                <a:lumOff val="50000"/>
+                <a:alpha val="20000"/>
+              </a:schemeClr>
+            </a:glow>
+            <a:outerShdw blurRad="44450" dist="12700" dir="13860000" algn="tl" rotWithShape="0">
+              <a:srgbClr val="000000">
+                <a:alpha val="20000"/>
+              </a:srgbClr>
+            </a:outerShdw>
+          </a:effectLst>
           <a:latin typeface="+mn-lt"/>
           <a:ea typeface="+mn-ea"/>
           <a:cs typeface="+mn-cs"/>
         </a:defRPr>
       </a:lvl2pPr>
-      <a:lvl3pPr marL="1143000" indent="-228600" algn="l" defTabSz="914400" rtl="0" eaLnBrk="1" latinLnBrk="0" hangingPunct="1">
-        <a:lnSpc>
-          <a:spcPct val="90000"/>
-        </a:lnSpc>
+      <a:lvl3pPr marL="1200150" indent="-285750" algn="l" defTabSz="457200" rtl="0" eaLnBrk="1" latinLnBrk="0" hangingPunct="1">
         <a:spcBef>
-          <a:spcPts val="500"/>
+          <a:spcPct val="20000"/>
         </a:spcBef>
-        <a:buFont typeface="Arial" panose="020B0604020202020204" pitchFamily="34" charset="0"/>
+        <a:spcAft>
+          <a:spcPts val="600"/>
+        </a:spcAft>
+        <a:buClr>
+          <a:schemeClr val="accent1"/>
+        </a:buClr>
+        <a:buSzPct val="100000"/>
+        <a:buFont typeface="Arial"/>
         <a:buChar char="•"/>
-        <a:defRPr sz="2000" kern="1200">
+        <a:defRPr sz="1600" kern="1200" cap="small">
           <a:solidFill>
             <a:schemeClr val="tx1"/>
           </a:solidFill>
+          <a:effectLst>
+            <a:glow rad="38100">
+              <a:schemeClr val="bg1">
+                <a:lumMod val="50000"/>
+                <a:lumOff val="50000"/>
+                <a:alpha val="20000"/>
+              </a:schemeClr>
+            </a:glow>
+            <a:outerShdw blurRad="44450" dist="12700" dir="13860000" algn="tl" rotWithShape="0">
+              <a:srgbClr val="000000">
+                <a:alpha val="20000"/>
+              </a:srgbClr>
+            </a:outerShdw>
+          </a:effectLst>
           <a:latin typeface="+mn-lt"/>
           <a:ea typeface="+mn-ea"/>
           <a:cs typeface="+mn-cs"/>
         </a:defRPr>
       </a:lvl3pPr>
-      <a:lvl4pPr marL="1600200" indent="-228600" algn="l" defTabSz="914400" rtl="0" eaLnBrk="1" latinLnBrk="0" hangingPunct="1">
-        <a:lnSpc>
-          <a:spcPct val="90000"/>
-        </a:lnSpc>
+      <a:lvl4pPr marL="1543050" indent="-171450" algn="l" defTabSz="457200" rtl="0" eaLnBrk="1" latinLnBrk="0" hangingPunct="1">
         <a:spcBef>
-          <a:spcPts val="500"/>
+          <a:spcPct val="20000"/>
         </a:spcBef>
-        <a:buFont typeface="Arial" panose="020B0604020202020204" pitchFamily="34" charset="0"/>
+        <a:spcAft>
+          <a:spcPts val="600"/>
+        </a:spcAft>
+        <a:buClr>
+          <a:schemeClr val="accent1"/>
+        </a:buClr>
+        <a:buSzPct val="100000"/>
+        <a:buFont typeface="Arial"/>
         <a:buChar char="•"/>
-        <a:defRPr sz="1800" kern="1200">
+        <a:defRPr sz="1400" kern="1200" cap="small">
           <a:solidFill>
             <a:schemeClr val="tx1"/>
           </a:solidFill>
+          <a:effectLst>
+            <a:glow rad="38100">
+              <a:schemeClr val="bg1">
+                <a:lumMod val="50000"/>
+                <a:lumOff val="50000"/>
+                <a:alpha val="20000"/>
+              </a:schemeClr>
+            </a:glow>
+            <a:outerShdw blurRad="44450" dist="12700" dir="13860000" algn="tl" rotWithShape="0">
+              <a:srgbClr val="000000">
+                <a:alpha val="20000"/>
+              </a:srgbClr>
+            </a:outerShdw>
+          </a:effectLst>
           <a:latin typeface="+mn-lt"/>
           <a:ea typeface="+mn-ea"/>
           <a:cs typeface="+mn-cs"/>
         </a:defRPr>
       </a:lvl4pPr>
-      <a:lvl5pPr marL="2057400" indent="-228600" algn="l" defTabSz="914400" rtl="0" eaLnBrk="1" latinLnBrk="0" hangingPunct="1">
-        <a:lnSpc>
-          <a:spcPct val="90000"/>
-        </a:lnSpc>
+      <a:lvl5pPr marL="2000250" indent="-171450" algn="l" defTabSz="457200" rtl="0" eaLnBrk="1" latinLnBrk="0" hangingPunct="1">
         <a:spcBef>
-          <a:spcPts val="500"/>
+          <a:spcPct val="20000"/>
         </a:spcBef>
-        <a:buFont typeface="Arial" panose="020B0604020202020204" pitchFamily="34" charset="0"/>
+        <a:spcAft>
+          <a:spcPts val="600"/>
+        </a:spcAft>
+        <a:buClr>
+          <a:schemeClr val="accent1"/>
+        </a:buClr>
+        <a:buSzPct val="100000"/>
+        <a:buFont typeface="Arial"/>
         <a:buChar char="•"/>
-        <a:defRPr sz="1800" kern="1200">
+        <a:defRPr sz="1400" kern="1200" cap="small">
           <a:solidFill>
             <a:schemeClr val="tx1"/>
           </a:solidFill>
+          <a:effectLst>
+            <a:glow rad="38100">
+              <a:schemeClr val="bg1">
+                <a:lumMod val="50000"/>
+                <a:lumOff val="50000"/>
+                <a:alpha val="20000"/>
+              </a:schemeClr>
+            </a:glow>
+            <a:outerShdw blurRad="44450" dist="12700" dir="13860000" algn="tl" rotWithShape="0">
+              <a:srgbClr val="000000">
+                <a:alpha val="20000"/>
+              </a:srgbClr>
+            </a:outerShdw>
+          </a:effectLst>
           <a:latin typeface="+mn-lt"/>
           <a:ea typeface="+mn-ea"/>
           <a:cs typeface="+mn-cs"/>
         </a:defRPr>
       </a:lvl5pPr>
-      <a:lvl6pPr marL="2514600" indent="-228600" algn="l" defTabSz="914400" rtl="0" eaLnBrk="1" latinLnBrk="0" hangingPunct="1">
-        <a:lnSpc>
-          <a:spcPct val="90000"/>
-        </a:lnSpc>
+      <a:lvl6pPr marL="2514600" indent="-228600" algn="l" defTabSz="457200" rtl="0" eaLnBrk="1" latinLnBrk="0" hangingPunct="1">
         <a:spcBef>
-          <a:spcPts val="500"/>
+          <a:spcPct val="20000"/>
         </a:spcBef>
-        <a:buFont typeface="Arial" panose="020B0604020202020204" pitchFamily="34" charset="0"/>
+        <a:spcAft>
+          <a:spcPts val="600"/>
+        </a:spcAft>
+        <a:buClr>
+          <a:schemeClr val="accent1"/>
+        </a:buClr>
+        <a:buSzPct val="100000"/>
+        <a:buFont typeface="Arial"/>
         <a:buChar char="•"/>
-        <a:defRPr sz="1800" kern="1200">
+        <a:defRPr sz="1200" kern="1200" cap="small">
           <a:solidFill>
             <a:schemeClr val="tx1"/>
           </a:solidFill>
+          <a:effectLst>
+            <a:glow rad="38100">
+              <a:schemeClr val="bg1">
+                <a:lumMod val="50000"/>
+                <a:lumOff val="50000"/>
+                <a:alpha val="20000"/>
+              </a:schemeClr>
+            </a:glow>
+            <a:outerShdw blurRad="44450" dist="12700" dir="13860000" algn="tl" rotWithShape="0">
+              <a:srgbClr val="000000">
+                <a:alpha val="20000"/>
+              </a:srgbClr>
+            </a:outerShdw>
+          </a:effectLst>
           <a:latin typeface="+mn-lt"/>
           <a:ea typeface="+mn-ea"/>
           <a:cs typeface="+mn-cs"/>
         </a:defRPr>
       </a:lvl6pPr>
-      <a:lvl7pPr marL="2971800" indent="-228600" algn="l" defTabSz="914400" rtl="0" eaLnBrk="1" latinLnBrk="0" hangingPunct="1">
-        <a:lnSpc>
-          <a:spcPct val="90000"/>
-        </a:lnSpc>
+      <a:lvl7pPr marL="2971800" indent="-228600" algn="l" defTabSz="457200" rtl="0" eaLnBrk="1" latinLnBrk="0" hangingPunct="1">
         <a:spcBef>
-          <a:spcPts val="500"/>
+          <a:spcPct val="20000"/>
         </a:spcBef>
-        <a:buFont typeface="Arial" panose="020B0604020202020204" pitchFamily="34" charset="0"/>
+        <a:spcAft>
+          <a:spcPts val="600"/>
+        </a:spcAft>
+        <a:buClr>
+          <a:schemeClr val="accent1"/>
+        </a:buClr>
+        <a:buSzPct val="100000"/>
+        <a:buFont typeface="Arial"/>
         <a:buChar char="•"/>
-        <a:defRPr sz="1800" kern="1200">
+        <a:defRPr sz="1200" kern="1200" cap="small">
           <a:solidFill>
             <a:schemeClr val="tx1"/>
           </a:solidFill>
+          <a:effectLst>
+            <a:glow rad="38100">
+              <a:schemeClr val="bg1">
+                <a:lumMod val="50000"/>
+                <a:lumOff val="50000"/>
+                <a:alpha val="20000"/>
+              </a:schemeClr>
+            </a:glow>
+            <a:outerShdw blurRad="44450" dist="12700" dir="13860000" algn="tl" rotWithShape="0">
+              <a:srgbClr val="000000">
+                <a:alpha val="20000"/>
+              </a:srgbClr>
+            </a:outerShdw>
+          </a:effectLst>
           <a:latin typeface="+mn-lt"/>
           <a:ea typeface="+mn-ea"/>
           <a:cs typeface="+mn-cs"/>
         </a:defRPr>
       </a:lvl7pPr>
-      <a:lvl8pPr marL="3429000" indent="-228600" algn="l" defTabSz="914400" rtl="0" eaLnBrk="1" latinLnBrk="0" hangingPunct="1">
-        <a:lnSpc>
-          <a:spcPct val="90000"/>
-        </a:lnSpc>
+      <a:lvl8pPr marL="3429000" indent="-228600" algn="l" defTabSz="457200" rtl="0" eaLnBrk="1" latinLnBrk="0" hangingPunct="1">
         <a:spcBef>
-          <a:spcPts val="500"/>
+          <a:spcPct val="20000"/>
         </a:spcBef>
-        <a:buFont typeface="Arial" panose="020B0604020202020204" pitchFamily="34" charset="0"/>
+        <a:spcAft>
+          <a:spcPts val="600"/>
+        </a:spcAft>
+        <a:buClr>
+          <a:schemeClr val="accent1"/>
+        </a:buClr>
+        <a:buSzPct val="100000"/>
+        <a:buFont typeface="Arial"/>
         <a:buChar char="•"/>
-        <a:defRPr sz="1800" kern="1200">
+        <a:defRPr sz="1200" kern="1200" cap="small">
           <a:solidFill>
             <a:schemeClr val="tx1"/>
           </a:solidFill>
+          <a:effectLst>
+            <a:glow rad="38100">
+              <a:schemeClr val="bg1">
+                <a:lumMod val="50000"/>
+                <a:lumOff val="50000"/>
+                <a:alpha val="20000"/>
+              </a:schemeClr>
+            </a:glow>
+            <a:outerShdw blurRad="44450" dist="12700" dir="13860000" algn="tl" rotWithShape="0">
+              <a:srgbClr val="000000">
+                <a:alpha val="20000"/>
+              </a:srgbClr>
+            </a:outerShdw>
+          </a:effectLst>
           <a:latin typeface="+mn-lt"/>
           <a:ea typeface="+mn-ea"/>
           <a:cs typeface="+mn-cs"/>
         </a:defRPr>
       </a:lvl8pPr>
-      <a:lvl9pPr marL="3886200" indent="-228600" algn="l" defTabSz="914400" rtl="0" eaLnBrk="1" latinLnBrk="0" hangingPunct="1">
-        <a:lnSpc>
-          <a:spcPct val="90000"/>
-        </a:lnSpc>
+      <a:lvl9pPr marL="3886200" indent="-228600" algn="l" defTabSz="457200" rtl="0" eaLnBrk="1" latinLnBrk="0" hangingPunct="1">
         <a:spcBef>
-          <a:spcPts val="500"/>
+          <a:spcPct val="20000"/>
         </a:spcBef>
-        <a:buFont typeface="Arial" panose="020B0604020202020204" pitchFamily="34" charset="0"/>
+        <a:spcAft>
+          <a:spcPts val="600"/>
+        </a:spcAft>
+        <a:buClr>
+          <a:schemeClr val="accent1"/>
+        </a:buClr>
+        <a:buSzPct val="100000"/>
+        <a:buFont typeface="Arial"/>
         <a:buChar char="•"/>
-        <a:defRPr sz="1800" kern="1200">
+        <a:defRPr sz="1200" kern="1200" cap="small">
           <a:solidFill>
             <a:schemeClr val="tx1"/>
           </a:solidFill>
+          <a:effectLst>
+            <a:glow rad="38100">
+              <a:schemeClr val="bg1">
+                <a:lumMod val="50000"/>
+                <a:lumOff val="50000"/>
+                <a:alpha val="20000"/>
+              </a:schemeClr>
+            </a:glow>
+            <a:outerShdw blurRad="44450" dist="12700" dir="13860000" algn="tl" rotWithShape="0">
+              <a:srgbClr val="000000">
+                <a:alpha val="20000"/>
+              </a:srgbClr>
+            </a:outerShdw>
+          </a:effectLst>
           <a:latin typeface="+mn-lt"/>
           <a:ea typeface="+mn-ea"/>
           <a:cs typeface="+mn-cs"/>
@@ -3209,7 +6315,7 @@
       <a:defPPr>
         <a:defRPr lang="en-US"/>
       </a:defPPr>
-      <a:lvl1pPr marL="0" algn="l" defTabSz="914400" rtl="0" eaLnBrk="1" latinLnBrk="0" hangingPunct="1">
+      <a:lvl1pPr marL="0" algn="l" defTabSz="457200" rtl="0" eaLnBrk="1" latinLnBrk="0" hangingPunct="1">
         <a:defRPr sz="1800" kern="1200">
           <a:solidFill>
             <a:schemeClr val="tx1"/>
@@ -3219,7 +6325,7 @@
           <a:cs typeface="+mn-cs"/>
         </a:defRPr>
       </a:lvl1pPr>
-      <a:lvl2pPr marL="457200" algn="l" defTabSz="914400" rtl="0" eaLnBrk="1" latinLnBrk="0" hangingPunct="1">
+      <a:lvl2pPr marL="457200" algn="l" defTabSz="457200" rtl="0" eaLnBrk="1" latinLnBrk="0" hangingPunct="1">
         <a:defRPr sz="1800" kern="1200">
           <a:solidFill>
             <a:schemeClr val="tx1"/>
@@ -3229,7 +6335,7 @@
           <a:cs typeface="+mn-cs"/>
         </a:defRPr>
       </a:lvl2pPr>
-      <a:lvl3pPr marL="914400" algn="l" defTabSz="914400" rtl="0" eaLnBrk="1" latinLnBrk="0" hangingPunct="1">
+      <a:lvl3pPr marL="914400" algn="l" defTabSz="457200" rtl="0" eaLnBrk="1" latinLnBrk="0" hangingPunct="1">
         <a:defRPr sz="1800" kern="1200">
           <a:solidFill>
             <a:schemeClr val="tx1"/>
@@ -3239,7 +6345,7 @@
           <a:cs typeface="+mn-cs"/>
         </a:defRPr>
       </a:lvl3pPr>
-      <a:lvl4pPr marL="1371600" algn="l" defTabSz="914400" rtl="0" eaLnBrk="1" latinLnBrk="0" hangingPunct="1">
+      <a:lvl4pPr marL="1371600" algn="l" defTabSz="457200" rtl="0" eaLnBrk="1" latinLnBrk="0" hangingPunct="1">
         <a:defRPr sz="1800" kern="1200">
           <a:solidFill>
             <a:schemeClr val="tx1"/>
@@ -3249,7 +6355,7 @@
           <a:cs typeface="+mn-cs"/>
         </a:defRPr>
       </a:lvl4pPr>
-      <a:lvl5pPr marL="1828800" algn="l" defTabSz="914400" rtl="0" eaLnBrk="1" latinLnBrk="0" hangingPunct="1">
+      <a:lvl5pPr marL="1828800" algn="l" defTabSz="457200" rtl="0" eaLnBrk="1" latinLnBrk="0" hangingPunct="1">
         <a:defRPr sz="1800" kern="1200">
           <a:solidFill>
             <a:schemeClr val="tx1"/>
@@ -3259,7 +6365,7 @@
           <a:cs typeface="+mn-cs"/>
         </a:defRPr>
       </a:lvl5pPr>
-      <a:lvl6pPr marL="2286000" algn="l" defTabSz="914400" rtl="0" eaLnBrk="1" latinLnBrk="0" hangingPunct="1">
+      <a:lvl6pPr marL="2286000" algn="l" defTabSz="457200" rtl="0" eaLnBrk="1" latinLnBrk="0" hangingPunct="1">
         <a:defRPr sz="1800" kern="1200">
           <a:solidFill>
             <a:schemeClr val="tx1"/>
@@ -3269,7 +6375,7 @@
           <a:cs typeface="+mn-cs"/>
         </a:defRPr>
       </a:lvl6pPr>
-      <a:lvl7pPr marL="2743200" algn="l" defTabSz="914400" rtl="0" eaLnBrk="1" latinLnBrk="0" hangingPunct="1">
+      <a:lvl7pPr marL="2743200" algn="l" defTabSz="457200" rtl="0" eaLnBrk="1" latinLnBrk="0" hangingPunct="1">
         <a:defRPr sz="1800" kern="1200">
           <a:solidFill>
             <a:schemeClr val="tx1"/>
@@ -3279,7 +6385,7 @@
           <a:cs typeface="+mn-cs"/>
         </a:defRPr>
       </a:lvl7pPr>
-      <a:lvl8pPr marL="3200400" algn="l" defTabSz="914400" rtl="0" eaLnBrk="1" latinLnBrk="0" hangingPunct="1">
+      <a:lvl8pPr marL="3200400" algn="l" defTabSz="457200" rtl="0" eaLnBrk="1" latinLnBrk="0" hangingPunct="1">
         <a:defRPr sz="1800" kern="1200">
           <a:solidFill>
             <a:schemeClr val="tx1"/>
@@ -3289,7 +6395,7 @@
           <a:cs typeface="+mn-cs"/>
         </a:defRPr>
       </a:lvl8pPr>
-      <a:lvl9pPr marL="3657600" algn="l" defTabSz="914400" rtl="0" eaLnBrk="1" latinLnBrk="0" hangingPunct="1">
+      <a:lvl9pPr marL="3657600" algn="l" defTabSz="457200" rtl="0" eaLnBrk="1" latinLnBrk="0" hangingPunct="1">
         <a:defRPr sz="1800" kern="1200">
           <a:solidFill>
             <a:schemeClr val="tx1"/>
@@ -3307,6 +6413,29 @@
 <file path=ppt/slides/slide1.xml><?xml version="1.0" encoding="utf-8"?>
 <p:sld xmlns:a="http://schemas.openxmlformats.org/drawingml/2006/main" xmlns:r="http://schemas.openxmlformats.org/officeDocument/2006/relationships" xmlns:p="http://schemas.openxmlformats.org/presentationml/2006/main">
   <p:cSld>
+    <p:bg>
+      <p:bgPr>
+        <a:blipFill rotWithShape="1">
+          <a:blip r:embed="rId2">
+            <a:duotone>
+              <a:schemeClr val="bg2">
+                <a:shade val="28000"/>
+                <a:satMod val="94000"/>
+                <a:lumMod val="20000"/>
+              </a:schemeClr>
+              <a:schemeClr val="bg2">
+                <a:tint val="94000"/>
+                <a:shade val="84000"/>
+                <a:satMod val="148000"/>
+                <a:lumMod val="114000"/>
+              </a:schemeClr>
+            </a:duotone>
+          </a:blip>
+          <a:stretch/>
+        </a:blipFill>
+        <a:effectLst/>
+      </p:bgPr>
+    </p:bg>
     <p:spTree>
       <p:nvGrpSpPr>
         <p:cNvPr id="1" name=""/>
@@ -3323,6 +6452,114 @@
       </p:grpSpPr>
       <p:sp>
         <p:nvSpPr>
+          <p:cNvPr id="8" name="Freeform: Shape 7">
+            <a:extLst>
+              <a:ext uri="{FF2B5EF4-FFF2-40B4-BE49-F238E27FC236}">
+                <a16:creationId xmlns:a16="http://schemas.microsoft.com/office/drawing/2014/main" id="{9A672405-5F81-4E97-B4FC-E7F2CC16FE7B}"/>
+              </a:ext>
+              <a:ext uri="{C183D7F6-B498-43B3-948B-1728B52AA6E4}">
+                <adec:decorative xmlns:adec="http://schemas.microsoft.com/office/drawing/2017/decorative" val="1"/>
+              </a:ext>
+            </a:extLst>
+          </p:cNvPr>
+          <p:cNvSpPr>
+            <a:spLocks noGrp="1" noRot="1" noChangeAspect="1" noMove="1" noResize="1" noEditPoints="1" noAdjustHandles="1" noChangeArrowheads="1" noChangeShapeType="1" noTextEdit="1"/>
+          </p:cNvSpPr>
+          <p:nvPr>
+            <p:extLst>
+              <p:ext uri="{386F3935-93C4-4BCD-93E2-E3B085C9AB24}">
+                <p16:designElem xmlns:p16="http://schemas.microsoft.com/office/powerpoint/2015/main" val="1"/>
+              </p:ext>
+            </p:extLst>
+          </p:nvPr>
+        </p:nvSpPr>
+        <p:spPr>
+          <a:xfrm>
+            <a:off x="0" y="0"/>
+            <a:ext cx="12191999" cy="6858000"/>
+          </a:xfrm>
+          <a:custGeom>
+            <a:avLst/>
+            <a:gdLst>
+              <a:gd name="connsiteX0" fmla="*/ 0 w 12191999"/>
+              <a:gd name="connsiteY0" fmla="*/ 0 h 6858000"/>
+              <a:gd name="connsiteX1" fmla="*/ 12191999 w 12191999"/>
+              <a:gd name="connsiteY1" fmla="*/ 0 h 6858000"/>
+              <a:gd name="connsiteX2" fmla="*/ 12191999 w 12191999"/>
+              <a:gd name="connsiteY2" fmla="*/ 6858000 h 6858000"/>
+              <a:gd name="connsiteX3" fmla="*/ 0 w 12191999"/>
+              <a:gd name="connsiteY3" fmla="*/ 6858000 h 6858000"/>
+            </a:gdLst>
+            <a:ahLst/>
+            <a:cxnLst>
+              <a:cxn ang="0">
+                <a:pos x="connsiteX0" y="connsiteY0"/>
+              </a:cxn>
+              <a:cxn ang="0">
+                <a:pos x="connsiteX1" y="connsiteY1"/>
+              </a:cxn>
+              <a:cxn ang="0">
+                <a:pos x="connsiteX2" y="connsiteY2"/>
+              </a:cxn>
+              <a:cxn ang="0">
+                <a:pos x="connsiteX3" y="connsiteY3"/>
+              </a:cxn>
+            </a:cxnLst>
+            <a:rect l="l" t="t" r="r" b="b"/>
+            <a:pathLst>
+              <a:path w="12191999" h="6858000">
+                <a:moveTo>
+                  <a:pt x="0" y="0"/>
+                </a:moveTo>
+                <a:lnTo>
+                  <a:pt x="12191999" y="0"/>
+                </a:lnTo>
+                <a:lnTo>
+                  <a:pt x="12191999" y="6858000"/>
+                </a:lnTo>
+                <a:lnTo>
+                  <a:pt x="0" y="6858000"/>
+                </a:lnTo>
+                <a:close/>
+              </a:path>
+            </a:pathLst>
+          </a:custGeom>
+          <a:solidFill>
+            <a:schemeClr val="bg2"/>
+          </a:solidFill>
+          <a:ln>
+            <a:noFill/>
+          </a:ln>
+        </p:spPr>
+        <p:style>
+          <a:lnRef idx="2">
+            <a:schemeClr val="accent1">
+              <a:shade val="50000"/>
+            </a:schemeClr>
+          </a:lnRef>
+          <a:fillRef idx="1">
+            <a:schemeClr val="accent1"/>
+          </a:fillRef>
+          <a:effectRef idx="0">
+            <a:schemeClr val="accent1"/>
+          </a:effectRef>
+          <a:fontRef idx="minor">
+            <a:schemeClr val="lt1"/>
+          </a:fontRef>
+        </p:style>
+        <p:txBody>
+          <a:bodyPr wrap="square" rtlCol="0" anchor="ctr">
+            <a:noAutofit/>
+          </a:bodyPr>
+          <a:lstStyle/>
+          <a:p>
+            <a:pPr algn="ctr"/>
+            <a:endParaRPr lang="en-US"/>
+          </a:p>
+        </p:txBody>
+      </p:sp>
+      <p:sp>
+        <p:nvSpPr>
           <p:cNvPr id="2" name="Title 1">
             <a:extLst>
               <a:ext uri="{FF2B5EF4-FFF2-40B4-BE49-F238E27FC236}">
@@ -3337,12 +6574,23 @@
             <p:ph type="ctrTitle"/>
           </p:nvPr>
         </p:nvSpPr>
-        <p:spPr/>
-        <p:txBody>
-          <a:bodyPr/>
-          <a:lstStyle/>
-          <a:p>
-            <a:endParaRPr lang="en-US"/>
+        <p:spPr>
+          <a:xfrm>
+            <a:off x="4996542" y="990601"/>
+            <a:ext cx="6054045" cy="2438399"/>
+          </a:xfrm>
+        </p:spPr>
+        <p:txBody>
+          <a:bodyPr anchor="ctr">
+            <a:normAutofit/>
+          </a:bodyPr>
+          <a:lstStyle/>
+          <a:p>
+            <a:pPr algn="l"/>
+            <a:r>
+              <a:rPr lang="en-US" dirty="0"/>
+              <a:t>Big 5 Stock Trends </a:t>
+            </a:r>
           </a:p>
         </p:txBody>
       </p:sp>
@@ -3362,12 +6610,116 @@
             <p:ph type="subTitle" idx="1"/>
           </p:nvPr>
         </p:nvSpPr>
-        <p:spPr/>
-        <p:txBody>
-          <a:bodyPr/>
-          <a:lstStyle/>
-          <a:p>
-            <a:endParaRPr lang="en-US"/>
+        <p:spPr>
+          <a:xfrm>
+            <a:off x="1141412" y="990600"/>
+            <a:ext cx="3191623" cy="4632960"/>
+          </a:xfrm>
+        </p:spPr>
+        <p:txBody>
+          <a:bodyPr anchor="ctr">
+            <a:normAutofit/>
+          </a:bodyPr>
+          <a:lstStyle/>
+          <a:p>
+            <a:r>
+              <a:rPr lang="en-US" dirty="0"/>
+              <a:t>By: Keyur Patil, Sydney Robertson, Katrina Smith, Scooter Smith, James Williams</a:t>
+            </a:r>
+          </a:p>
+        </p:txBody>
+      </p:sp>
+      <p:cxnSp>
+        <p:nvCxnSpPr>
+          <p:cNvPr id="10" name="Straight Connector 9">
+            <a:extLst>
+              <a:ext uri="{FF2B5EF4-FFF2-40B4-BE49-F238E27FC236}">
+                <a16:creationId xmlns:a16="http://schemas.microsoft.com/office/drawing/2014/main" id="{FC86C303-74D6-4DF3-9113-E0A374D7166D}"/>
+              </a:ext>
+              <a:ext uri="{C183D7F6-B498-43B3-948B-1728B52AA6E4}">
+                <adec:decorative xmlns:adec="http://schemas.microsoft.com/office/drawing/2017/decorative" val="1"/>
+              </a:ext>
+            </a:extLst>
+          </p:cNvPr>
+          <p:cNvCxnSpPr>
+            <a:cxnSpLocks noGrp="1" noRot="1" noChangeAspect="1" noMove="1" noResize="1" noEditPoints="1" noAdjustHandles="1" noChangeArrowheads="1" noChangeShapeType="1"/>
+          </p:cNvCxnSpPr>
+          <p:nvPr>
+            <p:extLst>
+              <p:ext uri="{386F3935-93C4-4BCD-93E2-E3B085C9AB24}">
+                <p16:designElem xmlns:p16="http://schemas.microsoft.com/office/powerpoint/2015/main" val="1"/>
+              </p:ext>
+            </p:extLst>
+          </p:nvPr>
+        </p:nvCxnSpPr>
+        <p:spPr>
+          <a:xfrm>
+            <a:off x="4654769" y="2057400"/>
+            <a:ext cx="0" cy="2743200"/>
+          </a:xfrm>
+          <a:prstGeom prst="line">
+            <a:avLst/>
+          </a:prstGeom>
+          <a:ln w="19050">
+            <a:solidFill>
+              <a:schemeClr val="accent1"/>
+            </a:solidFill>
+          </a:ln>
+          <a:effectLst>
+            <a:innerShdw blurRad="63500" dist="50800" dir="16200000">
+              <a:prstClr val="black">
+                <a:alpha val="50000"/>
+              </a:prstClr>
+            </a:innerShdw>
+          </a:effectLst>
+        </p:spPr>
+        <p:style>
+          <a:lnRef idx="1">
+            <a:schemeClr val="accent1"/>
+          </a:lnRef>
+          <a:fillRef idx="0">
+            <a:schemeClr val="accent1"/>
+          </a:fillRef>
+          <a:effectRef idx="0">
+            <a:schemeClr val="accent1"/>
+          </a:effectRef>
+          <a:fontRef idx="minor">
+            <a:schemeClr val="tx1"/>
+          </a:fontRef>
+        </p:style>
+      </p:cxnSp>
+      <p:sp>
+        <p:nvSpPr>
+          <p:cNvPr id="4" name="TextBox 3">
+            <a:extLst>
+              <a:ext uri="{FF2B5EF4-FFF2-40B4-BE49-F238E27FC236}">
+                <a16:creationId xmlns:a16="http://schemas.microsoft.com/office/drawing/2014/main" id="{7D9E10CD-2AF9-1943-9949-F54F18A72716}"/>
+              </a:ext>
+            </a:extLst>
+          </p:cNvPr>
+          <p:cNvSpPr txBox="1"/>
+          <p:nvPr/>
+        </p:nvSpPr>
+        <p:spPr>
+          <a:xfrm>
+            <a:off x="5178662" y="3244334"/>
+            <a:ext cx="2862246" cy="461665"/>
+          </a:xfrm>
+          <a:prstGeom prst="rect">
+            <a:avLst/>
+          </a:prstGeom>
+          <a:noFill/>
+        </p:spPr>
+        <p:txBody>
+          <a:bodyPr wrap="square" rtlCol="0">
+            <a:spAutoFit/>
+          </a:bodyPr>
+          <a:lstStyle/>
+          <a:p>
+            <a:r>
+              <a:rPr lang="en-US" sz="2400" dirty="0"/>
+              <a:t>From 2009-2019</a:t>
+            </a:r>
           </a:p>
         </p:txBody>
       </p:sp>
@@ -3384,7 +6736,1527 @@
 </p:sld>
 </file>
 
+<file path=ppt/slides/slide10.xml><?xml version="1.0" encoding="utf-8"?>
+<p:sld xmlns:a="http://schemas.openxmlformats.org/drawingml/2006/main" xmlns:r="http://schemas.openxmlformats.org/officeDocument/2006/relationships" xmlns:p="http://schemas.openxmlformats.org/presentationml/2006/main">
+  <p:cSld>
+    <p:spTree>
+      <p:nvGrpSpPr>
+        <p:cNvPr id="1" name=""/>
+        <p:cNvGrpSpPr/>
+        <p:nvPr/>
+      </p:nvGrpSpPr>
+      <p:grpSpPr>
+        <a:xfrm>
+          <a:off x="0" y="0"/>
+          <a:ext cx="0" cy="0"/>
+          <a:chOff x="0" y="0"/>
+          <a:chExt cx="0" cy="0"/>
+        </a:xfrm>
+      </p:grpSpPr>
+      <p:sp>
+        <p:nvSpPr>
+          <p:cNvPr id="2" name="Title 1">
+            <a:extLst>
+              <a:ext uri="{FF2B5EF4-FFF2-40B4-BE49-F238E27FC236}">
+                <a16:creationId xmlns:a16="http://schemas.microsoft.com/office/drawing/2014/main" id="{950A8A23-C927-C843-8F9A-3940BA0D72B0}"/>
+              </a:ext>
+            </a:extLst>
+          </p:cNvPr>
+          <p:cNvSpPr>
+            <a:spLocks noGrp="1"/>
+          </p:cNvSpPr>
+          <p:nvPr>
+            <p:ph type="title"/>
+          </p:nvPr>
+        </p:nvSpPr>
+        <p:spPr/>
+        <p:txBody>
+          <a:bodyPr/>
+          <a:lstStyle/>
+          <a:p>
+            <a:r>
+              <a:rPr lang="en-US" dirty="0"/>
+              <a:t>Question six</a:t>
+            </a:r>
+          </a:p>
+        </p:txBody>
+      </p:sp>
+      <p:sp>
+        <p:nvSpPr>
+          <p:cNvPr id="3" name="Content Placeholder 2">
+            <a:extLst>
+              <a:ext uri="{FF2B5EF4-FFF2-40B4-BE49-F238E27FC236}">
+                <a16:creationId xmlns:a16="http://schemas.microsoft.com/office/drawing/2014/main" id="{7A4049A0-BE4E-1947-9D8C-F4B41DA5B5D5}"/>
+              </a:ext>
+            </a:extLst>
+          </p:cNvPr>
+          <p:cNvSpPr>
+            <a:spLocks noGrp="1"/>
+          </p:cNvSpPr>
+          <p:nvPr>
+            <p:ph idx="1"/>
+          </p:nvPr>
+        </p:nvSpPr>
+        <p:spPr/>
+        <p:txBody>
+          <a:bodyPr/>
+          <a:lstStyle/>
+          <a:p>
+            <a:endParaRPr lang="en-US"/>
+          </a:p>
+        </p:txBody>
+      </p:sp>
+    </p:spTree>
+    <p:extLst>
+      <p:ext uri="{BB962C8B-B14F-4D97-AF65-F5344CB8AC3E}">
+        <p14:creationId xmlns:p14="http://schemas.microsoft.com/office/powerpoint/2010/main" val="961321127"/>
+      </p:ext>
+    </p:extLst>
+  </p:cSld>
+  <p:clrMapOvr>
+    <a:masterClrMapping/>
+  </p:clrMapOvr>
+</p:sld>
+</file>
+
+<file path=ppt/slides/slide11.xml><?xml version="1.0" encoding="utf-8"?>
+<p:sld xmlns:a="http://schemas.openxmlformats.org/drawingml/2006/main" xmlns:r="http://schemas.openxmlformats.org/officeDocument/2006/relationships" xmlns:p="http://schemas.openxmlformats.org/presentationml/2006/main">
+  <p:cSld>
+    <p:spTree>
+      <p:nvGrpSpPr>
+        <p:cNvPr id="1" name=""/>
+        <p:cNvGrpSpPr/>
+        <p:nvPr/>
+      </p:nvGrpSpPr>
+      <p:grpSpPr>
+        <a:xfrm>
+          <a:off x="0" y="0"/>
+          <a:ext cx="0" cy="0"/>
+          <a:chOff x="0" y="0"/>
+          <a:chExt cx="0" cy="0"/>
+        </a:xfrm>
+      </p:grpSpPr>
+      <p:sp>
+        <p:nvSpPr>
+          <p:cNvPr id="2" name="Title 1">
+            <a:extLst>
+              <a:ext uri="{FF2B5EF4-FFF2-40B4-BE49-F238E27FC236}">
+                <a16:creationId xmlns:a16="http://schemas.microsoft.com/office/drawing/2014/main" id="{0B087FB6-F1D8-B042-A7DA-08969E640D81}"/>
+              </a:ext>
+            </a:extLst>
+          </p:cNvPr>
+          <p:cNvSpPr>
+            <a:spLocks noGrp="1"/>
+          </p:cNvSpPr>
+          <p:nvPr>
+            <p:ph type="title"/>
+          </p:nvPr>
+        </p:nvSpPr>
+        <p:spPr/>
+        <p:txBody>
+          <a:bodyPr/>
+          <a:lstStyle/>
+          <a:p>
+            <a:r>
+              <a:rPr lang="en-US" dirty="0"/>
+              <a:t>Analysis</a:t>
+            </a:r>
+          </a:p>
+        </p:txBody>
+      </p:sp>
+      <p:sp>
+        <p:nvSpPr>
+          <p:cNvPr id="3" name="Content Placeholder 2">
+            <a:extLst>
+              <a:ext uri="{FF2B5EF4-FFF2-40B4-BE49-F238E27FC236}">
+                <a16:creationId xmlns:a16="http://schemas.microsoft.com/office/drawing/2014/main" id="{23F58D2C-8044-6C44-9D8B-CE2164243318}"/>
+              </a:ext>
+            </a:extLst>
+          </p:cNvPr>
+          <p:cNvSpPr>
+            <a:spLocks noGrp="1"/>
+          </p:cNvSpPr>
+          <p:nvPr>
+            <p:ph idx="1"/>
+          </p:nvPr>
+        </p:nvSpPr>
+        <p:spPr/>
+        <p:txBody>
+          <a:bodyPr/>
+          <a:lstStyle/>
+          <a:p>
+            <a:endParaRPr lang="en-US"/>
+          </a:p>
+        </p:txBody>
+      </p:sp>
+    </p:spTree>
+    <p:extLst>
+      <p:ext uri="{BB962C8B-B14F-4D97-AF65-F5344CB8AC3E}">
+        <p14:creationId xmlns:p14="http://schemas.microsoft.com/office/powerpoint/2010/main" val="1865635521"/>
+      </p:ext>
+    </p:extLst>
+  </p:cSld>
+  <p:clrMapOvr>
+    <a:masterClrMapping/>
+  </p:clrMapOvr>
+</p:sld>
+</file>
+
+<file path=ppt/slides/slide12.xml><?xml version="1.0" encoding="utf-8"?>
+<p:sld xmlns:a="http://schemas.openxmlformats.org/drawingml/2006/main" xmlns:r="http://schemas.openxmlformats.org/officeDocument/2006/relationships" xmlns:p="http://schemas.openxmlformats.org/presentationml/2006/main">
+  <p:cSld>
+    <p:spTree>
+      <p:nvGrpSpPr>
+        <p:cNvPr id="1" name=""/>
+        <p:cNvGrpSpPr/>
+        <p:nvPr/>
+      </p:nvGrpSpPr>
+      <p:grpSpPr>
+        <a:xfrm>
+          <a:off x="0" y="0"/>
+          <a:ext cx="0" cy="0"/>
+          <a:chOff x="0" y="0"/>
+          <a:chExt cx="0" cy="0"/>
+        </a:xfrm>
+      </p:grpSpPr>
+      <p:sp>
+        <p:nvSpPr>
+          <p:cNvPr id="2" name="Title 1">
+            <a:extLst>
+              <a:ext uri="{FF2B5EF4-FFF2-40B4-BE49-F238E27FC236}">
+                <a16:creationId xmlns:a16="http://schemas.microsoft.com/office/drawing/2014/main" id="{F984F954-9292-DC4B-BBAA-A7E6CD4776E0}"/>
+              </a:ext>
+            </a:extLst>
+          </p:cNvPr>
+          <p:cNvSpPr>
+            <a:spLocks noGrp="1"/>
+          </p:cNvSpPr>
+          <p:nvPr>
+            <p:ph type="title"/>
+          </p:nvPr>
+        </p:nvSpPr>
+        <p:spPr/>
+        <p:txBody>
+          <a:bodyPr/>
+          <a:lstStyle/>
+          <a:p>
+            <a:r>
+              <a:rPr lang="en-US" dirty="0"/>
+              <a:t>Conclusions</a:t>
+            </a:r>
+          </a:p>
+        </p:txBody>
+      </p:sp>
+      <p:sp>
+        <p:nvSpPr>
+          <p:cNvPr id="3" name="Content Placeholder 2">
+            <a:extLst>
+              <a:ext uri="{FF2B5EF4-FFF2-40B4-BE49-F238E27FC236}">
+                <a16:creationId xmlns:a16="http://schemas.microsoft.com/office/drawing/2014/main" id="{4AE3F71E-EDB6-1D45-A458-EC6233CDA994}"/>
+              </a:ext>
+            </a:extLst>
+          </p:cNvPr>
+          <p:cNvSpPr>
+            <a:spLocks noGrp="1"/>
+          </p:cNvSpPr>
+          <p:nvPr>
+            <p:ph idx="1"/>
+          </p:nvPr>
+        </p:nvSpPr>
+        <p:spPr/>
+        <p:txBody>
+          <a:bodyPr/>
+          <a:lstStyle/>
+          <a:p>
+            <a:endParaRPr lang="en-US" dirty="0"/>
+          </a:p>
+        </p:txBody>
+      </p:sp>
+    </p:spTree>
+    <p:extLst>
+      <p:ext uri="{BB962C8B-B14F-4D97-AF65-F5344CB8AC3E}">
+        <p14:creationId xmlns:p14="http://schemas.microsoft.com/office/powerpoint/2010/main" val="2135623539"/>
+      </p:ext>
+    </p:extLst>
+  </p:cSld>
+  <p:clrMapOvr>
+    <a:masterClrMapping/>
+  </p:clrMapOvr>
+</p:sld>
+</file>
+
+<file path=ppt/slides/slide2.xml><?xml version="1.0" encoding="utf-8"?>
+<p:sld xmlns:a="http://schemas.openxmlformats.org/drawingml/2006/main" xmlns:r="http://schemas.openxmlformats.org/officeDocument/2006/relationships" xmlns:p="http://schemas.openxmlformats.org/presentationml/2006/main">
+  <p:cSld>
+    <p:spTree>
+      <p:nvGrpSpPr>
+        <p:cNvPr id="1" name=""/>
+        <p:cNvGrpSpPr/>
+        <p:nvPr/>
+      </p:nvGrpSpPr>
+      <p:grpSpPr>
+        <a:xfrm>
+          <a:off x="0" y="0"/>
+          <a:ext cx="0" cy="0"/>
+          <a:chOff x="0" y="0"/>
+          <a:chExt cx="0" cy="0"/>
+        </a:xfrm>
+      </p:grpSpPr>
+      <p:sp>
+        <p:nvSpPr>
+          <p:cNvPr id="2" name="Title 1">
+            <a:extLst>
+              <a:ext uri="{FF2B5EF4-FFF2-40B4-BE49-F238E27FC236}">
+                <a16:creationId xmlns:a16="http://schemas.microsoft.com/office/drawing/2014/main" id="{AD69021B-84BE-CB48-8985-077BBE56EDC7}"/>
+              </a:ext>
+            </a:extLst>
+          </p:cNvPr>
+          <p:cNvSpPr>
+            <a:spLocks noGrp="1"/>
+          </p:cNvSpPr>
+          <p:nvPr>
+            <p:ph type="title"/>
+          </p:nvPr>
+        </p:nvSpPr>
+        <p:spPr>
+          <a:xfrm>
+            <a:off x="1141413" y="609600"/>
+            <a:ext cx="2254930" cy="1524000"/>
+          </a:xfrm>
+        </p:spPr>
+        <p:txBody>
+          <a:bodyPr/>
+          <a:lstStyle/>
+          <a:p>
+            <a:r>
+              <a:rPr lang="en-US" dirty="0"/>
+              <a:t>The Big 5:</a:t>
+            </a:r>
+          </a:p>
+        </p:txBody>
+      </p:sp>
+      <p:sp>
+        <p:nvSpPr>
+          <p:cNvPr id="3" name="Content Placeholder 2">
+            <a:extLst>
+              <a:ext uri="{FF2B5EF4-FFF2-40B4-BE49-F238E27FC236}">
+                <a16:creationId xmlns:a16="http://schemas.microsoft.com/office/drawing/2014/main" id="{E506A1ED-CD11-2A4F-9845-F416B73657AC}"/>
+              </a:ext>
+            </a:extLst>
+          </p:cNvPr>
+          <p:cNvSpPr>
+            <a:spLocks noGrp="1"/>
+          </p:cNvSpPr>
+          <p:nvPr>
+            <p:ph sz="half" idx="1"/>
+          </p:nvPr>
+        </p:nvSpPr>
+        <p:spPr>
+          <a:xfrm>
+            <a:off x="957943" y="2133600"/>
+            <a:ext cx="4876800" cy="3124201"/>
+          </a:xfrm>
+        </p:spPr>
+        <p:txBody>
+          <a:bodyPr>
+            <a:normAutofit fontScale="92500"/>
+          </a:bodyPr>
+          <a:lstStyle/>
+          <a:p>
+            <a:r>
+              <a:rPr lang="en-US" sz="2400" dirty="0"/>
+              <a:t>Apple (APPL)</a:t>
+            </a:r>
+          </a:p>
+          <a:p>
+            <a:r>
+              <a:rPr lang="en-US" sz="2400" dirty="0"/>
+              <a:t>Google (GOOGL)</a:t>
+            </a:r>
+          </a:p>
+          <a:p>
+            <a:r>
+              <a:rPr lang="en-US" sz="2400" dirty="0"/>
+              <a:t>Microsoft (MSFT)</a:t>
+            </a:r>
+          </a:p>
+          <a:p>
+            <a:r>
+              <a:rPr lang="en-US" sz="2400" dirty="0"/>
+              <a:t>Facebook (FB)</a:t>
+            </a:r>
+          </a:p>
+          <a:p>
+            <a:r>
+              <a:rPr lang="en-US" sz="2400" dirty="0"/>
+              <a:t>Amazon (</a:t>
+            </a:r>
+            <a:r>
+              <a:rPr lang="en-US" sz="2400" dirty="0">
+                <a:effectLst/>
+              </a:rPr>
+              <a:t>AMZN)</a:t>
+            </a:r>
+            <a:endParaRPr lang="en-US" sz="2400" dirty="0"/>
+          </a:p>
+          <a:p>
+            <a:pPr marL="0" indent="0">
+              <a:buNone/>
+            </a:pPr>
+            <a:endParaRPr lang="en-US" dirty="0"/>
+          </a:p>
+        </p:txBody>
+      </p:sp>
+      <p:sp>
+        <p:nvSpPr>
+          <p:cNvPr id="4" name="Content Placeholder 3">
+            <a:extLst>
+              <a:ext uri="{FF2B5EF4-FFF2-40B4-BE49-F238E27FC236}">
+                <a16:creationId xmlns:a16="http://schemas.microsoft.com/office/drawing/2014/main" id="{8295D2A8-FE75-0B40-8C8B-D6CF77F08406}"/>
+              </a:ext>
+            </a:extLst>
+          </p:cNvPr>
+          <p:cNvSpPr>
+            <a:spLocks noGrp="1"/>
+          </p:cNvSpPr>
+          <p:nvPr>
+            <p:ph sz="half" idx="2"/>
+          </p:nvPr>
+        </p:nvSpPr>
+        <p:spPr>
+          <a:xfrm>
+            <a:off x="6170612" y="2173513"/>
+            <a:ext cx="4876800" cy="3124200"/>
+          </a:xfrm>
+        </p:spPr>
+        <p:txBody>
+          <a:bodyPr>
+            <a:normAutofit fontScale="92500"/>
+          </a:bodyPr>
+          <a:lstStyle/>
+          <a:p>
+            <a:pPr>
+              <a:buFont typeface="Arial" panose="020B0604020202020204" pitchFamily="34" charset="0"/>
+              <a:buChar char="•"/>
+            </a:pPr>
+            <a:r>
+              <a:rPr lang="en-US" sz="2400" dirty="0"/>
+              <a:t>Review NASDAQ data for the big 5 from 2009-2019</a:t>
+            </a:r>
+          </a:p>
+          <a:p>
+            <a:pPr>
+              <a:buFont typeface="Arial" panose="020B0604020202020204" pitchFamily="34" charset="0"/>
+              <a:buChar char="•"/>
+            </a:pPr>
+            <a:r>
+              <a:rPr lang="en-US" sz="2400" dirty="0"/>
+              <a:t>Which stock is the best to invest in:</a:t>
+            </a:r>
+          </a:p>
+          <a:p>
+            <a:pPr lvl="1">
+              <a:buFont typeface="Arial" panose="020B0604020202020204" pitchFamily="34" charset="0"/>
+              <a:buChar char="•"/>
+            </a:pPr>
+            <a:r>
+              <a:rPr lang="en-US" sz="2400" dirty="0"/>
+              <a:t>Short term</a:t>
+            </a:r>
+          </a:p>
+          <a:p>
+            <a:pPr lvl="1">
+              <a:buFont typeface="Arial" panose="020B0604020202020204" pitchFamily="34" charset="0"/>
+              <a:buChar char="•"/>
+            </a:pPr>
+            <a:r>
+              <a:rPr lang="en-US" sz="2400" dirty="0"/>
+              <a:t>Long term</a:t>
+            </a:r>
+          </a:p>
+          <a:p>
+            <a:pPr>
+              <a:buFont typeface="Arial" panose="020B0604020202020204" pitchFamily="34" charset="0"/>
+              <a:buChar char="•"/>
+            </a:pPr>
+            <a:r>
+              <a:rPr lang="en-US" sz="2400" dirty="0"/>
+              <a:t>Compare &amp; contrast the big 5 with the Nasdaq as a whole</a:t>
+            </a:r>
+          </a:p>
+          <a:p>
+            <a:pPr marL="457200" lvl="1" indent="0">
+              <a:buNone/>
+            </a:pPr>
+            <a:endParaRPr lang="en-US" dirty="0"/>
+          </a:p>
+        </p:txBody>
+      </p:sp>
+      <p:sp>
+        <p:nvSpPr>
+          <p:cNvPr id="5" name="TextBox 4">
+            <a:extLst>
+              <a:ext uri="{FF2B5EF4-FFF2-40B4-BE49-F238E27FC236}">
+                <a16:creationId xmlns:a16="http://schemas.microsoft.com/office/drawing/2014/main" id="{63836454-9F84-4745-86A3-5D79240C7F0D}"/>
+              </a:ext>
+            </a:extLst>
+          </p:cNvPr>
+          <p:cNvSpPr txBox="1"/>
+          <p:nvPr/>
+        </p:nvSpPr>
+        <p:spPr>
+          <a:xfrm>
+            <a:off x="6170612" y="1001486"/>
+            <a:ext cx="3033485" cy="584775"/>
+          </a:xfrm>
+          <a:prstGeom prst="rect">
+            <a:avLst/>
+          </a:prstGeom>
+          <a:noFill/>
+        </p:spPr>
+        <p:txBody>
+          <a:bodyPr wrap="square" rtlCol="0">
+            <a:spAutoFit/>
+          </a:bodyPr>
+          <a:lstStyle/>
+          <a:p>
+            <a:r>
+              <a:rPr lang="en-US" sz="3200" dirty="0">
+                <a:solidFill>
+                  <a:schemeClr val="accent1"/>
+                </a:solidFill>
+                <a:latin typeface="+mj-lt"/>
+              </a:rPr>
+              <a:t>OVERVIEW</a:t>
+            </a:r>
+            <a:r>
+              <a:rPr lang="en-US" sz="3200" dirty="0">
+                <a:solidFill>
+                  <a:schemeClr val="accent1"/>
+                </a:solidFill>
+              </a:rPr>
+              <a:t>:</a:t>
+            </a:r>
+          </a:p>
+        </p:txBody>
+      </p:sp>
+    </p:spTree>
+    <p:extLst>
+      <p:ext uri="{BB962C8B-B14F-4D97-AF65-F5344CB8AC3E}">
+        <p14:creationId xmlns:p14="http://schemas.microsoft.com/office/powerpoint/2010/main" val="1771073998"/>
+      </p:ext>
+    </p:extLst>
+  </p:cSld>
+  <p:clrMapOvr>
+    <a:masterClrMapping/>
+  </p:clrMapOvr>
+</p:sld>
+</file>
+
+<file path=ppt/slides/slide3.xml><?xml version="1.0" encoding="utf-8"?>
+<p:sld xmlns:a="http://schemas.openxmlformats.org/drawingml/2006/main" xmlns:r="http://schemas.openxmlformats.org/officeDocument/2006/relationships" xmlns:p="http://schemas.openxmlformats.org/presentationml/2006/main">
+  <p:cSld>
+    <p:spTree>
+      <p:nvGrpSpPr>
+        <p:cNvPr id="1" name=""/>
+        <p:cNvGrpSpPr/>
+        <p:nvPr/>
+      </p:nvGrpSpPr>
+      <p:grpSpPr>
+        <a:xfrm>
+          <a:off x="0" y="0"/>
+          <a:ext cx="0" cy="0"/>
+          <a:chOff x="0" y="0"/>
+          <a:chExt cx="0" cy="0"/>
+        </a:xfrm>
+      </p:grpSpPr>
+      <p:sp>
+        <p:nvSpPr>
+          <p:cNvPr id="2" name="Title 1">
+            <a:extLst>
+              <a:ext uri="{FF2B5EF4-FFF2-40B4-BE49-F238E27FC236}">
+                <a16:creationId xmlns:a16="http://schemas.microsoft.com/office/drawing/2014/main" id="{7349D4DF-DF45-CD47-8645-C8E0A5490127}"/>
+              </a:ext>
+            </a:extLst>
+          </p:cNvPr>
+          <p:cNvSpPr>
+            <a:spLocks noGrp="1"/>
+          </p:cNvSpPr>
+          <p:nvPr>
+            <p:ph type="title"/>
+          </p:nvPr>
+        </p:nvSpPr>
+        <p:spPr>
+          <a:xfrm>
+            <a:off x="1141413" y="609600"/>
+            <a:ext cx="9905998" cy="943429"/>
+          </a:xfrm>
+        </p:spPr>
+        <p:txBody>
+          <a:bodyPr/>
+          <a:lstStyle/>
+          <a:p>
+            <a:r>
+              <a:rPr lang="en-US" dirty="0"/>
+              <a:t>Our Questions</a:t>
+            </a:r>
+          </a:p>
+        </p:txBody>
+      </p:sp>
+      <p:sp>
+        <p:nvSpPr>
+          <p:cNvPr id="3" name="Content Placeholder 2">
+            <a:extLst>
+              <a:ext uri="{FF2B5EF4-FFF2-40B4-BE49-F238E27FC236}">
+                <a16:creationId xmlns:a16="http://schemas.microsoft.com/office/drawing/2014/main" id="{11A74D07-82E0-3E45-92BC-D6550E4E0F8A}"/>
+              </a:ext>
+            </a:extLst>
+          </p:cNvPr>
+          <p:cNvSpPr>
+            <a:spLocks noGrp="1"/>
+          </p:cNvSpPr>
+          <p:nvPr>
+            <p:ph idx="1"/>
+          </p:nvPr>
+        </p:nvSpPr>
+        <p:spPr>
+          <a:xfrm>
+            <a:off x="743290" y="2351314"/>
+            <a:ext cx="10702244" cy="4383315"/>
+          </a:xfrm>
+        </p:spPr>
+        <p:txBody>
+          <a:bodyPr>
+            <a:normAutofit lnSpcReduction="10000"/>
+          </a:bodyPr>
+          <a:lstStyle/>
+          <a:p>
+            <a:pPr marL="342900" indent="-342900">
+              <a:buFont typeface="+mj-lt"/>
+              <a:buAutoNum type="arabicPeriod"/>
+            </a:pPr>
+            <a:r>
+              <a:rPr lang="en-US" sz="1800" dirty="0">
+                <a:effectLst/>
+              </a:rPr>
+              <a:t>trends over the last 10 years</a:t>
+            </a:r>
+          </a:p>
+          <a:p>
+            <a:pPr lvl="1"/>
+            <a:r>
+              <a:rPr lang="en-US" sz="1500" dirty="0">
+                <a:effectLst/>
+              </a:rPr>
+              <a:t>Which of the big 5 was the best investment over the last 10 years? </a:t>
+            </a:r>
+          </a:p>
+          <a:p>
+            <a:pPr lvl="1"/>
+            <a:r>
+              <a:rPr lang="en-US" sz="1500" dirty="0">
+                <a:effectLst/>
+              </a:rPr>
+              <a:t>Which of the big 5 was the worst investment over the last 10 years?</a:t>
+            </a:r>
+          </a:p>
+          <a:p>
+            <a:pPr lvl="1"/>
+            <a:r>
+              <a:rPr lang="en-US" sz="1500" dirty="0">
+                <a:effectLst/>
+              </a:rPr>
+              <a:t>Which of the big 5 was the Most consistent over the last 10 years?</a:t>
+            </a:r>
+          </a:p>
+          <a:p>
+            <a:pPr marL="342900" indent="-342900">
+              <a:buFont typeface="+mj-lt"/>
+              <a:buAutoNum type="arabicPeriod"/>
+            </a:pPr>
+            <a:r>
+              <a:rPr lang="en-US" sz="1800" dirty="0">
+                <a:effectLst/>
+              </a:rPr>
+              <a:t>Are there yearly events that contribute to stock volatility? </a:t>
+            </a:r>
+          </a:p>
+          <a:p>
+            <a:pPr lvl="1"/>
+            <a:r>
+              <a:rPr lang="en-US" sz="1700" dirty="0">
+                <a:effectLst/>
+              </a:rPr>
+              <a:t>Are these regularly reoccurring?</a:t>
+            </a:r>
+          </a:p>
+          <a:p>
+            <a:pPr marL="342900" indent="-342900">
+              <a:buFont typeface="+mj-lt"/>
+              <a:buAutoNum type="arabicPeriod"/>
+            </a:pPr>
+            <a:r>
+              <a:rPr lang="en-US" sz="1800" dirty="0">
+                <a:effectLst/>
+              </a:rPr>
+              <a:t>Are there general good times to buy and sell the big 5 throughout the calendar year?</a:t>
+            </a:r>
+          </a:p>
+          <a:p>
+            <a:pPr marL="342900" indent="-342900">
+              <a:buFont typeface="+mj-lt"/>
+              <a:buAutoNum type="arabicPeriod"/>
+            </a:pPr>
+            <a:r>
+              <a:rPr lang="en-US" sz="1800" dirty="0">
+                <a:effectLst/>
+              </a:rPr>
+              <a:t>Did the big 5 outperform or underperform the NASDAQ composite as a whole over the 10 year period?</a:t>
+            </a:r>
+          </a:p>
+          <a:p>
+            <a:pPr marL="342900" indent="-342900">
+              <a:buFont typeface="+mj-lt"/>
+              <a:buAutoNum type="arabicPeriod"/>
+            </a:pPr>
+            <a:r>
+              <a:rPr lang="en-US" sz="1800" dirty="0">
+                <a:effectLst/>
+              </a:rPr>
+              <a:t>Of all the shares bought in the big 5, who had the most shares bought over the last 10 years?</a:t>
+            </a:r>
+          </a:p>
+          <a:p>
+            <a:pPr marL="342900" indent="-342900">
+              <a:buFont typeface="+mj-lt"/>
+              <a:buAutoNum type="arabicPeriod"/>
+            </a:pPr>
+            <a:r>
+              <a:rPr lang="en-US" sz="1800" dirty="0">
+                <a:effectLst/>
+              </a:rPr>
+              <a:t>What are the closing prices for the big 5 going to be on Aug 31</a:t>
+            </a:r>
+            <a:r>
+              <a:rPr lang="en-US" sz="1800" baseline="30000" dirty="0">
+                <a:effectLst/>
+              </a:rPr>
+              <a:t>st</a:t>
+            </a:r>
+            <a:r>
+              <a:rPr lang="en-US" sz="1800" dirty="0">
+                <a:effectLst/>
+              </a:rPr>
+              <a:t> 2020?</a:t>
+            </a:r>
+          </a:p>
+          <a:p>
+            <a:pPr lvl="1"/>
+            <a:r>
+              <a:rPr lang="en-US" sz="1500" dirty="0">
+                <a:effectLst/>
+              </a:rPr>
+              <a:t> How does the prediction compare to the actual prices they were this year?</a:t>
+            </a:r>
+          </a:p>
+          <a:p>
+            <a:pPr lvl="1"/>
+            <a:endParaRPr lang="en-US" sz="1500" dirty="0">
+              <a:effectLst/>
+            </a:endParaRPr>
+          </a:p>
+          <a:p>
+            <a:pPr marL="0" indent="0">
+              <a:buNone/>
+            </a:pPr>
+            <a:endParaRPr lang="en-US" dirty="0">
+              <a:effectLst/>
+            </a:endParaRPr>
+          </a:p>
+          <a:p>
+            <a:endParaRPr lang="en-US" dirty="0">
+              <a:effectLst/>
+            </a:endParaRPr>
+          </a:p>
+          <a:p>
+            <a:endParaRPr lang="en-US" dirty="0">
+              <a:effectLst/>
+            </a:endParaRPr>
+          </a:p>
+          <a:p>
+            <a:endParaRPr lang="en-US" dirty="0"/>
+          </a:p>
+        </p:txBody>
+      </p:sp>
+    </p:spTree>
+    <p:extLst>
+      <p:ext uri="{BB962C8B-B14F-4D97-AF65-F5344CB8AC3E}">
+        <p14:creationId xmlns:p14="http://schemas.microsoft.com/office/powerpoint/2010/main" val="212139282"/>
+      </p:ext>
+    </p:extLst>
+  </p:cSld>
+  <p:clrMapOvr>
+    <a:masterClrMapping/>
+  </p:clrMapOvr>
+</p:sld>
+</file>
+
+<file path=ppt/slides/slide4.xml><?xml version="1.0" encoding="utf-8"?>
+<p:sld xmlns:a="http://schemas.openxmlformats.org/drawingml/2006/main" xmlns:r="http://schemas.openxmlformats.org/officeDocument/2006/relationships" xmlns:p="http://schemas.openxmlformats.org/presentationml/2006/main">
+  <p:cSld>
+    <p:spTree>
+      <p:nvGrpSpPr>
+        <p:cNvPr id="1" name=""/>
+        <p:cNvGrpSpPr/>
+        <p:nvPr/>
+      </p:nvGrpSpPr>
+      <p:grpSpPr>
+        <a:xfrm>
+          <a:off x="0" y="0"/>
+          <a:ext cx="0" cy="0"/>
+          <a:chOff x="0" y="0"/>
+          <a:chExt cx="0" cy="0"/>
+        </a:xfrm>
+      </p:grpSpPr>
+      <p:sp>
+        <p:nvSpPr>
+          <p:cNvPr id="2" name="Title 1">
+            <a:extLst>
+              <a:ext uri="{FF2B5EF4-FFF2-40B4-BE49-F238E27FC236}">
+                <a16:creationId xmlns:a16="http://schemas.microsoft.com/office/drawing/2014/main" id="{AE48AB02-4170-BC4A-9FD6-89A18D654188}"/>
+              </a:ext>
+            </a:extLst>
+          </p:cNvPr>
+          <p:cNvSpPr>
+            <a:spLocks noGrp="1"/>
+          </p:cNvSpPr>
+          <p:nvPr>
+            <p:ph type="title"/>
+          </p:nvPr>
+        </p:nvSpPr>
+        <p:spPr/>
+        <p:txBody>
+          <a:bodyPr/>
+          <a:lstStyle/>
+          <a:p>
+            <a:r>
+              <a:rPr lang="en-US" dirty="0"/>
+              <a:t>Cleaning the data</a:t>
+            </a:r>
+          </a:p>
+        </p:txBody>
+      </p:sp>
+      <p:sp>
+        <p:nvSpPr>
+          <p:cNvPr id="3" name="Content Placeholder 2">
+            <a:extLst>
+              <a:ext uri="{FF2B5EF4-FFF2-40B4-BE49-F238E27FC236}">
+                <a16:creationId xmlns:a16="http://schemas.microsoft.com/office/drawing/2014/main" id="{7AB575AC-6B73-7846-8C02-F2AE7F281B9D}"/>
+              </a:ext>
+            </a:extLst>
+          </p:cNvPr>
+          <p:cNvSpPr>
+            <a:spLocks noGrp="1"/>
+          </p:cNvSpPr>
+          <p:nvPr>
+            <p:ph idx="1"/>
+          </p:nvPr>
+        </p:nvSpPr>
+        <p:spPr/>
+        <p:txBody>
+          <a:bodyPr/>
+          <a:lstStyle/>
+          <a:p>
+            <a:pPr lvl="1"/>
+            <a:endParaRPr lang="en-US" dirty="0"/>
+          </a:p>
+        </p:txBody>
+      </p:sp>
+    </p:spTree>
+    <p:extLst>
+      <p:ext uri="{BB962C8B-B14F-4D97-AF65-F5344CB8AC3E}">
+        <p14:creationId xmlns:p14="http://schemas.microsoft.com/office/powerpoint/2010/main" val="3741234751"/>
+      </p:ext>
+    </p:extLst>
+  </p:cSld>
+  <p:clrMapOvr>
+    <a:masterClrMapping/>
+  </p:clrMapOvr>
+</p:sld>
+</file>
+
+<file path=ppt/slides/slide5.xml><?xml version="1.0" encoding="utf-8"?>
+<p:sld xmlns:a="http://schemas.openxmlformats.org/drawingml/2006/main" xmlns:r="http://schemas.openxmlformats.org/officeDocument/2006/relationships" xmlns:p="http://schemas.openxmlformats.org/presentationml/2006/main">
+  <p:cSld>
+    <p:spTree>
+      <p:nvGrpSpPr>
+        <p:cNvPr id="1" name=""/>
+        <p:cNvGrpSpPr/>
+        <p:nvPr/>
+      </p:nvGrpSpPr>
+      <p:grpSpPr>
+        <a:xfrm>
+          <a:off x="0" y="0"/>
+          <a:ext cx="0" cy="0"/>
+          <a:chOff x="0" y="0"/>
+          <a:chExt cx="0" cy="0"/>
+        </a:xfrm>
+      </p:grpSpPr>
+      <p:sp>
+        <p:nvSpPr>
+          <p:cNvPr id="2" name="Title 1">
+            <a:extLst>
+              <a:ext uri="{FF2B5EF4-FFF2-40B4-BE49-F238E27FC236}">
+                <a16:creationId xmlns:a16="http://schemas.microsoft.com/office/drawing/2014/main" id="{DC5E40B4-23D5-454A-B3A7-F68BE19215FB}"/>
+              </a:ext>
+            </a:extLst>
+          </p:cNvPr>
+          <p:cNvSpPr>
+            <a:spLocks noGrp="1"/>
+          </p:cNvSpPr>
+          <p:nvPr>
+            <p:ph type="title"/>
+          </p:nvPr>
+        </p:nvSpPr>
+        <p:spPr/>
+        <p:txBody>
+          <a:bodyPr/>
+          <a:lstStyle/>
+          <a:p>
+            <a:r>
+              <a:rPr lang="en-US" dirty="0"/>
+              <a:t>Question One</a:t>
+            </a:r>
+          </a:p>
+        </p:txBody>
+      </p:sp>
+      <p:sp>
+        <p:nvSpPr>
+          <p:cNvPr id="3" name="Content Placeholder 2">
+            <a:extLst>
+              <a:ext uri="{FF2B5EF4-FFF2-40B4-BE49-F238E27FC236}">
+                <a16:creationId xmlns:a16="http://schemas.microsoft.com/office/drawing/2014/main" id="{37641D94-ECB8-3449-89A2-E47206D2BFB6}"/>
+              </a:ext>
+            </a:extLst>
+          </p:cNvPr>
+          <p:cNvSpPr>
+            <a:spLocks noGrp="1"/>
+          </p:cNvSpPr>
+          <p:nvPr>
+            <p:ph idx="1"/>
+          </p:nvPr>
+        </p:nvSpPr>
+        <p:spPr/>
+        <p:txBody>
+          <a:bodyPr/>
+          <a:lstStyle/>
+          <a:p>
+            <a:endParaRPr lang="en-US"/>
+          </a:p>
+        </p:txBody>
+      </p:sp>
+    </p:spTree>
+    <p:extLst>
+      <p:ext uri="{BB962C8B-B14F-4D97-AF65-F5344CB8AC3E}">
+        <p14:creationId xmlns:p14="http://schemas.microsoft.com/office/powerpoint/2010/main" val="1786376015"/>
+      </p:ext>
+    </p:extLst>
+  </p:cSld>
+  <p:clrMapOvr>
+    <a:masterClrMapping/>
+  </p:clrMapOvr>
+</p:sld>
+</file>
+
+<file path=ppt/slides/slide6.xml><?xml version="1.0" encoding="utf-8"?>
+<p:sld xmlns:a="http://schemas.openxmlformats.org/drawingml/2006/main" xmlns:r="http://schemas.openxmlformats.org/officeDocument/2006/relationships" xmlns:p="http://schemas.openxmlformats.org/presentationml/2006/main">
+  <p:cSld>
+    <p:spTree>
+      <p:nvGrpSpPr>
+        <p:cNvPr id="1" name=""/>
+        <p:cNvGrpSpPr/>
+        <p:nvPr/>
+      </p:nvGrpSpPr>
+      <p:grpSpPr>
+        <a:xfrm>
+          <a:off x="0" y="0"/>
+          <a:ext cx="0" cy="0"/>
+          <a:chOff x="0" y="0"/>
+          <a:chExt cx="0" cy="0"/>
+        </a:xfrm>
+      </p:grpSpPr>
+      <p:sp>
+        <p:nvSpPr>
+          <p:cNvPr id="2" name="Title 1">
+            <a:extLst>
+              <a:ext uri="{FF2B5EF4-FFF2-40B4-BE49-F238E27FC236}">
+                <a16:creationId xmlns:a16="http://schemas.microsoft.com/office/drawing/2014/main" id="{4A242C12-3B21-B146-9E0B-F6C65F515235}"/>
+              </a:ext>
+            </a:extLst>
+          </p:cNvPr>
+          <p:cNvSpPr>
+            <a:spLocks noGrp="1"/>
+          </p:cNvSpPr>
+          <p:nvPr>
+            <p:ph type="title"/>
+          </p:nvPr>
+        </p:nvSpPr>
+        <p:spPr/>
+        <p:txBody>
+          <a:bodyPr/>
+          <a:lstStyle/>
+          <a:p>
+            <a:r>
+              <a:rPr lang="en-US" dirty="0"/>
+              <a:t>Question two</a:t>
+            </a:r>
+          </a:p>
+        </p:txBody>
+      </p:sp>
+      <p:sp>
+        <p:nvSpPr>
+          <p:cNvPr id="3" name="Content Placeholder 2">
+            <a:extLst>
+              <a:ext uri="{FF2B5EF4-FFF2-40B4-BE49-F238E27FC236}">
+                <a16:creationId xmlns:a16="http://schemas.microsoft.com/office/drawing/2014/main" id="{FF46F437-3B0B-7C4C-BA5C-CC4FD54319B7}"/>
+              </a:ext>
+            </a:extLst>
+          </p:cNvPr>
+          <p:cNvSpPr>
+            <a:spLocks noGrp="1"/>
+          </p:cNvSpPr>
+          <p:nvPr>
+            <p:ph idx="1"/>
+          </p:nvPr>
+        </p:nvSpPr>
+        <p:spPr/>
+        <p:txBody>
+          <a:bodyPr/>
+          <a:lstStyle/>
+          <a:p>
+            <a:endParaRPr lang="en-US"/>
+          </a:p>
+        </p:txBody>
+      </p:sp>
+    </p:spTree>
+    <p:extLst>
+      <p:ext uri="{BB962C8B-B14F-4D97-AF65-F5344CB8AC3E}">
+        <p14:creationId xmlns:p14="http://schemas.microsoft.com/office/powerpoint/2010/main" val="72044492"/>
+      </p:ext>
+    </p:extLst>
+  </p:cSld>
+  <p:clrMapOvr>
+    <a:masterClrMapping/>
+  </p:clrMapOvr>
+</p:sld>
+</file>
+
+<file path=ppt/slides/slide7.xml><?xml version="1.0" encoding="utf-8"?>
+<p:sld xmlns:a="http://schemas.openxmlformats.org/drawingml/2006/main" xmlns:r="http://schemas.openxmlformats.org/officeDocument/2006/relationships" xmlns:p="http://schemas.openxmlformats.org/presentationml/2006/main">
+  <p:cSld>
+    <p:spTree>
+      <p:nvGrpSpPr>
+        <p:cNvPr id="1" name=""/>
+        <p:cNvGrpSpPr/>
+        <p:nvPr/>
+      </p:nvGrpSpPr>
+      <p:grpSpPr>
+        <a:xfrm>
+          <a:off x="0" y="0"/>
+          <a:ext cx="0" cy="0"/>
+          <a:chOff x="0" y="0"/>
+          <a:chExt cx="0" cy="0"/>
+        </a:xfrm>
+      </p:grpSpPr>
+      <p:sp>
+        <p:nvSpPr>
+          <p:cNvPr id="2" name="Title 1">
+            <a:extLst>
+              <a:ext uri="{FF2B5EF4-FFF2-40B4-BE49-F238E27FC236}">
+                <a16:creationId xmlns:a16="http://schemas.microsoft.com/office/drawing/2014/main" id="{2D2138B0-5A47-9448-8B9A-E504D38F7278}"/>
+              </a:ext>
+            </a:extLst>
+          </p:cNvPr>
+          <p:cNvSpPr>
+            <a:spLocks noGrp="1"/>
+          </p:cNvSpPr>
+          <p:nvPr>
+            <p:ph type="title"/>
+          </p:nvPr>
+        </p:nvSpPr>
+        <p:spPr/>
+        <p:txBody>
+          <a:bodyPr/>
+          <a:lstStyle/>
+          <a:p>
+            <a:r>
+              <a:rPr lang="en-US" dirty="0"/>
+              <a:t>Question three</a:t>
+            </a:r>
+          </a:p>
+        </p:txBody>
+      </p:sp>
+      <p:sp>
+        <p:nvSpPr>
+          <p:cNvPr id="3" name="Content Placeholder 2">
+            <a:extLst>
+              <a:ext uri="{FF2B5EF4-FFF2-40B4-BE49-F238E27FC236}">
+                <a16:creationId xmlns:a16="http://schemas.microsoft.com/office/drawing/2014/main" id="{0B9AFAF9-666A-0E4B-87D0-A2AB2B725C54}"/>
+              </a:ext>
+            </a:extLst>
+          </p:cNvPr>
+          <p:cNvSpPr>
+            <a:spLocks noGrp="1"/>
+          </p:cNvSpPr>
+          <p:nvPr>
+            <p:ph idx="1"/>
+          </p:nvPr>
+        </p:nvSpPr>
+        <p:spPr/>
+        <p:txBody>
+          <a:bodyPr/>
+          <a:lstStyle/>
+          <a:p>
+            <a:endParaRPr lang="en-US"/>
+          </a:p>
+        </p:txBody>
+      </p:sp>
+    </p:spTree>
+    <p:extLst>
+      <p:ext uri="{BB962C8B-B14F-4D97-AF65-F5344CB8AC3E}">
+        <p14:creationId xmlns:p14="http://schemas.microsoft.com/office/powerpoint/2010/main" val="1024771790"/>
+      </p:ext>
+    </p:extLst>
+  </p:cSld>
+  <p:clrMapOvr>
+    <a:masterClrMapping/>
+  </p:clrMapOvr>
+</p:sld>
+</file>
+
+<file path=ppt/slides/slide8.xml><?xml version="1.0" encoding="utf-8"?>
+<p:sld xmlns:a="http://schemas.openxmlformats.org/drawingml/2006/main" xmlns:r="http://schemas.openxmlformats.org/officeDocument/2006/relationships" xmlns:p="http://schemas.openxmlformats.org/presentationml/2006/main">
+  <p:cSld>
+    <p:spTree>
+      <p:nvGrpSpPr>
+        <p:cNvPr id="1" name=""/>
+        <p:cNvGrpSpPr/>
+        <p:nvPr/>
+      </p:nvGrpSpPr>
+      <p:grpSpPr>
+        <a:xfrm>
+          <a:off x="0" y="0"/>
+          <a:ext cx="0" cy="0"/>
+          <a:chOff x="0" y="0"/>
+          <a:chExt cx="0" cy="0"/>
+        </a:xfrm>
+      </p:grpSpPr>
+      <p:sp>
+        <p:nvSpPr>
+          <p:cNvPr id="2" name="Title 1">
+            <a:extLst>
+              <a:ext uri="{FF2B5EF4-FFF2-40B4-BE49-F238E27FC236}">
+                <a16:creationId xmlns:a16="http://schemas.microsoft.com/office/drawing/2014/main" id="{230E2674-3D65-D848-BE7A-4B8C48FFEB04}"/>
+              </a:ext>
+            </a:extLst>
+          </p:cNvPr>
+          <p:cNvSpPr>
+            <a:spLocks noGrp="1"/>
+          </p:cNvSpPr>
+          <p:nvPr>
+            <p:ph type="title"/>
+          </p:nvPr>
+        </p:nvSpPr>
+        <p:spPr/>
+        <p:txBody>
+          <a:bodyPr/>
+          <a:lstStyle/>
+          <a:p>
+            <a:r>
+              <a:rPr lang="en-US" dirty="0"/>
+              <a:t>Question four</a:t>
+            </a:r>
+          </a:p>
+        </p:txBody>
+      </p:sp>
+      <p:sp>
+        <p:nvSpPr>
+          <p:cNvPr id="3" name="Content Placeholder 2">
+            <a:extLst>
+              <a:ext uri="{FF2B5EF4-FFF2-40B4-BE49-F238E27FC236}">
+                <a16:creationId xmlns:a16="http://schemas.microsoft.com/office/drawing/2014/main" id="{6975C132-844A-DA46-BDD6-A5725C4D8785}"/>
+              </a:ext>
+            </a:extLst>
+          </p:cNvPr>
+          <p:cNvSpPr>
+            <a:spLocks noGrp="1"/>
+          </p:cNvSpPr>
+          <p:nvPr>
+            <p:ph idx="1"/>
+          </p:nvPr>
+        </p:nvSpPr>
+        <p:spPr/>
+        <p:txBody>
+          <a:bodyPr/>
+          <a:lstStyle/>
+          <a:p>
+            <a:endParaRPr lang="en-US"/>
+          </a:p>
+        </p:txBody>
+      </p:sp>
+    </p:spTree>
+    <p:extLst>
+      <p:ext uri="{BB962C8B-B14F-4D97-AF65-F5344CB8AC3E}">
+        <p14:creationId xmlns:p14="http://schemas.microsoft.com/office/powerpoint/2010/main" val="267335466"/>
+      </p:ext>
+    </p:extLst>
+  </p:cSld>
+  <p:clrMapOvr>
+    <a:masterClrMapping/>
+  </p:clrMapOvr>
+</p:sld>
+</file>
+
+<file path=ppt/slides/slide9.xml><?xml version="1.0" encoding="utf-8"?>
+<p:sld xmlns:a="http://schemas.openxmlformats.org/drawingml/2006/main" xmlns:r="http://schemas.openxmlformats.org/officeDocument/2006/relationships" xmlns:p="http://schemas.openxmlformats.org/presentationml/2006/main">
+  <p:cSld>
+    <p:spTree>
+      <p:nvGrpSpPr>
+        <p:cNvPr id="1" name=""/>
+        <p:cNvGrpSpPr/>
+        <p:nvPr/>
+      </p:nvGrpSpPr>
+      <p:grpSpPr>
+        <a:xfrm>
+          <a:off x="0" y="0"/>
+          <a:ext cx="0" cy="0"/>
+          <a:chOff x="0" y="0"/>
+          <a:chExt cx="0" cy="0"/>
+        </a:xfrm>
+      </p:grpSpPr>
+      <p:sp>
+        <p:nvSpPr>
+          <p:cNvPr id="2" name="Title 1">
+            <a:extLst>
+              <a:ext uri="{FF2B5EF4-FFF2-40B4-BE49-F238E27FC236}">
+                <a16:creationId xmlns:a16="http://schemas.microsoft.com/office/drawing/2014/main" id="{0E6F4F1D-D8AD-7145-9B10-8B451E818CC5}"/>
+              </a:ext>
+            </a:extLst>
+          </p:cNvPr>
+          <p:cNvSpPr>
+            <a:spLocks noGrp="1"/>
+          </p:cNvSpPr>
+          <p:nvPr>
+            <p:ph type="title"/>
+          </p:nvPr>
+        </p:nvSpPr>
+        <p:spPr/>
+        <p:txBody>
+          <a:bodyPr/>
+          <a:lstStyle/>
+          <a:p>
+            <a:r>
+              <a:rPr lang="en-US" dirty="0"/>
+              <a:t>Question five</a:t>
+            </a:r>
+          </a:p>
+        </p:txBody>
+      </p:sp>
+      <p:sp>
+        <p:nvSpPr>
+          <p:cNvPr id="3" name="Content Placeholder 2">
+            <a:extLst>
+              <a:ext uri="{FF2B5EF4-FFF2-40B4-BE49-F238E27FC236}">
+                <a16:creationId xmlns:a16="http://schemas.microsoft.com/office/drawing/2014/main" id="{8EC8B87A-4771-0A4E-AC04-6FD4531CF440}"/>
+              </a:ext>
+            </a:extLst>
+          </p:cNvPr>
+          <p:cNvSpPr>
+            <a:spLocks noGrp="1"/>
+          </p:cNvSpPr>
+          <p:nvPr>
+            <p:ph idx="1"/>
+          </p:nvPr>
+        </p:nvSpPr>
+        <p:spPr/>
+        <p:txBody>
+          <a:bodyPr/>
+          <a:lstStyle/>
+          <a:p>
+            <a:endParaRPr lang="en-US"/>
+          </a:p>
+        </p:txBody>
+      </p:sp>
+    </p:spTree>
+    <p:extLst>
+      <p:ext uri="{BB962C8B-B14F-4D97-AF65-F5344CB8AC3E}">
+        <p14:creationId xmlns:p14="http://schemas.microsoft.com/office/powerpoint/2010/main" val="747034048"/>
+      </p:ext>
+    </p:extLst>
+  </p:cSld>
+  <p:clrMapOvr>
+    <a:masterClrMapping/>
+  </p:clrMapOvr>
+</p:sld>
+</file>
+
 <file path=ppt/theme/theme1.xml><?xml version="1.0" encoding="utf-8"?>
+<a:theme xmlns:a="http://schemas.openxmlformats.org/drawingml/2006/main" name="Mesh">
+  <a:themeElements>
+    <a:clrScheme name="Mesh">
+      <a:dk1>
+        <a:sysClr val="windowText" lastClr="000000"/>
+      </a:dk1>
+      <a:lt1>
+        <a:sysClr val="window" lastClr="FFFFFF"/>
+      </a:lt1>
+      <a:dk2>
+        <a:srgbClr val="363D46"/>
+      </a:dk2>
+      <a:lt2>
+        <a:srgbClr val="EBEBEB"/>
+      </a:lt2>
+      <a:accent1>
+        <a:srgbClr val="5AD0B8"/>
+      </a:accent1>
+      <a:accent2>
+        <a:srgbClr val="47BB7E"/>
+      </a:accent2>
+      <a:accent3>
+        <a:srgbClr val="96CD4B"/>
+      </a:accent3>
+      <a:accent4>
+        <a:srgbClr val="61C7DD"/>
+      </a:accent4>
+      <a:accent5>
+        <a:srgbClr val="2495CF"/>
+      </a:accent5>
+      <a:accent6>
+        <a:srgbClr val="5A74D1"/>
+      </a:accent6>
+      <a:hlink>
+        <a:srgbClr val="72CEBB"/>
+      </a:hlink>
+      <a:folHlink>
+        <a:srgbClr val="98E6D6"/>
+      </a:folHlink>
+    </a:clrScheme>
+    <a:fontScheme name="Mesh">
+      <a:majorFont>
+        <a:latin typeface="Century Gothic" panose="020B0502020202020204"/>
+        <a:ea typeface=""/>
+        <a:cs typeface=""/>
+        <a:font script="Jpan" typeface="ＭＳ ゴシック"/>
+        <a:font script="Hang" typeface="맑은 고딕"/>
+        <a:font script="Hans" typeface="宋体"/>
+        <a:font script="Hant" typeface="新細明體"/>
+        <a:font script="Arab" typeface="Tahoma"/>
+        <a:font script="Hebr" typeface="Gisha"/>
+        <a:font script="Thai" typeface="DilleniaUPC"/>
+        <a:font script="Ethi" typeface="Nyala"/>
+        <a:font script="Beng" typeface="Vrinda"/>
+        <a:font script="Gujr" typeface="Shruti"/>
+        <a:font script="Khmr" typeface="DaunPenh"/>
+        <a:font script="Knda" typeface="Tunga"/>
+        <a:font script="Guru" typeface="Raavi"/>
+        <a:font script="Cans" typeface="Euphemia"/>
+        <a:font script="Cher" typeface="Plantagenet Cherokee"/>
+        <a:font script="Yiii" typeface="Microsoft Yi Baiti"/>
+        <a:font script="Tibt" typeface="Microsoft Himalaya"/>
+        <a:font script="Thaa" typeface="MV Boli"/>
+        <a:font script="Deva" typeface="Mangal"/>
+        <a:font script="Telu" typeface="Gautami"/>
+        <a:font script="Taml" typeface="Latha"/>
+        <a:font script="Syrc" typeface="Estrangelo Edessa"/>
+        <a:font script="Orya" typeface="Kalinga"/>
+        <a:font script="Mlym" typeface="Kartika"/>
+        <a:font script="Laoo" typeface="DokChampa"/>
+        <a:font script="Sinh" typeface="Iskoola Pota"/>
+        <a:font script="Mong" typeface="Mongolian Baiti"/>
+        <a:font script="Viet" typeface="Tahoma"/>
+        <a:font script="Uigh" typeface="Microsoft Uighur"/>
+        <a:font script="Geor" typeface="Sylfaen"/>
+      </a:majorFont>
+      <a:minorFont>
+        <a:latin typeface="Century Gothic" panose="020B0502020202020204"/>
+        <a:ea typeface=""/>
+        <a:cs typeface=""/>
+        <a:font script="Jpan" typeface="ＭＳ ゴシック"/>
+        <a:font script="Hang" typeface="맑은 고딕"/>
+        <a:font script="Hans" typeface="宋体"/>
+        <a:font script="Hant" typeface="新細明體"/>
+        <a:font script="Arab" typeface="Tahoma"/>
+        <a:font script="Hebr" typeface="Gisha"/>
+        <a:font script="Thai" typeface="DilleniaUPC"/>
+        <a:font script="Ethi" typeface="Nyala"/>
+        <a:font script="Beng" typeface="Vrinda"/>
+        <a:font script="Gujr" typeface="Shruti"/>
+        <a:font script="Khmr" typeface="DaunPenh"/>
+        <a:font script="Knda" typeface="Tunga"/>
+        <a:font script="Guru" typeface="Raavi"/>
+        <a:font script="Cans" typeface="Euphemia"/>
+        <a:font script="Cher" typeface="Plantagenet Cherokee"/>
+        <a:font script="Yiii" typeface="Microsoft Yi Baiti"/>
+        <a:font script="Tibt" typeface="Microsoft Himalaya"/>
+        <a:font script="Thaa" typeface="MV Boli"/>
+        <a:font script="Deva" typeface="Mangal"/>
+        <a:font script="Telu" typeface="Gautami"/>
+        <a:font script="Taml" typeface="Latha"/>
+        <a:font script="Syrc" typeface="Estrangelo Edessa"/>
+        <a:font script="Orya" typeface="Kalinga"/>
+        <a:font script="Mlym" typeface="Kartika"/>
+        <a:font script="Laoo" typeface="DokChampa"/>
+        <a:font script="Sinh" typeface="Iskoola Pota"/>
+        <a:font script="Mong" typeface="Mongolian Baiti"/>
+        <a:font script="Viet" typeface="Verdana"/>
+        <a:font script="Uigh" typeface="Microsoft Uighur"/>
+        <a:font script="Geor" typeface="Sylfaen"/>
+      </a:minorFont>
+    </a:fontScheme>
+    <a:fmtScheme name="Mesh">
+      <a:fillStyleLst>
+        <a:solidFill>
+          <a:schemeClr val="phClr"/>
+        </a:solidFill>
+        <a:gradFill rotWithShape="1">
+          <a:gsLst>
+            <a:gs pos="0">
+              <a:schemeClr val="phClr">
+                <a:tint val="60000"/>
+                <a:lumMod val="110000"/>
+              </a:schemeClr>
+            </a:gs>
+            <a:gs pos="100000">
+              <a:schemeClr val="phClr">
+                <a:tint val="82000"/>
+              </a:schemeClr>
+            </a:gs>
+          </a:gsLst>
+          <a:lin ang="5400000" scaled="0"/>
+        </a:gradFill>
+        <a:gradFill rotWithShape="1">
+          <a:gsLst>
+            <a:gs pos="0">
+              <a:schemeClr val="phClr">
+                <a:tint val="96000"/>
+                <a:lumMod val="104000"/>
+              </a:schemeClr>
+            </a:gs>
+            <a:gs pos="100000">
+              <a:schemeClr val="phClr">
+                <a:shade val="84000"/>
+                <a:lumMod val="84000"/>
+              </a:schemeClr>
+            </a:gs>
+          </a:gsLst>
+          <a:lin ang="5400000" scaled="0"/>
+        </a:gradFill>
+      </a:fillStyleLst>
+      <a:lnStyleLst>
+        <a:ln w="9525" cap="rnd" cmpd="sng" algn="ctr">
+          <a:solidFill>
+            <a:schemeClr val="phClr"/>
+          </a:solidFill>
+          <a:prstDash val="solid"/>
+        </a:ln>
+        <a:ln w="19050" cap="rnd" cmpd="sng" algn="ctr">
+          <a:solidFill>
+            <a:schemeClr val="phClr"/>
+          </a:solidFill>
+          <a:prstDash val="solid"/>
+        </a:ln>
+        <a:ln w="25400" cap="rnd" cmpd="sng" algn="ctr">
+          <a:solidFill>
+            <a:schemeClr val="phClr"/>
+          </a:solidFill>
+          <a:prstDash val="solid"/>
+        </a:ln>
+      </a:lnStyleLst>
+      <a:effectStyleLst>
+        <a:effectStyle>
+          <a:effectLst/>
+        </a:effectStyle>
+        <a:effectStyle>
+          <a:effectLst>
+            <a:innerShdw blurRad="50800" dist="25400" dir="13500000">
+              <a:srgbClr val="000000">
+                <a:alpha val="55000"/>
+              </a:srgbClr>
+            </a:innerShdw>
+          </a:effectLst>
+        </a:effectStyle>
+        <a:effectStyle>
+          <a:effectLst>
+            <a:outerShdw blurRad="50800" dist="38100" dir="5400000" rotWithShape="0">
+              <a:srgbClr val="000000">
+                <a:alpha val="60000"/>
+              </a:srgbClr>
+            </a:outerShdw>
+          </a:effectLst>
+          <a:scene3d>
+            <a:camera prst="orthographicFront">
+              <a:rot lat="0" lon="0" rev="0"/>
+            </a:camera>
+            <a:lightRig rig="threePt" dir="tl"/>
+          </a:scene3d>
+          <a:sp3d>
+            <a:bevelT w="25400" h="25400" prst="slope"/>
+          </a:sp3d>
+        </a:effectStyle>
+      </a:effectStyleLst>
+      <a:bgFillStyleLst>
+        <a:solidFill>
+          <a:schemeClr val="phClr"/>
+        </a:solidFill>
+        <a:gradFill rotWithShape="1">
+          <a:gsLst>
+            <a:gs pos="0">
+              <a:schemeClr val="phClr">
+                <a:tint val="90000"/>
+                <a:lumMod val="110000"/>
+              </a:schemeClr>
+            </a:gs>
+            <a:gs pos="100000">
+              <a:schemeClr val="phClr">
+                <a:shade val="64000"/>
+                <a:lumMod val="98000"/>
+              </a:schemeClr>
+            </a:gs>
+          </a:gsLst>
+          <a:lin ang="5400000" scaled="0"/>
+        </a:gradFill>
+        <a:blipFill rotWithShape="1">
+          <a:blip xmlns:r="http://schemas.openxmlformats.org/officeDocument/2006/relationships" r:embed="rId1">
+            <a:duotone>
+              <a:schemeClr val="phClr">
+                <a:shade val="28000"/>
+                <a:satMod val="94000"/>
+                <a:lumMod val="20000"/>
+              </a:schemeClr>
+              <a:schemeClr val="phClr">
+                <a:tint val="94000"/>
+                <a:shade val="84000"/>
+                <a:satMod val="148000"/>
+                <a:lumMod val="114000"/>
+              </a:schemeClr>
+            </a:duotone>
+          </a:blip>
+          <a:stretch/>
+        </a:blipFill>
+      </a:bgFillStyleLst>
+    </a:fmtScheme>
+  </a:themeElements>
+  <a:objectDefaults/>
+  <a:extraClrSchemeLst/>
+  <a:extLst>
+    <a:ext uri="{05A4C25C-085E-4340-85A3-A5531E510DB2}">
+      <thm15:themeFamily xmlns:thm15="http://schemas.microsoft.com/office/thememl/2012/main" name="Mesh" id="{789EC3FE-34FD-429C-9918-760025E6C145}" vid="{0F262FD6-3409-4039-A531-64BD4D2F99E4}"/>
+    </a:ext>
+  </a:extLst>
+</a:theme>
+</file>
+
+<file path=ppt/theme/theme2.xml><?xml version="1.0" encoding="utf-8"?>
 <a:theme xmlns:a="http://schemas.openxmlformats.org/drawingml/2006/main" name="Office Theme">
   <a:themeElements>
     <a:clrScheme name="Office">

--- a/Working Files/Project1_Presentation.pptx
+++ b/Working Files/Project1_Presentation.pptx
@@ -118,6 +118,11 @@
       </a:defRPr>
     </a:lvl9pPr>
   </p:defaultTextStyle>
+  <p:extLst>
+    <p:ext uri="{EFAFB233-063F-42B5-8137-9DF3F51BA10A}">
+      <p15:sldGuideLst xmlns:p15="http://schemas.microsoft.com/office/powerpoint/2012/main"/>
+    </p:ext>
+  </p:extLst>
 </p:presentation>
 </file>
 
@@ -229,7 +234,7 @@
           <a:p>
             <a:fld id="{055CA902-E0AE-B742-A899-A7F6910BDD69}" type="datetimeFigureOut">
               <a:rPr lang="en-US" smtClean="0"/>
-              <a:t>10/17/20</a:t>
+              <a:t>10/17/2020</a:t>
             </a:fld>
             <a:endParaRPr lang="en-US"/>
           </a:p>
@@ -1076,7 +1081,7 @@
           <a:p>
             <a:fld id="{A70EB5A2-7F07-8D4D-B712-71495FBB96FA}" type="datetimeFigureOut">
               <a:rPr lang="en-US" smtClean="0"/>
-              <a:t>10/17/20</a:t>
+              <a:t>10/17/2020</a:t>
             </a:fld>
             <a:endParaRPr lang="en-US"/>
           </a:p>
@@ -1367,7 +1372,7 @@
           <a:p>
             <a:fld id="{A70EB5A2-7F07-8D4D-B712-71495FBB96FA}" type="datetimeFigureOut">
               <a:rPr lang="en-US" smtClean="0"/>
-              <a:t>10/17/20</a:t>
+              <a:t>10/17/2020</a:t>
             </a:fld>
             <a:endParaRPr lang="en-US"/>
           </a:p>
@@ -1615,7 +1620,7 @@
           <a:p>
             <a:fld id="{A70EB5A2-7F07-8D4D-B712-71495FBB96FA}" type="datetimeFigureOut">
               <a:rPr lang="en-US" smtClean="0"/>
-              <a:t>10/17/20</a:t>
+              <a:t>10/17/2020</a:t>
             </a:fld>
             <a:endParaRPr lang="en-US"/>
           </a:p>
@@ -2151,7 +2156,7 @@
           <a:p>
             <a:fld id="{A70EB5A2-7F07-8D4D-B712-71495FBB96FA}" type="datetimeFigureOut">
               <a:rPr lang="en-US" smtClean="0"/>
-              <a:t>10/17/20</a:t>
+              <a:t>10/17/2020</a:t>
             </a:fld>
             <a:endParaRPr lang="en-US"/>
           </a:p>
@@ -2399,7 +2404,7 @@
           <a:p>
             <a:fld id="{A70EB5A2-7F07-8D4D-B712-71495FBB96FA}" type="datetimeFigureOut">
               <a:rPr lang="en-US" smtClean="0"/>
-              <a:t>10/17/20</a:t>
+              <a:t>10/17/2020</a:t>
             </a:fld>
             <a:endParaRPr lang="en-US"/>
           </a:p>
@@ -2942,7 +2947,7 @@
           <a:p>
             <a:fld id="{A70EB5A2-7F07-8D4D-B712-71495FBB96FA}" type="datetimeFigureOut">
               <a:rPr lang="en-US" smtClean="0"/>
-              <a:t>10/17/20</a:t>
+              <a:t>10/17/2020</a:t>
             </a:fld>
             <a:endParaRPr lang="en-US"/>
           </a:p>
@@ -3252,7 +3257,7 @@
           <a:p>
             <a:fld id="{A70EB5A2-7F07-8D4D-B712-71495FBB96FA}" type="datetimeFigureOut">
               <a:rPr lang="en-US" smtClean="0"/>
-              <a:t>10/17/20</a:t>
+              <a:t>10/17/2020</a:t>
             </a:fld>
             <a:endParaRPr lang="en-US"/>
           </a:p>
@@ -3427,7 +3432,7 @@
           <a:p>
             <a:fld id="{A70EB5A2-7F07-8D4D-B712-71495FBB96FA}" type="datetimeFigureOut">
               <a:rPr lang="en-US" smtClean="0"/>
-              <a:t>10/17/20</a:t>
+              <a:t>10/17/2020</a:t>
             </a:fld>
             <a:endParaRPr lang="en-US"/>
           </a:p>
@@ -3607,7 +3612,7 @@
           <a:p>
             <a:fld id="{A70EB5A2-7F07-8D4D-B712-71495FBB96FA}" type="datetimeFigureOut">
               <a:rPr lang="en-US" smtClean="0"/>
-              <a:t>10/17/20</a:t>
+              <a:t>10/17/2020</a:t>
             </a:fld>
             <a:endParaRPr lang="en-US"/>
           </a:p>
@@ -3777,7 +3782,7 @@
           <a:p>
             <a:fld id="{A70EB5A2-7F07-8D4D-B712-71495FBB96FA}" type="datetimeFigureOut">
               <a:rPr lang="en-US" smtClean="0"/>
-              <a:t>10/17/20</a:t>
+              <a:t>10/17/2020</a:t>
             </a:fld>
             <a:endParaRPr lang="en-US"/>
           </a:p>
@@ -4023,7 +4028,7 @@
           <a:p>
             <a:fld id="{A70EB5A2-7F07-8D4D-B712-71495FBB96FA}" type="datetimeFigureOut">
               <a:rPr lang="en-US" smtClean="0"/>
-              <a:t>10/17/20</a:t>
+              <a:t>10/17/2020</a:t>
             </a:fld>
             <a:endParaRPr lang="en-US"/>
           </a:p>
@@ -4315,7 +4320,7 @@
           <a:p>
             <a:fld id="{A70EB5A2-7F07-8D4D-B712-71495FBB96FA}" type="datetimeFigureOut">
               <a:rPr lang="en-US" smtClean="0"/>
-              <a:t>10/17/20</a:t>
+              <a:t>10/17/2020</a:t>
             </a:fld>
             <a:endParaRPr lang="en-US"/>
           </a:p>
@@ -4745,7 +4750,7 @@
           <a:p>
             <a:fld id="{A70EB5A2-7F07-8D4D-B712-71495FBB96FA}" type="datetimeFigureOut">
               <a:rPr lang="en-US" smtClean="0"/>
-              <a:t>10/17/20</a:t>
+              <a:t>10/17/2020</a:t>
             </a:fld>
             <a:endParaRPr lang="en-US"/>
           </a:p>
@@ -4868,7 +4873,7 @@
           <a:p>
             <a:fld id="{A70EB5A2-7F07-8D4D-B712-71495FBB96FA}" type="datetimeFigureOut">
               <a:rPr lang="en-US" smtClean="0"/>
-              <a:t>10/17/20</a:t>
+              <a:t>10/17/2020</a:t>
             </a:fld>
             <a:endParaRPr lang="en-US"/>
           </a:p>
@@ -4963,7 +4968,7 @@
           <a:p>
             <a:fld id="{A70EB5A2-7F07-8D4D-B712-71495FBB96FA}" type="datetimeFigureOut">
               <a:rPr lang="en-US" smtClean="0"/>
-              <a:t>10/17/20</a:t>
+              <a:t>10/17/2020</a:t>
             </a:fld>
             <a:endParaRPr lang="en-US"/>
           </a:p>
@@ -5246,7 +5251,7 @@
           <a:p>
             <a:fld id="{A70EB5A2-7F07-8D4D-B712-71495FBB96FA}" type="datetimeFigureOut">
               <a:rPr lang="en-US" smtClean="0"/>
-              <a:t>10/17/20</a:t>
+              <a:t>10/17/2020</a:t>
             </a:fld>
             <a:endParaRPr lang="en-US"/>
           </a:p>
@@ -5537,7 +5542,7 @@
           <a:p>
             <a:fld id="{A70EB5A2-7F07-8D4D-B712-71495FBB96FA}" type="datetimeFigureOut">
               <a:rPr lang="en-US" smtClean="0"/>
-              <a:t>10/17/20</a:t>
+              <a:t>10/17/2020</a:t>
             </a:fld>
             <a:endParaRPr lang="en-US"/>
           </a:p>
@@ -5768,7 +5773,7 @@
           <a:p>
             <a:fld id="{A70EB5A2-7F07-8D4D-B712-71495FBB96FA}" type="datetimeFigureOut">
               <a:rPr lang="en-US" smtClean="0"/>
-              <a:t>10/17/20</a:t>
+              <a:t>10/17/2020</a:t>
             </a:fld>
             <a:endParaRPr lang="en-US"/>
           </a:p>
@@ -7564,11 +7569,76 @@
         </p:nvSpPr>
         <p:spPr/>
         <p:txBody>
-          <a:bodyPr/>
-          <a:lstStyle/>
+          <a:bodyPr>
+            <a:normAutofit fontScale="92500" lnSpcReduction="20000"/>
+          </a:bodyPr>
+          <a:lstStyle/>
+          <a:p>
+            <a:pPr marL="457200" lvl="1" indent="0">
+              <a:buNone/>
+            </a:pPr>
+            <a:r>
+              <a:rPr lang="en-US" dirty="0"/>
+              <a:t>Problems:</a:t>
+            </a:r>
+          </a:p>
           <a:p>
             <a:pPr lvl="1"/>
+            <a:r>
+              <a:rPr lang="en-US" dirty="0"/>
+              <a:t>Stock data dated back to 1971 (only needed Last 10 years)</a:t>
+            </a:r>
+          </a:p>
+          <a:p>
+            <a:pPr lvl="1"/>
+            <a:r>
+              <a:rPr lang="en-US" dirty="0"/>
+              <a:t>Stock data was by date (needed to aggregate and sort data)</a:t>
+            </a:r>
+          </a:p>
+          <a:p>
+            <a:pPr lvl="1"/>
+            <a:r>
+              <a:rPr lang="en-US" dirty="0"/>
+              <a:t>Stock data was independent and unsorted (needed to group data and organized there within)</a:t>
+            </a:r>
+          </a:p>
+          <a:p>
+            <a:pPr marL="457200" lvl="1" indent="0">
+              <a:buNone/>
+            </a:pPr>
             <a:endParaRPr lang="en-US" dirty="0"/>
+          </a:p>
+          <a:p>
+            <a:pPr marL="457200" lvl="1" indent="0">
+              <a:buNone/>
+            </a:pPr>
+            <a:r>
+              <a:rPr lang="en-US" dirty="0"/>
+              <a:t>Insights:</a:t>
+            </a:r>
+          </a:p>
+          <a:p>
+            <a:pPr lvl="1"/>
+            <a:r>
+              <a:rPr lang="en-US" dirty="0"/>
+              <a:t>For Loops aren’t always the best way to cycle through large amounts of data</a:t>
+            </a:r>
+          </a:p>
+          <a:p>
+            <a:pPr lvl="2"/>
+            <a:r>
+              <a:rPr lang="en-US" dirty="0"/>
+              <a:t>Sometimes a simple merge </a:t>
+            </a:r>
+            <a:r>
+              <a:rPr lang="en-US"/>
+              <a:t>by value is all you need</a:t>
+            </a:r>
+          </a:p>
+          <a:p>
+            <a:pPr lvl="1"/>
+            <a:endParaRPr lang="en-US"/>
           </a:p>
         </p:txBody>
       </p:sp>

--- a/Working Files/Project1_Presentation.pptx
+++ b/Working Files/Project1_Presentation.pptx
@@ -118,11 +118,6 @@
       </a:defRPr>
     </a:lvl9pPr>
   </p:defaultTextStyle>
-  <p:extLst>
-    <p:ext uri="{EFAFB233-063F-42B5-8137-9DF3F51BA10A}">
-      <p15:sldGuideLst xmlns:p15="http://schemas.microsoft.com/office/powerpoint/2012/main"/>
-    </p:ext>
-  </p:extLst>
 </p:presentation>
 </file>
 
@@ -234,7 +229,7 @@
           <a:p>
             <a:fld id="{055CA902-E0AE-B742-A899-A7F6910BDD69}" type="datetimeFigureOut">
               <a:rPr lang="en-US" smtClean="0"/>
-              <a:t>10/17/2020</a:t>
+              <a:t>10/17/20</a:t>
             </a:fld>
             <a:endParaRPr lang="en-US"/>
           </a:p>
@@ -1081,7 +1076,7 @@
           <a:p>
             <a:fld id="{A70EB5A2-7F07-8D4D-B712-71495FBB96FA}" type="datetimeFigureOut">
               <a:rPr lang="en-US" smtClean="0"/>
-              <a:t>10/17/2020</a:t>
+              <a:t>10/17/20</a:t>
             </a:fld>
             <a:endParaRPr lang="en-US"/>
           </a:p>
@@ -1372,7 +1367,7 @@
           <a:p>
             <a:fld id="{A70EB5A2-7F07-8D4D-B712-71495FBB96FA}" type="datetimeFigureOut">
               <a:rPr lang="en-US" smtClean="0"/>
-              <a:t>10/17/2020</a:t>
+              <a:t>10/17/20</a:t>
             </a:fld>
             <a:endParaRPr lang="en-US"/>
           </a:p>
@@ -1620,7 +1615,7 @@
           <a:p>
             <a:fld id="{A70EB5A2-7F07-8D4D-B712-71495FBB96FA}" type="datetimeFigureOut">
               <a:rPr lang="en-US" smtClean="0"/>
-              <a:t>10/17/2020</a:t>
+              <a:t>10/17/20</a:t>
             </a:fld>
             <a:endParaRPr lang="en-US"/>
           </a:p>
@@ -2156,7 +2151,7 @@
           <a:p>
             <a:fld id="{A70EB5A2-7F07-8D4D-B712-71495FBB96FA}" type="datetimeFigureOut">
               <a:rPr lang="en-US" smtClean="0"/>
-              <a:t>10/17/2020</a:t>
+              <a:t>10/17/20</a:t>
             </a:fld>
             <a:endParaRPr lang="en-US"/>
           </a:p>
@@ -2404,7 +2399,7 @@
           <a:p>
             <a:fld id="{A70EB5A2-7F07-8D4D-B712-71495FBB96FA}" type="datetimeFigureOut">
               <a:rPr lang="en-US" smtClean="0"/>
-              <a:t>10/17/2020</a:t>
+              <a:t>10/17/20</a:t>
             </a:fld>
             <a:endParaRPr lang="en-US"/>
           </a:p>
@@ -2947,7 +2942,7 @@
           <a:p>
             <a:fld id="{A70EB5A2-7F07-8D4D-B712-71495FBB96FA}" type="datetimeFigureOut">
               <a:rPr lang="en-US" smtClean="0"/>
-              <a:t>10/17/2020</a:t>
+              <a:t>10/17/20</a:t>
             </a:fld>
             <a:endParaRPr lang="en-US"/>
           </a:p>
@@ -3257,7 +3252,7 @@
           <a:p>
             <a:fld id="{A70EB5A2-7F07-8D4D-B712-71495FBB96FA}" type="datetimeFigureOut">
               <a:rPr lang="en-US" smtClean="0"/>
-              <a:t>10/17/2020</a:t>
+              <a:t>10/17/20</a:t>
             </a:fld>
             <a:endParaRPr lang="en-US"/>
           </a:p>
@@ -3432,7 +3427,7 @@
           <a:p>
             <a:fld id="{A70EB5A2-7F07-8D4D-B712-71495FBB96FA}" type="datetimeFigureOut">
               <a:rPr lang="en-US" smtClean="0"/>
-              <a:t>10/17/2020</a:t>
+              <a:t>10/17/20</a:t>
             </a:fld>
             <a:endParaRPr lang="en-US"/>
           </a:p>
@@ -3612,7 +3607,7 @@
           <a:p>
             <a:fld id="{A70EB5A2-7F07-8D4D-B712-71495FBB96FA}" type="datetimeFigureOut">
               <a:rPr lang="en-US" smtClean="0"/>
-              <a:t>10/17/2020</a:t>
+              <a:t>10/17/20</a:t>
             </a:fld>
             <a:endParaRPr lang="en-US"/>
           </a:p>
@@ -3782,7 +3777,7 @@
           <a:p>
             <a:fld id="{A70EB5A2-7F07-8D4D-B712-71495FBB96FA}" type="datetimeFigureOut">
               <a:rPr lang="en-US" smtClean="0"/>
-              <a:t>10/17/2020</a:t>
+              <a:t>10/17/20</a:t>
             </a:fld>
             <a:endParaRPr lang="en-US"/>
           </a:p>
@@ -4028,7 +4023,7 @@
           <a:p>
             <a:fld id="{A70EB5A2-7F07-8D4D-B712-71495FBB96FA}" type="datetimeFigureOut">
               <a:rPr lang="en-US" smtClean="0"/>
-              <a:t>10/17/2020</a:t>
+              <a:t>10/17/20</a:t>
             </a:fld>
             <a:endParaRPr lang="en-US"/>
           </a:p>
@@ -4320,7 +4315,7 @@
           <a:p>
             <a:fld id="{A70EB5A2-7F07-8D4D-B712-71495FBB96FA}" type="datetimeFigureOut">
               <a:rPr lang="en-US" smtClean="0"/>
-              <a:t>10/17/2020</a:t>
+              <a:t>10/17/20</a:t>
             </a:fld>
             <a:endParaRPr lang="en-US"/>
           </a:p>
@@ -4750,7 +4745,7 @@
           <a:p>
             <a:fld id="{A70EB5A2-7F07-8D4D-B712-71495FBB96FA}" type="datetimeFigureOut">
               <a:rPr lang="en-US" smtClean="0"/>
-              <a:t>10/17/2020</a:t>
+              <a:t>10/17/20</a:t>
             </a:fld>
             <a:endParaRPr lang="en-US"/>
           </a:p>
@@ -4873,7 +4868,7 @@
           <a:p>
             <a:fld id="{A70EB5A2-7F07-8D4D-B712-71495FBB96FA}" type="datetimeFigureOut">
               <a:rPr lang="en-US" smtClean="0"/>
-              <a:t>10/17/2020</a:t>
+              <a:t>10/17/20</a:t>
             </a:fld>
             <a:endParaRPr lang="en-US"/>
           </a:p>
@@ -4968,7 +4963,7 @@
           <a:p>
             <a:fld id="{A70EB5A2-7F07-8D4D-B712-71495FBB96FA}" type="datetimeFigureOut">
               <a:rPr lang="en-US" smtClean="0"/>
-              <a:t>10/17/2020</a:t>
+              <a:t>10/17/20</a:t>
             </a:fld>
             <a:endParaRPr lang="en-US"/>
           </a:p>
@@ -5251,7 +5246,7 @@
           <a:p>
             <a:fld id="{A70EB5A2-7F07-8D4D-B712-71495FBB96FA}" type="datetimeFigureOut">
               <a:rPr lang="en-US" smtClean="0"/>
-              <a:t>10/17/2020</a:t>
+              <a:t>10/17/20</a:t>
             </a:fld>
             <a:endParaRPr lang="en-US"/>
           </a:p>
@@ -5542,7 +5537,7 @@
           <a:p>
             <a:fld id="{A70EB5A2-7F07-8D4D-B712-71495FBB96FA}" type="datetimeFigureOut">
               <a:rPr lang="en-US" smtClean="0"/>
-              <a:t>10/17/2020</a:t>
+              <a:t>10/17/20</a:t>
             </a:fld>
             <a:endParaRPr lang="en-US"/>
           </a:p>
@@ -5773,7 +5768,7 @@
           <a:p>
             <a:fld id="{A70EB5A2-7F07-8D4D-B712-71495FBB96FA}" type="datetimeFigureOut">
               <a:rPr lang="en-US" smtClean="0"/>
-              <a:t>10/17/2020</a:t>
+              <a:t>10/17/20</a:t>
             </a:fld>
             <a:endParaRPr lang="en-US"/>
           </a:p>
@@ -6776,13 +6771,55 @@
         </p:nvSpPr>
         <p:spPr/>
         <p:txBody>
-          <a:bodyPr/>
+          <a:bodyPr>
+            <a:normAutofit/>
+          </a:bodyPr>
           <a:lstStyle/>
           <a:p>
             <a:r>
               <a:rPr lang="en-US" dirty="0"/>
               <a:t>Question six</a:t>
             </a:r>
+            <a:br>
+              <a:rPr lang="en-US" dirty="0"/>
+            </a:br>
+            <a:r>
+              <a:rPr lang="en-US" dirty="0"/>
+              <a:t>	</a:t>
+            </a:r>
+            <a:r>
+              <a:rPr lang="en-US" sz="2000" dirty="0">
+                <a:solidFill>
+                  <a:schemeClr val="tx2"/>
+                </a:solidFill>
+                <a:effectLst/>
+              </a:rPr>
+              <a:t>What are the closing prices for the big 5 going to be on Aug 31</a:t>
+            </a:r>
+            <a:r>
+              <a:rPr lang="en-US" sz="2000" baseline="30000" dirty="0">
+                <a:solidFill>
+                  <a:schemeClr val="tx2"/>
+                </a:solidFill>
+                <a:effectLst/>
+              </a:rPr>
+              <a:t>st</a:t>
+            </a:r>
+            <a:r>
+              <a:rPr lang="en-US" sz="2000" dirty="0">
+                <a:solidFill>
+                  <a:schemeClr val="tx2"/>
+                </a:solidFill>
+                <a:effectLst/>
+              </a:rPr>
+              <a:t> 	2020?</a:t>
+            </a:r>
+            <a:br>
+              <a:rPr lang="en-US" dirty="0">
+                <a:effectLst/>
+              </a:rPr>
+            </a:br>
+            <a:endParaRPr lang="en-US" dirty="0"/>
           </a:p>
         </p:txBody>
       </p:sp>
@@ -7569,76 +7606,11 @@
         </p:nvSpPr>
         <p:spPr/>
         <p:txBody>
-          <a:bodyPr>
-            <a:normAutofit fontScale="92500" lnSpcReduction="20000"/>
-          </a:bodyPr>
-          <a:lstStyle/>
-          <a:p>
-            <a:pPr marL="457200" lvl="1" indent="0">
-              <a:buNone/>
-            </a:pPr>
-            <a:r>
-              <a:rPr lang="en-US" dirty="0"/>
-              <a:t>Problems:</a:t>
-            </a:r>
-          </a:p>
+          <a:bodyPr/>
+          <a:lstStyle/>
           <a:p>
             <a:pPr lvl="1"/>
-            <a:r>
-              <a:rPr lang="en-US" dirty="0"/>
-              <a:t>Stock data dated back to 1971 (only needed Last 10 years)</a:t>
-            </a:r>
-          </a:p>
-          <a:p>
-            <a:pPr lvl="1"/>
-            <a:r>
-              <a:rPr lang="en-US" dirty="0"/>
-              <a:t>Stock data was by date (needed to aggregate and sort data)</a:t>
-            </a:r>
-          </a:p>
-          <a:p>
-            <a:pPr lvl="1"/>
-            <a:r>
-              <a:rPr lang="en-US" dirty="0"/>
-              <a:t>Stock data was independent and unsorted (needed to group data and organized there within)</a:t>
-            </a:r>
-          </a:p>
-          <a:p>
-            <a:pPr marL="457200" lvl="1" indent="0">
-              <a:buNone/>
-            </a:pPr>
             <a:endParaRPr lang="en-US" dirty="0"/>
-          </a:p>
-          <a:p>
-            <a:pPr marL="457200" lvl="1" indent="0">
-              <a:buNone/>
-            </a:pPr>
-            <a:r>
-              <a:rPr lang="en-US" dirty="0"/>
-              <a:t>Insights:</a:t>
-            </a:r>
-          </a:p>
-          <a:p>
-            <a:pPr lvl="1"/>
-            <a:r>
-              <a:rPr lang="en-US" dirty="0"/>
-              <a:t>For Loops aren’t always the best way to cycle through large amounts of data</a:t>
-            </a:r>
-          </a:p>
-          <a:p>
-            <a:pPr lvl="2"/>
-            <a:r>
-              <a:rPr lang="en-US" dirty="0"/>
-              <a:t>Sometimes a simple merge </a:t>
-            </a:r>
-            <a:r>
-              <a:rPr lang="en-US"/>
-              <a:t>by value is all you need</a:t>
-            </a:r>
-          </a:p>
-          <a:p>
-            <a:pPr lvl="1"/>
-            <a:endParaRPr lang="en-US"/>
           </a:p>
         </p:txBody>
       </p:sp>
@@ -7688,15 +7660,51 @@
             <p:ph type="title"/>
           </p:nvPr>
         </p:nvSpPr>
-        <p:spPr/>
-        <p:txBody>
-          <a:bodyPr/>
+        <p:spPr>
+          <a:xfrm>
+            <a:off x="1141413" y="609600"/>
+            <a:ext cx="9905998" cy="1204686"/>
+          </a:xfrm>
+        </p:spPr>
+        <p:txBody>
+          <a:bodyPr>
+            <a:normAutofit fontScale="90000"/>
+          </a:bodyPr>
           <a:lstStyle/>
           <a:p>
             <a:r>
               <a:rPr lang="en-US" dirty="0"/>
               <a:t>Question One</a:t>
             </a:r>
+            <a:br>
+              <a:rPr lang="en-US" dirty="0"/>
+            </a:br>
+            <a:r>
+              <a:rPr lang="en-US" dirty="0"/>
+              <a:t>	</a:t>
+            </a:r>
+            <a:r>
+              <a:rPr lang="en-US" sz="2000" dirty="0">
+                <a:solidFill>
+                  <a:schemeClr val="tx2"/>
+                </a:solidFill>
+                <a:effectLst/>
+              </a:rPr>
+              <a:t>trends over the last 10 years</a:t>
+            </a:r>
+            <a:br>
+              <a:rPr lang="en-US" sz="2000" dirty="0">
+                <a:solidFill>
+                  <a:schemeClr val="tx2"/>
+                </a:solidFill>
+                <a:effectLst/>
+              </a:rPr>
+            </a:br>
+            <a:endParaRPr lang="en-US" sz="2000" dirty="0">
+              <a:solidFill>
+                <a:schemeClr val="tx2"/>
+              </a:solidFill>
+            </a:endParaRPr>
           </a:p>
         </p:txBody>
       </p:sp>
@@ -7773,13 +7781,37 @@
         </p:nvSpPr>
         <p:spPr/>
         <p:txBody>
-          <a:bodyPr/>
+          <a:bodyPr>
+            <a:normAutofit/>
+          </a:bodyPr>
           <a:lstStyle/>
           <a:p>
             <a:r>
               <a:rPr lang="en-US" dirty="0"/>
               <a:t>Question two</a:t>
             </a:r>
+            <a:br>
+              <a:rPr lang="en-US" dirty="0"/>
+            </a:br>
+            <a:r>
+              <a:rPr lang="en-US" dirty="0"/>
+              <a:t>	</a:t>
+            </a:r>
+            <a:r>
+              <a:rPr lang="en-US" sz="2000" dirty="0">
+                <a:solidFill>
+                  <a:schemeClr val="tx2"/>
+                </a:solidFill>
+                <a:effectLst/>
+              </a:rPr>
+              <a:t>Are there yearly events that contribute to stock volatility? </a:t>
+            </a:r>
+            <a:br>
+              <a:rPr lang="en-US" dirty="0">
+                <a:effectLst/>
+              </a:rPr>
+            </a:br>
+            <a:endParaRPr lang="en-US" dirty="0"/>
           </a:p>
         </p:txBody>
       </p:sp>
@@ -7856,13 +7888,36 @@
         </p:nvSpPr>
         <p:spPr/>
         <p:txBody>
-          <a:bodyPr/>
+          <a:bodyPr>
+            <a:normAutofit/>
+          </a:bodyPr>
           <a:lstStyle/>
           <a:p>
             <a:r>
               <a:rPr lang="en-US" dirty="0"/>
               <a:t>Question three</a:t>
             </a:r>
+            <a:br>
+              <a:rPr lang="en-US" dirty="0"/>
+            </a:br>
+            <a:r>
+              <a:rPr lang="en-US" dirty="0"/>
+              <a:t>	</a:t>
+            </a:r>
+            <a:r>
+              <a:rPr lang="en-US" sz="2000" dirty="0">
+                <a:solidFill>
+                  <a:schemeClr val="tx2"/>
+                </a:solidFill>
+                <a:effectLst/>
+              </a:rPr>
+              <a:t>Are there general good times to buy and sell the big 5 throughout 	the calendar year?</a:t>
+            </a:r>
+            <a:endParaRPr lang="en-US" sz="2000" dirty="0">
+              <a:solidFill>
+                <a:schemeClr val="tx2"/>
+              </a:solidFill>
+            </a:endParaRPr>
           </a:p>
         </p:txBody>
       </p:sp>
@@ -7939,13 +7994,37 @@
         </p:nvSpPr>
         <p:spPr/>
         <p:txBody>
-          <a:bodyPr/>
+          <a:bodyPr>
+            <a:normAutofit/>
+          </a:bodyPr>
           <a:lstStyle/>
           <a:p>
             <a:r>
               <a:rPr lang="en-US" dirty="0"/>
               <a:t>Question four</a:t>
             </a:r>
+            <a:br>
+              <a:rPr lang="en-US" dirty="0"/>
+            </a:br>
+            <a:r>
+              <a:rPr lang="en-US" dirty="0"/>
+              <a:t>	</a:t>
+            </a:r>
+            <a:r>
+              <a:rPr lang="en-US" sz="2000" dirty="0">
+                <a:solidFill>
+                  <a:schemeClr val="tx2"/>
+                </a:solidFill>
+                <a:effectLst/>
+              </a:rPr>
+              <a:t>Did the big 5 outperform or underperform the NASDAQ composite 	as a whole over the 10 year period?</a:t>
+            </a:r>
+            <a:br>
+              <a:rPr lang="en-US" dirty="0">
+                <a:effectLst/>
+              </a:rPr>
+            </a:br>
+            <a:endParaRPr lang="en-US" dirty="0"/>
           </a:p>
         </p:txBody>
       </p:sp>
@@ -8022,13 +8101,37 @@
         </p:nvSpPr>
         <p:spPr/>
         <p:txBody>
-          <a:bodyPr/>
+          <a:bodyPr>
+            <a:normAutofit/>
+          </a:bodyPr>
           <a:lstStyle/>
           <a:p>
             <a:r>
               <a:rPr lang="en-US" dirty="0"/>
               <a:t>Question five</a:t>
             </a:r>
+            <a:br>
+              <a:rPr lang="en-US" dirty="0"/>
+            </a:br>
+            <a:r>
+              <a:rPr lang="en-US" dirty="0"/>
+              <a:t>	</a:t>
+            </a:r>
+            <a:r>
+              <a:rPr lang="en-US" sz="2000" dirty="0">
+                <a:solidFill>
+                  <a:schemeClr val="tx2"/>
+                </a:solidFill>
+                <a:effectLst/>
+              </a:rPr>
+              <a:t>Of all the shares bought in the big 5, who had the most shares 	bought over the last 10 years?</a:t>
+            </a:r>
+            <a:br>
+              <a:rPr lang="en-US" dirty="0">
+                <a:effectLst/>
+              </a:rPr>
+            </a:br>
+            <a:endParaRPr lang="en-US" dirty="0"/>
           </a:p>
         </p:txBody>
       </p:sp>

--- a/Working Files/Project1_Presentation.pptx
+++ b/Working Files/Project1_Presentation.pptx
@@ -5,7 +5,7 @@
     <p:sldMasterId id="2147483702" r:id="rId1"/>
   </p:sldMasterIdLst>
   <p:notesMasterIdLst>
-    <p:notesMasterId r:id="rId14"/>
+    <p:notesMasterId r:id="rId15"/>
   </p:notesMasterIdLst>
   <p:sldIdLst>
     <p:sldId id="256" r:id="rId2"/>
@@ -13,13 +13,14 @@
     <p:sldId id="258" r:id="rId4"/>
     <p:sldId id="268" r:id="rId5"/>
     <p:sldId id="259" r:id="rId6"/>
-    <p:sldId id="260" r:id="rId7"/>
-    <p:sldId id="261" r:id="rId8"/>
-    <p:sldId id="262" r:id="rId9"/>
-    <p:sldId id="263" r:id="rId10"/>
-    <p:sldId id="264" r:id="rId11"/>
-    <p:sldId id="265" r:id="rId12"/>
-    <p:sldId id="266" r:id="rId13"/>
+    <p:sldId id="269" r:id="rId7"/>
+    <p:sldId id="260" r:id="rId8"/>
+    <p:sldId id="261" r:id="rId9"/>
+    <p:sldId id="262" r:id="rId10"/>
+    <p:sldId id="263" r:id="rId11"/>
+    <p:sldId id="264" r:id="rId12"/>
+    <p:sldId id="265" r:id="rId13"/>
+    <p:sldId id="266" r:id="rId14"/>
   </p:sldIdLst>
   <p:sldSz cx="12192000" cy="6858000"/>
   <p:notesSz cx="6858000" cy="9144000"/>
@@ -6763,7 +6764,7 @@
           <p:cNvPr id="2" name="Title 1">
             <a:extLst>
               <a:ext uri="{FF2B5EF4-FFF2-40B4-BE49-F238E27FC236}">
-                <a16:creationId xmlns:a16="http://schemas.microsoft.com/office/drawing/2014/main" id="{950A8A23-C927-C843-8F9A-3940BA0D72B0}"/>
+                <a16:creationId xmlns:a16="http://schemas.microsoft.com/office/drawing/2014/main" id="{0E6F4F1D-D8AD-7145-9B10-8B451E818CC5}"/>
               </a:ext>
             </a:extLst>
           </p:cNvPr>
@@ -6783,7 +6784,7 @@
           <a:p>
             <a:r>
               <a:rPr lang="en-US" dirty="0"/>
-              <a:t>Question six</a:t>
+              <a:t>Question five</a:t>
             </a:r>
             <a:br>
               <a:rPr lang="en-US" dirty="0"/>
@@ -6799,25 +6800,7 @@
                 </a:solidFill>
                 <a:effectLst/>
               </a:rPr>
-              <a:t>What are the closing prices for the big 5 going to be on Aug 31</a:t>
-            </a:r>
-            <a:r>
-              <a:rPr lang="en-US" sz="2000" baseline="30000" dirty="0">
-                <a:solidFill>
-                  <a:schemeClr val="tx2"/>
-                </a:solidFill>
-                <a:effectLst/>
-              </a:rPr>
-              <a:t>st</a:t>
-            </a:r>
-            <a:r>
-              <a:rPr lang="en-US" sz="2000" dirty="0">
-                <a:solidFill>
-                  <a:schemeClr val="tx2"/>
-                </a:solidFill>
-                <a:effectLst/>
-              </a:rPr>
-              <a:t> 	2020?</a:t>
+              <a:t>Of all the shares bought in the big 5, who had the most shares 	bought over the last 10 years?</a:t>
             </a:r>
             <a:br>
               <a:rPr lang="en-US" dirty="0">
@@ -6833,7 +6816,7 @@
           <p:cNvPr id="3" name="Content Placeholder 2">
             <a:extLst>
               <a:ext uri="{FF2B5EF4-FFF2-40B4-BE49-F238E27FC236}">
-                <a16:creationId xmlns:a16="http://schemas.microsoft.com/office/drawing/2014/main" id="{7A4049A0-BE4E-1947-9D8C-F4B41DA5B5D5}"/>
+                <a16:creationId xmlns:a16="http://schemas.microsoft.com/office/drawing/2014/main" id="{8EC8B87A-4771-0A4E-AC04-6FD4531CF440}"/>
               </a:ext>
             </a:extLst>
           </p:cNvPr>
@@ -6856,7 +6839,7 @@
     </p:spTree>
     <p:extLst>
       <p:ext uri="{BB962C8B-B14F-4D97-AF65-F5344CB8AC3E}">
-        <p14:creationId xmlns:p14="http://schemas.microsoft.com/office/powerpoint/2010/main" val="961321127"/>
+        <p14:creationId xmlns:p14="http://schemas.microsoft.com/office/powerpoint/2010/main" val="747034048"/>
       </p:ext>
     </p:extLst>
   </p:cSld>
@@ -6888,6 +6871,131 @@
           <p:cNvPr id="2" name="Title 1">
             <a:extLst>
               <a:ext uri="{FF2B5EF4-FFF2-40B4-BE49-F238E27FC236}">
+                <a16:creationId xmlns:a16="http://schemas.microsoft.com/office/drawing/2014/main" id="{950A8A23-C927-C843-8F9A-3940BA0D72B0}"/>
+              </a:ext>
+            </a:extLst>
+          </p:cNvPr>
+          <p:cNvSpPr>
+            <a:spLocks noGrp="1"/>
+          </p:cNvSpPr>
+          <p:nvPr>
+            <p:ph type="title"/>
+          </p:nvPr>
+        </p:nvSpPr>
+        <p:spPr/>
+        <p:txBody>
+          <a:bodyPr>
+            <a:normAutofit/>
+          </a:bodyPr>
+          <a:lstStyle/>
+          <a:p>
+            <a:r>
+              <a:rPr lang="en-US" dirty="0"/>
+              <a:t>Question six</a:t>
+            </a:r>
+            <a:br>
+              <a:rPr lang="en-US" dirty="0"/>
+            </a:br>
+            <a:r>
+              <a:rPr lang="en-US" dirty="0"/>
+              <a:t>	</a:t>
+            </a:r>
+            <a:r>
+              <a:rPr lang="en-US" sz="2000" dirty="0">
+                <a:solidFill>
+                  <a:schemeClr val="tx2"/>
+                </a:solidFill>
+                <a:effectLst/>
+              </a:rPr>
+              <a:t>What are the closing prices for the big 5 going to be on Aug 31</a:t>
+            </a:r>
+            <a:r>
+              <a:rPr lang="en-US" sz="2000" baseline="30000" dirty="0">
+                <a:solidFill>
+                  <a:schemeClr val="tx2"/>
+                </a:solidFill>
+                <a:effectLst/>
+              </a:rPr>
+              <a:t>st</a:t>
+            </a:r>
+            <a:r>
+              <a:rPr lang="en-US" sz="2000" dirty="0">
+                <a:solidFill>
+                  <a:schemeClr val="tx2"/>
+                </a:solidFill>
+                <a:effectLst/>
+              </a:rPr>
+              <a:t> 	2020?</a:t>
+            </a:r>
+            <a:br>
+              <a:rPr lang="en-US" dirty="0">
+                <a:effectLst/>
+              </a:rPr>
+            </a:br>
+            <a:endParaRPr lang="en-US" dirty="0"/>
+          </a:p>
+        </p:txBody>
+      </p:sp>
+      <p:sp>
+        <p:nvSpPr>
+          <p:cNvPr id="3" name="Content Placeholder 2">
+            <a:extLst>
+              <a:ext uri="{FF2B5EF4-FFF2-40B4-BE49-F238E27FC236}">
+                <a16:creationId xmlns:a16="http://schemas.microsoft.com/office/drawing/2014/main" id="{7A4049A0-BE4E-1947-9D8C-F4B41DA5B5D5}"/>
+              </a:ext>
+            </a:extLst>
+          </p:cNvPr>
+          <p:cNvSpPr>
+            <a:spLocks noGrp="1"/>
+          </p:cNvSpPr>
+          <p:nvPr>
+            <p:ph idx="1"/>
+          </p:nvPr>
+        </p:nvSpPr>
+        <p:spPr/>
+        <p:txBody>
+          <a:bodyPr/>
+          <a:lstStyle/>
+          <a:p>
+            <a:endParaRPr lang="en-US"/>
+          </a:p>
+        </p:txBody>
+      </p:sp>
+    </p:spTree>
+    <p:extLst>
+      <p:ext uri="{BB962C8B-B14F-4D97-AF65-F5344CB8AC3E}">
+        <p14:creationId xmlns:p14="http://schemas.microsoft.com/office/powerpoint/2010/main" val="961321127"/>
+      </p:ext>
+    </p:extLst>
+  </p:cSld>
+  <p:clrMapOvr>
+    <a:masterClrMapping/>
+  </p:clrMapOvr>
+</p:sld>
+</file>
+
+<file path=ppt/slides/slide12.xml><?xml version="1.0" encoding="utf-8"?>
+<p:sld xmlns:a="http://schemas.openxmlformats.org/drawingml/2006/main" xmlns:r="http://schemas.openxmlformats.org/officeDocument/2006/relationships" xmlns:p="http://schemas.openxmlformats.org/presentationml/2006/main">
+  <p:cSld>
+    <p:spTree>
+      <p:nvGrpSpPr>
+        <p:cNvPr id="1" name=""/>
+        <p:cNvGrpSpPr/>
+        <p:nvPr/>
+      </p:nvGrpSpPr>
+      <p:grpSpPr>
+        <a:xfrm>
+          <a:off x="0" y="0"/>
+          <a:ext cx="0" cy="0"/>
+          <a:chOff x="0" y="0"/>
+          <a:chExt cx="0" cy="0"/>
+        </a:xfrm>
+      </p:grpSpPr>
+      <p:sp>
+        <p:nvSpPr>
+          <p:cNvPr id="2" name="Title 1">
+            <a:extLst>
+              <a:ext uri="{FF2B5EF4-FFF2-40B4-BE49-F238E27FC236}">
                 <a16:creationId xmlns:a16="http://schemas.microsoft.com/office/drawing/2014/main" id="{0B087FB6-F1D8-B042-A7DA-08969E640D81}"/>
               </a:ext>
             </a:extLst>
@@ -6949,7 +7057,7 @@
 </p:sld>
 </file>
 
-<file path=ppt/slides/slide12.xml><?xml version="1.0" encoding="utf-8"?>
+<file path=ppt/slides/slide13.xml><?xml version="1.0" encoding="utf-8"?>
 <p:sld xmlns:a="http://schemas.openxmlformats.org/drawingml/2006/main" xmlns:r="http://schemas.openxmlformats.org/officeDocument/2006/relationships" xmlns:p="http://schemas.openxmlformats.org/presentationml/2006/main">
   <p:cSld>
     <p:spTree>
@@ -7822,9 +7930,82 @@
           </a:xfrm>
         </p:spPr>
         <p:txBody>
-          <a:bodyPr/>
-          <a:lstStyle/>
-          <a:p>
+          <a:bodyPr>
+            <a:normAutofit fontScale="77500" lnSpcReduction="20000"/>
+          </a:bodyPr>
+          <a:lstStyle/>
+          <a:p>
+            <a:r>
+              <a:rPr lang="en-US" dirty="0"/>
+              <a:t>Problems</a:t>
+            </a:r>
+          </a:p>
+          <a:p>
+            <a:pPr lvl="1"/>
+            <a:r>
+              <a:rPr lang="en-US" dirty="0"/>
+              <a:t>Calculated percent change for all stocks</a:t>
+            </a:r>
+          </a:p>
+          <a:p>
+            <a:pPr lvl="1"/>
+            <a:r>
+              <a:rPr lang="en-US" dirty="0"/>
+              <a:t>Had to separate the stocks into their own </a:t>
+            </a:r>
+            <a:r>
+              <a:rPr lang="en-US" dirty="0" err="1"/>
+              <a:t>dataframes</a:t>
+            </a:r>
+            <a:endParaRPr lang="en-US" dirty="0"/>
+          </a:p>
+          <a:p>
+            <a:pPr lvl="1"/>
+            <a:r>
+              <a:rPr lang="en-US" dirty="0"/>
+              <a:t>Created 5 separate subplots that compares each stock to the NASDAQ index</a:t>
+            </a:r>
+          </a:p>
+          <a:p>
+            <a:pPr lvl="1"/>
+            <a:r>
+              <a:rPr lang="en-US" dirty="0"/>
+              <a:t>Formatted titles and labels for each subplot</a:t>
+            </a:r>
+          </a:p>
+          <a:p>
+            <a:pPr lvl="1"/>
+            <a:r>
+              <a:rPr lang="en-US" dirty="0"/>
+              <a:t>Initially tried all stocks compared on one graph together, but we were not able to get any insights visually from that setup</a:t>
+            </a:r>
+          </a:p>
+          <a:p>
+            <a:r>
+              <a:rPr lang="en-US" dirty="0"/>
+              <a:t>Insights</a:t>
+            </a:r>
+          </a:p>
+          <a:p>
+            <a:pPr lvl="1"/>
+            <a:r>
+              <a:rPr lang="en-US" dirty="0"/>
+              <a:t>Ax plot (5 subplots)</a:t>
+            </a:r>
+          </a:p>
+          <a:p>
+            <a:pPr lvl="1"/>
+            <a:r>
+              <a:rPr lang="en-US" dirty="0"/>
+              <a:t>Formatting </a:t>
+            </a:r>
+          </a:p>
+          <a:p>
+            <a:pPr lvl="1"/>
+            <a:endParaRPr lang="en-US" dirty="0"/>
+          </a:p>
+          <a:p>
+            <a:pPr lvl="1"/>
             <a:endParaRPr lang="en-US" dirty="0"/>
           </a:p>
         </p:txBody>
@@ -7864,7 +8045,7 @@
           <p:cNvPr id="2" name="Title 1">
             <a:extLst>
               <a:ext uri="{FF2B5EF4-FFF2-40B4-BE49-F238E27FC236}">
-                <a16:creationId xmlns:a16="http://schemas.microsoft.com/office/drawing/2014/main" id="{4A242C12-3B21-B146-9E0B-F6C65F515235}"/>
+                <a16:creationId xmlns:a16="http://schemas.microsoft.com/office/drawing/2014/main" id="{D46A4253-AAB7-D24C-8840-7F3FE0A7FFFB}"/>
               </a:ext>
             </a:extLst>
           </p:cNvPr>
@@ -7877,37 +8058,13 @@
         </p:nvSpPr>
         <p:spPr/>
         <p:txBody>
-          <a:bodyPr>
-            <a:normAutofit/>
-          </a:bodyPr>
+          <a:bodyPr/>
           <a:lstStyle/>
           <a:p>
             <a:r>
               <a:rPr lang="en-US" dirty="0"/>
-              <a:t>Question two</a:t>
-            </a:r>
-            <a:br>
-              <a:rPr lang="en-US" dirty="0"/>
-            </a:br>
-            <a:r>
-              <a:rPr lang="en-US" dirty="0"/>
-              <a:t>	</a:t>
-            </a:r>
-            <a:r>
-              <a:rPr lang="en-US" sz="2000" dirty="0">
-                <a:solidFill>
-                  <a:schemeClr val="tx2"/>
-                </a:solidFill>
-                <a:effectLst/>
-              </a:rPr>
-              <a:t>Are there yearly events that contribute to stock volatility? </a:t>
-            </a:r>
-            <a:br>
-              <a:rPr lang="en-US" dirty="0">
-                <a:effectLst/>
-              </a:rPr>
-            </a:br>
-            <a:endParaRPr lang="en-US" dirty="0"/>
+              <a:t>Question One Analysis</a:t>
+            </a:r>
           </a:p>
         </p:txBody>
       </p:sp>
@@ -7916,7 +8073,7 @@
           <p:cNvPr id="3" name="Content Placeholder 2">
             <a:extLst>
               <a:ext uri="{FF2B5EF4-FFF2-40B4-BE49-F238E27FC236}">
-                <a16:creationId xmlns:a16="http://schemas.microsoft.com/office/drawing/2014/main" id="{FF46F437-3B0B-7C4C-BA5C-CC4FD54319B7}"/>
+                <a16:creationId xmlns:a16="http://schemas.microsoft.com/office/drawing/2014/main" id="{3B3C36AB-FDA4-774D-B03F-42FC6F67664A}"/>
               </a:ext>
             </a:extLst>
           </p:cNvPr>
@@ -7924,7 +8081,7 @@
             <a:spLocks noGrp="1"/>
           </p:cNvSpPr>
           <p:nvPr>
-            <p:ph idx="1"/>
+            <p:ph sz="half" idx="1"/>
           </p:nvPr>
         </p:nvSpPr>
         <p:spPr/>
@@ -7936,10 +8093,65 @@
           </a:p>
         </p:txBody>
       </p:sp>
+      <p:sp>
+        <p:nvSpPr>
+          <p:cNvPr id="4" name="Content Placeholder 3">
+            <a:extLst>
+              <a:ext uri="{FF2B5EF4-FFF2-40B4-BE49-F238E27FC236}">
+                <a16:creationId xmlns:a16="http://schemas.microsoft.com/office/drawing/2014/main" id="{471148D0-894D-3648-9BF4-232FAD21EDDB}"/>
+              </a:ext>
+            </a:extLst>
+          </p:cNvPr>
+          <p:cNvSpPr>
+            <a:spLocks noGrp="1"/>
+          </p:cNvSpPr>
+          <p:nvPr>
+            <p:ph sz="half" idx="2"/>
+          </p:nvPr>
+        </p:nvSpPr>
+        <p:spPr/>
+        <p:txBody>
+          <a:bodyPr/>
+          <a:lstStyle/>
+          <a:p>
+            <a:endParaRPr lang="en-US"/>
+          </a:p>
+        </p:txBody>
+      </p:sp>
+      <p:pic>
+        <p:nvPicPr>
+          <p:cNvPr id="5" name="Content Placeholder 4" descr="A picture containing graphical user interface&#10;&#10;Description automatically generated">
+            <a:extLst>
+              <a:ext uri="{FF2B5EF4-FFF2-40B4-BE49-F238E27FC236}">
+                <a16:creationId xmlns:a16="http://schemas.microsoft.com/office/drawing/2014/main" id="{45A4C912-F747-D146-9205-3D74AC757590}"/>
+              </a:ext>
+            </a:extLst>
+          </p:cNvPr>
+          <p:cNvPicPr>
+            <a:picLocks noChangeAspect="1"/>
+          </p:cNvPicPr>
+          <p:nvPr/>
+        </p:nvPicPr>
+        <p:blipFill>
+          <a:blip r:embed="rId2"/>
+          <a:stretch>
+            <a:fillRect/>
+          </a:stretch>
+        </p:blipFill>
+        <p:spPr>
+          <a:xfrm>
+            <a:off x="6418554" y="148936"/>
+            <a:ext cx="5290848" cy="6560127"/>
+          </a:xfrm>
+          <a:prstGeom prst="rect">
+            <a:avLst/>
+          </a:prstGeom>
+        </p:spPr>
+      </p:pic>
     </p:spTree>
     <p:extLst>
       <p:ext uri="{BB962C8B-B14F-4D97-AF65-F5344CB8AC3E}">
-        <p14:creationId xmlns:p14="http://schemas.microsoft.com/office/powerpoint/2010/main" val="72044492"/>
+        <p14:creationId xmlns:p14="http://schemas.microsoft.com/office/powerpoint/2010/main" val="1239905746"/>
       </p:ext>
     </p:extLst>
   </p:cSld>
@@ -7971,7 +8183,7 @@
           <p:cNvPr id="2" name="Title 1">
             <a:extLst>
               <a:ext uri="{FF2B5EF4-FFF2-40B4-BE49-F238E27FC236}">
-                <a16:creationId xmlns:a16="http://schemas.microsoft.com/office/drawing/2014/main" id="{2D2138B0-5A47-9448-8B9A-E504D38F7278}"/>
+                <a16:creationId xmlns:a16="http://schemas.microsoft.com/office/drawing/2014/main" id="{4A242C12-3B21-B146-9E0B-F6C65F515235}"/>
               </a:ext>
             </a:extLst>
           </p:cNvPr>
@@ -7991,7 +8203,7 @@
           <a:p>
             <a:r>
               <a:rPr lang="en-US" dirty="0"/>
-              <a:t>Question three</a:t>
+              <a:t>Question two</a:t>
             </a:r>
             <a:br>
               <a:rPr lang="en-US" dirty="0"/>
@@ -8007,13 +8219,14 @@
                 </a:solidFill>
                 <a:effectLst/>
               </a:rPr>
-              <a:t>Are there general good times to buy and sell the big 5 throughout 	the calendar year?</a:t>
-            </a:r>
-            <a:endParaRPr lang="en-US" sz="2000" dirty="0">
-              <a:solidFill>
-                <a:schemeClr val="tx2"/>
-              </a:solidFill>
-            </a:endParaRPr>
+              <a:t>Are there yearly events that contribute to stock volatility? </a:t>
+            </a:r>
+            <a:br>
+              <a:rPr lang="en-US" dirty="0">
+                <a:effectLst/>
+              </a:rPr>
+            </a:br>
+            <a:endParaRPr lang="en-US" dirty="0"/>
           </a:p>
         </p:txBody>
       </p:sp>
@@ -8022,7 +8235,7 @@
           <p:cNvPr id="3" name="Content Placeholder 2">
             <a:extLst>
               <a:ext uri="{FF2B5EF4-FFF2-40B4-BE49-F238E27FC236}">
-                <a16:creationId xmlns:a16="http://schemas.microsoft.com/office/drawing/2014/main" id="{0B9AFAF9-666A-0E4B-87D0-A2AB2B725C54}"/>
+                <a16:creationId xmlns:a16="http://schemas.microsoft.com/office/drawing/2014/main" id="{FF46F437-3B0B-7C4C-BA5C-CC4FD54319B7}"/>
               </a:ext>
             </a:extLst>
           </p:cNvPr>
@@ -8045,7 +8258,7 @@
     </p:spTree>
     <p:extLst>
       <p:ext uri="{BB962C8B-B14F-4D97-AF65-F5344CB8AC3E}">
-        <p14:creationId xmlns:p14="http://schemas.microsoft.com/office/powerpoint/2010/main" val="1024771790"/>
+        <p14:creationId xmlns:p14="http://schemas.microsoft.com/office/powerpoint/2010/main" val="72044492"/>
       </p:ext>
     </p:extLst>
   </p:cSld>
@@ -8077,7 +8290,7 @@
           <p:cNvPr id="2" name="Title 1">
             <a:extLst>
               <a:ext uri="{FF2B5EF4-FFF2-40B4-BE49-F238E27FC236}">
-                <a16:creationId xmlns:a16="http://schemas.microsoft.com/office/drawing/2014/main" id="{230E2674-3D65-D848-BE7A-4B8C48FFEB04}"/>
+                <a16:creationId xmlns:a16="http://schemas.microsoft.com/office/drawing/2014/main" id="{2D2138B0-5A47-9448-8B9A-E504D38F7278}"/>
               </a:ext>
             </a:extLst>
           </p:cNvPr>
@@ -8097,7 +8310,7 @@
           <a:p>
             <a:r>
               <a:rPr lang="en-US" dirty="0"/>
-              <a:t>Question four</a:t>
+              <a:t>Question three</a:t>
             </a:r>
             <a:br>
               <a:rPr lang="en-US" dirty="0"/>
@@ -8113,14 +8326,13 @@
                 </a:solidFill>
                 <a:effectLst/>
               </a:rPr>
-              <a:t>Did the big 5 outperform or underperform the NASDAQ composite 	as a whole over the 10 year period?</a:t>
-            </a:r>
-            <a:br>
-              <a:rPr lang="en-US" dirty="0">
-                <a:effectLst/>
-              </a:rPr>
-            </a:br>
-            <a:endParaRPr lang="en-US" dirty="0"/>
+              <a:t>Are there general good times to buy and sell the big 5 throughout 	the calendar year?</a:t>
+            </a:r>
+            <a:endParaRPr lang="en-US" sz="2000" dirty="0">
+              <a:solidFill>
+                <a:schemeClr val="tx2"/>
+              </a:solidFill>
+            </a:endParaRPr>
           </a:p>
         </p:txBody>
       </p:sp>
@@ -8129,7 +8341,7 @@
           <p:cNvPr id="3" name="Content Placeholder 2">
             <a:extLst>
               <a:ext uri="{FF2B5EF4-FFF2-40B4-BE49-F238E27FC236}">
-                <a16:creationId xmlns:a16="http://schemas.microsoft.com/office/drawing/2014/main" id="{6975C132-844A-DA46-BDD6-A5725C4D8785}"/>
+                <a16:creationId xmlns:a16="http://schemas.microsoft.com/office/drawing/2014/main" id="{0B9AFAF9-666A-0E4B-87D0-A2AB2B725C54}"/>
               </a:ext>
             </a:extLst>
           </p:cNvPr>
@@ -8152,7 +8364,7 @@
     </p:spTree>
     <p:extLst>
       <p:ext uri="{BB962C8B-B14F-4D97-AF65-F5344CB8AC3E}">
-        <p14:creationId xmlns:p14="http://schemas.microsoft.com/office/powerpoint/2010/main" val="267335466"/>
+        <p14:creationId xmlns:p14="http://schemas.microsoft.com/office/powerpoint/2010/main" val="1024771790"/>
       </p:ext>
     </p:extLst>
   </p:cSld>
@@ -8184,7 +8396,7 @@
           <p:cNvPr id="2" name="Title 1">
             <a:extLst>
               <a:ext uri="{FF2B5EF4-FFF2-40B4-BE49-F238E27FC236}">
-                <a16:creationId xmlns:a16="http://schemas.microsoft.com/office/drawing/2014/main" id="{0E6F4F1D-D8AD-7145-9B10-8B451E818CC5}"/>
+                <a16:creationId xmlns:a16="http://schemas.microsoft.com/office/drawing/2014/main" id="{230E2674-3D65-D848-BE7A-4B8C48FFEB04}"/>
               </a:ext>
             </a:extLst>
           </p:cNvPr>
@@ -8204,7 +8416,7 @@
           <a:p>
             <a:r>
               <a:rPr lang="en-US" dirty="0"/>
-              <a:t>Question five</a:t>
+              <a:t>Question four</a:t>
             </a:r>
             <a:br>
               <a:rPr lang="en-US" dirty="0"/>
@@ -8220,7 +8432,7 @@
                 </a:solidFill>
                 <a:effectLst/>
               </a:rPr>
-              <a:t>Of all the shares bought in the big 5, who had the most shares 	bought over the last 10 years?</a:t>
+              <a:t>Did the big 5 outperform or underperform the NASDAQ composite 	as a whole over the 10 year period?</a:t>
             </a:r>
             <a:br>
               <a:rPr lang="en-US" dirty="0">
@@ -8236,7 +8448,7 @@
           <p:cNvPr id="3" name="Content Placeholder 2">
             <a:extLst>
               <a:ext uri="{FF2B5EF4-FFF2-40B4-BE49-F238E27FC236}">
-                <a16:creationId xmlns:a16="http://schemas.microsoft.com/office/drawing/2014/main" id="{8EC8B87A-4771-0A4E-AC04-6FD4531CF440}"/>
+                <a16:creationId xmlns:a16="http://schemas.microsoft.com/office/drawing/2014/main" id="{6975C132-844A-DA46-BDD6-A5725C4D8785}"/>
               </a:ext>
             </a:extLst>
           </p:cNvPr>
@@ -8259,7 +8471,7 @@
     </p:spTree>
     <p:extLst>
       <p:ext uri="{BB962C8B-B14F-4D97-AF65-F5344CB8AC3E}">
-        <p14:creationId xmlns:p14="http://schemas.microsoft.com/office/powerpoint/2010/main" val="747034048"/>
+        <p14:creationId xmlns:p14="http://schemas.microsoft.com/office/powerpoint/2010/main" val="267335466"/>
       </p:ext>
     </p:extLst>
   </p:cSld>
